--- a/Backup/Institucional/2. Películas en las que nos enfocamos.pptx
+++ b/Backup/Institucional/2. Películas en las que nos enfocamos.pptx
@@ -19,9 +19,9 @@
     <p:sldId id="267" r:id="rId13"/>
     <p:sldId id="269" r:id="rId14"/>
     <p:sldId id="270" r:id="rId15"/>
-    <p:sldId id="271" r:id="rId16"/>
-    <p:sldId id="279" r:id="rId17"/>
-    <p:sldId id="262" r:id="rId18"/>
+    <p:sldId id="279" r:id="rId16"/>
+    <p:sldId id="262" r:id="rId17"/>
+    <p:sldId id="280" r:id="rId18"/>
   </p:sldIdLst>
   <p:sldSz cx="12192000" cy="6858000"/>
   <p:notesSz cx="6858000" cy="9144000"/>
@@ -226,7 +226,7 @@
           <a:p>
             <a:fld id="{5E7BC0B9-7968-46DA-BD98-A4B72B3266A7}" type="datetimeFigureOut">
               <a:rPr lang="es-AR" smtClean="0"/>
-              <a:t>26/jun.24</a:t>
+              <a:t>27/jun.24</a:t>
             </a:fld>
             <a:endParaRPr lang="es-AR"/>
           </a:p>
@@ -391,7 +391,7 @@
           <a:p>
             <a:fld id="{5E7BC0B9-7968-46DA-BD98-A4B72B3266A7}" type="datetimeFigureOut">
               <a:rPr lang="es-AR" smtClean="0"/>
-              <a:t>26/jun.24</a:t>
+              <a:t>27/jun.24</a:t>
             </a:fld>
             <a:endParaRPr lang="es-AR"/>
           </a:p>
@@ -759,7 +759,7 @@
           <a:p>
             <a:fld id="{5E7BC0B9-7968-46DA-BD98-A4B72B3266A7}" type="datetimeFigureOut">
               <a:rPr lang="es-AR" smtClean="0"/>
-              <a:t>26/jun.24</a:t>
+              <a:t>27/jun.24</a:t>
             </a:fld>
             <a:endParaRPr lang="es-AR"/>
           </a:p>
@@ -1001,7 +1001,7 @@
           <a:p>
             <a:fld id="{5E7BC0B9-7968-46DA-BD98-A4B72B3266A7}" type="datetimeFigureOut">
               <a:rPr lang="es-AR" smtClean="0"/>
-              <a:t>26/jun.24</a:t>
+              <a:t>27/jun.24</a:t>
             </a:fld>
             <a:endParaRPr lang="es-AR"/>
           </a:p>
@@ -1445,6 +1445,13 @@
   <p:clrMapOvr>
     <a:masterClrMapping/>
   </p:clrMapOvr>
+  <p:timing>
+    <p:tnLst>
+      <p:par>
+        <p:cTn id="1" dur="indefinite" restart="never" nodeType="tmRoot"/>
+      </p:par>
+    </p:tnLst>
+  </p:timing>
 </p:sld>
 </file>
 
@@ -4816,15 +4823,7 @@
                             <a:schemeClr val="bg1"/>
                           </a:solidFill>
                         </a:rPr>
-                        <a:t>Con </a:t>
-                      </a:r>
-                      <a:r>
-                        <a:rPr lang="es-AR" dirty="0" smtClean="0">
-                          <a:solidFill>
-                            <a:schemeClr val="bg1"/>
-                          </a:solidFill>
-                        </a:rPr>
-                        <a:t>valores afines </a:t>
+                        <a:t>Con valores afines </a:t>
                       </a:r>
                     </a:p>
                     <a:p>
@@ -5910,15 +5909,7 @@
                             <a:schemeClr val="bg1"/>
                           </a:solidFill>
                         </a:rPr>
-                        <a:t>Con </a:t>
-                      </a:r>
-                      <a:r>
-                        <a:rPr lang="es-AR" dirty="0" smtClean="0">
-                          <a:solidFill>
-                            <a:schemeClr val="bg1"/>
-                          </a:solidFill>
-                        </a:rPr>
-                        <a:t>valores afines </a:t>
+                        <a:t>Con valores afines </a:t>
                       </a:r>
                     </a:p>
                     <a:p>
@@ -7101,15 +7092,7 @@
                             <a:schemeClr val="bg1"/>
                           </a:solidFill>
                         </a:rPr>
-                        <a:t>Con </a:t>
-                      </a:r>
-                      <a:r>
-                        <a:rPr lang="es-AR" dirty="0" smtClean="0">
-                          <a:solidFill>
-                            <a:schemeClr val="bg1"/>
-                          </a:solidFill>
-                        </a:rPr>
-                        <a:t>valores afines </a:t>
+                        <a:t>Con valores afines </a:t>
                       </a:r>
                     </a:p>
                     <a:p>
@@ -8258,15 +8241,7 @@
                             <a:schemeClr val="bg1"/>
                           </a:solidFill>
                         </a:rPr>
-                        <a:t>Con </a:t>
-                      </a:r>
-                      <a:r>
-                        <a:rPr lang="es-AR" dirty="0" smtClean="0">
-                          <a:solidFill>
-                            <a:schemeClr val="bg1"/>
-                          </a:solidFill>
-                        </a:rPr>
-                        <a:t>valores afines </a:t>
+                        <a:t>Con valores afines </a:t>
                       </a:r>
                     </a:p>
                     <a:p>
@@ -9189,2370 +9164,6 @@
           <p:nvPr>
             <p:extLst>
               <p:ext uri="{D42A27DB-BD31-4B8C-83A1-F6EECF244321}">
-                <p14:modId xmlns:p14="http://schemas.microsoft.com/office/powerpoint/2010/main" val="2475002709"/>
-              </p:ext>
-            </p:extLst>
-          </p:nvPr>
-        </p:nvGraphicFramePr>
-        <p:xfrm>
-          <a:off x="1188000" y="1872000"/>
-          <a:ext cx="9818675" cy="3453282"/>
-        </p:xfrm>
-        <a:graphic>
-          <a:graphicData uri="http://schemas.openxmlformats.org/drawingml/2006/table">
-            <a:tbl>
-              <a:tblPr>
-                <a:tableStyleId>{5C22544A-7EE6-4342-B048-85BDC9FD1C3A}</a:tableStyleId>
-              </a:tblPr>
-              <a:tblGrid>
-                <a:gridCol w="1972246">
-                  <a:extLst>
-                    <a:ext uri="{9D8B030D-6E8A-4147-A177-3AD203B41FA5}">
-                      <a16:colId xmlns:a16="http://schemas.microsoft.com/office/drawing/2014/main" val="2213745050"/>
-                    </a:ext>
-                  </a:extLst>
-                </a:gridCol>
-                <a:gridCol w="2016045">
-                  <a:extLst>
-                    <a:ext uri="{9D8B030D-6E8A-4147-A177-3AD203B41FA5}">
-                      <a16:colId xmlns:a16="http://schemas.microsoft.com/office/drawing/2014/main" val="2961072054"/>
-                    </a:ext>
-                  </a:extLst>
-                </a:gridCol>
-                <a:gridCol w="338893">
-                  <a:extLst>
-                    <a:ext uri="{9D8B030D-6E8A-4147-A177-3AD203B41FA5}">
-                      <a16:colId xmlns:a16="http://schemas.microsoft.com/office/drawing/2014/main" val="2642678661"/>
-                    </a:ext>
-                  </a:extLst>
-                </a:gridCol>
-                <a:gridCol w="316953">
-                  <a:extLst>
-                    <a:ext uri="{9D8B030D-6E8A-4147-A177-3AD203B41FA5}">
-                      <a16:colId xmlns:a16="http://schemas.microsoft.com/office/drawing/2014/main" val="2023592740"/>
-                    </a:ext>
-                  </a:extLst>
-                </a:gridCol>
-                <a:gridCol w="2037991">
-                  <a:extLst>
-                    <a:ext uri="{9D8B030D-6E8A-4147-A177-3AD203B41FA5}">
-                      <a16:colId xmlns:a16="http://schemas.microsoft.com/office/drawing/2014/main" val="1375816917"/>
-                    </a:ext>
-                  </a:extLst>
-                </a:gridCol>
-                <a:gridCol w="3136547">
-                  <a:extLst>
-                    <a:ext uri="{9D8B030D-6E8A-4147-A177-3AD203B41FA5}">
-                      <a16:colId xmlns:a16="http://schemas.microsoft.com/office/drawing/2014/main" val="2386111916"/>
-                    </a:ext>
-                  </a:extLst>
-                </a:gridCol>
-              </a:tblGrid>
-              <a:tr h="728592">
-                <a:tc>
-                  <a:txBody>
-                    <a:bodyPr/>
-                    <a:lstStyle/>
-                    <a:p>
-                      <a:pPr algn="ctr"/>
-                      <a:r>
-                        <a:rPr lang="es-AR" b="1" dirty="0" smtClean="0">
-                          <a:solidFill>
-                            <a:schemeClr val="bg1"/>
-                          </a:solidFill>
-                        </a:rPr>
-                        <a:t>Grupo</a:t>
-                      </a:r>
-                      <a:endParaRPr lang="es-AR" b="1" dirty="0">
-                        <a:solidFill>
-                          <a:schemeClr val="bg1"/>
-                        </a:solidFill>
-                      </a:endParaRPr>
-                    </a:p>
-                  </a:txBody>
-                  <a:tcPr anchor="ctr">
-                    <a:solidFill>
-                      <a:schemeClr val="bg2">
-                        <a:lumMod val="25000"/>
-                      </a:schemeClr>
-                    </a:solidFill>
-                  </a:tcPr>
-                </a:tc>
-                <a:tc gridSpan="2">
-                  <a:txBody>
-                    <a:bodyPr/>
-                    <a:lstStyle/>
-                    <a:p>
-                      <a:pPr algn="ctr"/>
-                      <a:r>
-                        <a:rPr lang="es-AR" b="1" dirty="0" smtClean="0">
-                          <a:solidFill>
-                            <a:schemeClr val="bg1"/>
-                          </a:solidFill>
-                        </a:rPr>
-                        <a:t>Relacionadas con</a:t>
-                      </a:r>
-                    </a:p>
-                    <a:p>
-                      <a:pPr algn="ctr"/>
-                      <a:r>
-                        <a:rPr lang="es-AR" b="1" dirty="0" smtClean="0">
-                          <a:solidFill>
-                            <a:schemeClr val="bg1"/>
-                          </a:solidFill>
-                        </a:rPr>
-                        <a:t>la Iglesia Católica</a:t>
-                      </a:r>
-                      <a:endParaRPr lang="es-AR" b="1" dirty="0">
-                        <a:solidFill>
-                          <a:schemeClr val="bg1"/>
-                        </a:solidFill>
-                      </a:endParaRPr>
-                    </a:p>
-                  </a:txBody>
-                  <a:tcPr anchor="ctr">
-                    <a:solidFill>
-                      <a:schemeClr val="accent6">
-                        <a:lumMod val="50000"/>
-                      </a:schemeClr>
-                    </a:solidFill>
-                  </a:tcPr>
-                </a:tc>
-                <a:tc hMerge="1">
-                  <a:txBody>
-                    <a:bodyPr/>
-                    <a:lstStyle/>
-                    <a:p>
-                      <a:endParaRPr lang="es-AR"/>
-                    </a:p>
-                  </a:txBody>
-                  <a:tcPr/>
-                </a:tc>
-                <a:tc gridSpan="2">
-                  <a:txBody>
-                    <a:bodyPr/>
-                    <a:lstStyle/>
-                    <a:p>
-                      <a:pPr marL="0" algn="ctr" defTabSz="914400" rtl="0" eaLnBrk="1" latinLnBrk="0" hangingPunct="1"/>
-                      <a:r>
-                        <a:rPr lang="es-AR" sz="1800" b="1" kern="1200" dirty="0" smtClean="0">
-                          <a:solidFill>
-                            <a:schemeClr val="bg1"/>
-                          </a:solidFill>
-                          <a:latin typeface="+mn-lt"/>
-                          <a:ea typeface="+mn-ea"/>
-                          <a:cs typeface="+mn-cs"/>
-                        </a:rPr>
-                        <a:t>Sin relación con </a:t>
-                      </a:r>
-                    </a:p>
-                    <a:p>
-                      <a:pPr marL="0" algn="ctr" defTabSz="914400" rtl="0" eaLnBrk="1" latinLnBrk="0" hangingPunct="1"/>
-                      <a:r>
-                        <a:rPr lang="es-AR" sz="1800" b="1" kern="1200" dirty="0" smtClean="0">
-                          <a:solidFill>
-                            <a:schemeClr val="bg1"/>
-                          </a:solidFill>
-                          <a:latin typeface="+mn-lt"/>
-                          <a:ea typeface="+mn-ea"/>
-                          <a:cs typeface="+mn-cs"/>
-                        </a:rPr>
-                        <a:t>la Iglesia Católica</a:t>
-                      </a:r>
-                      <a:endParaRPr lang="es-AR" sz="1800" b="1" kern="1200" dirty="0">
-                        <a:solidFill>
-                          <a:schemeClr val="bg1"/>
-                        </a:solidFill>
-                        <a:latin typeface="+mn-lt"/>
-                        <a:ea typeface="+mn-ea"/>
-                        <a:cs typeface="+mn-cs"/>
-                      </a:endParaRPr>
-                    </a:p>
-                  </a:txBody>
-                  <a:tcPr anchor="ctr">
-                    <a:lnR w="12700" cmpd="sng">
-                      <a:noFill/>
-                    </a:lnR>
-                    <a:solidFill>
-                      <a:schemeClr val="accent5">
-                        <a:lumMod val="50000"/>
-                      </a:schemeClr>
-                    </a:solidFill>
-                  </a:tcPr>
-                </a:tc>
-                <a:tc hMerge="1">
-                  <a:txBody>
-                    <a:bodyPr/>
-                    <a:lstStyle/>
-                    <a:p>
-                      <a:endParaRPr lang="es-AR"/>
-                    </a:p>
-                  </a:txBody>
-                  <a:tcPr/>
-                </a:tc>
-                <a:tc>
-                  <a:txBody>
-                    <a:bodyPr/>
-                    <a:lstStyle/>
-                    <a:p>
-                      <a:pPr marL="0" algn="l" defTabSz="914400" rtl="0" eaLnBrk="1" latinLnBrk="0" hangingPunct="1"/>
-                      <a:endParaRPr lang="es-AR" sz="1800" b="1" kern="1200" dirty="0">
-                        <a:solidFill>
-                          <a:schemeClr val="bg1"/>
-                        </a:solidFill>
-                        <a:latin typeface="+mn-lt"/>
-                        <a:ea typeface="+mn-ea"/>
-                        <a:cs typeface="+mn-cs"/>
-                      </a:endParaRPr>
-                    </a:p>
-                  </a:txBody>
-                  <a:tcPr anchor="ctr">
-                    <a:lnL w="12700" cmpd="sng">
-                      <a:noFill/>
-                    </a:lnL>
-                    <a:lnR w="12700" cmpd="sng">
-                      <a:noFill/>
-                    </a:lnR>
-                    <a:lnT w="12700" cmpd="sng">
-                      <a:noFill/>
-                    </a:lnT>
-                    <a:lnB w="12700" cmpd="sng">
-                      <a:noFill/>
-                    </a:lnB>
-                    <a:lnTlToBr w="12700" cmpd="sng">
-                      <a:noFill/>
-                      <a:prstDash val="solid"/>
-                    </a:lnTlToBr>
-                    <a:lnBlToTr w="12700" cmpd="sng">
-                      <a:noFill/>
-                      <a:prstDash val="solid"/>
-                    </a:lnBlToTr>
-                    <a:noFill/>
-                  </a:tcPr>
-                </a:tc>
-                <a:extLst>
-                  <a:ext uri="{0D108BD9-81ED-4DB2-BD59-A6C34878D82A}">
-                    <a16:rowId xmlns:a16="http://schemas.microsoft.com/office/drawing/2014/main" val="197205259"/>
-                  </a:ext>
-                </a:extLst>
-              </a:tr>
-              <a:tr h="908230">
-                <a:tc rowSpan="2">
-                  <a:txBody>
-                    <a:bodyPr/>
-                    <a:lstStyle/>
-                    <a:p>
-                      <a:pPr algn="ctr"/>
-                      <a:r>
-                        <a:rPr lang="es-AR" dirty="0" smtClean="0">
-                          <a:solidFill>
-                            <a:schemeClr val="bg1"/>
-                          </a:solidFill>
-                        </a:rPr>
-                        <a:t>Con </a:t>
-                      </a:r>
-                      <a:r>
-                        <a:rPr lang="es-AR" dirty="0" smtClean="0">
-                          <a:solidFill>
-                            <a:schemeClr val="bg1"/>
-                          </a:solidFill>
-                        </a:rPr>
-                        <a:t>valores afines </a:t>
-                      </a:r>
-                    </a:p>
-                    <a:p>
-                      <a:pPr algn="ctr"/>
-                      <a:r>
-                        <a:rPr lang="es-AR" dirty="0" smtClean="0">
-                          <a:solidFill>
-                            <a:schemeClr val="bg1"/>
-                          </a:solidFill>
-                        </a:rPr>
-                        <a:t>y dejan huella</a:t>
-                      </a:r>
-                      <a:endParaRPr lang="es-AR" dirty="0">
-                        <a:solidFill>
-                          <a:schemeClr val="bg1"/>
-                        </a:solidFill>
-                      </a:endParaRPr>
-                    </a:p>
-                  </a:txBody>
-                  <a:tcPr anchor="ctr">
-                    <a:solidFill>
-                      <a:schemeClr val="bg1">
-                        <a:lumMod val="50000"/>
-                      </a:schemeClr>
-                    </a:solidFill>
-                  </a:tcPr>
-                </a:tc>
-                <a:tc>
-                  <a:txBody>
-                    <a:bodyPr/>
-                    <a:lstStyle/>
-                    <a:p>
-                      <a:pPr marL="0" indent="0" algn="ctr" defTabSz="914400" rtl="0" eaLnBrk="1" latinLnBrk="0" hangingPunct="1">
-                        <a:buFont typeface="Arial" panose="020B0604020202020204" pitchFamily="34" charset="0"/>
-                        <a:buNone/>
-                        <a:tabLst>
-                          <a:tab pos="1976438" algn="r"/>
-                        </a:tabLst>
-                      </a:pPr>
-                      <a:r>
-                        <a:rPr lang="es-AR" sz="3600" b="1" kern="1200" dirty="0" smtClean="0">
-                          <a:solidFill>
-                            <a:schemeClr val="bg1"/>
-                          </a:solidFill>
-                          <a:latin typeface="Wingdings" panose="05000000000000000000" pitchFamily="2" charset="2"/>
-                          <a:ea typeface="+mn-ea"/>
-                          <a:cs typeface="+mn-cs"/>
-                        </a:rPr>
-                        <a:t>ü</a:t>
-                      </a:r>
-                      <a:endParaRPr lang="es-AR" sz="3600" b="1" kern="1200" dirty="0">
-                        <a:solidFill>
-                          <a:schemeClr val="bg1"/>
-                        </a:solidFill>
-                        <a:latin typeface="Wingdings" panose="05000000000000000000" pitchFamily="2" charset="2"/>
-                        <a:ea typeface="+mn-ea"/>
-                        <a:cs typeface="+mn-cs"/>
-                      </a:endParaRPr>
-                    </a:p>
-                  </a:txBody>
-                  <a:tcPr anchor="ctr">
-                    <a:solidFill>
-                      <a:schemeClr val="accent6">
-                        <a:lumMod val="75000"/>
-                      </a:schemeClr>
-                    </a:solidFill>
-                  </a:tcPr>
-                </a:tc>
-                <a:tc rowSpan="2" gridSpan="2">
-                  <a:txBody>
-                    <a:bodyPr/>
-                    <a:lstStyle/>
-                    <a:p>
-                      <a:pPr marL="0" indent="0" algn="ctr" defTabSz="914400" rtl="0" eaLnBrk="1" latinLnBrk="0" hangingPunct="1">
-                        <a:lnSpc>
-                          <a:spcPct val="75000"/>
-                        </a:lnSpc>
-                        <a:buFont typeface="Arial" panose="020B0604020202020204" pitchFamily="34" charset="0"/>
-                        <a:buNone/>
-                        <a:tabLst>
-                          <a:tab pos="1976438" algn="r"/>
-                        </a:tabLst>
-                      </a:pPr>
-                      <a:r>
-                        <a:rPr lang="es-AR" sz="3600" b="1" kern="1200" dirty="0" smtClean="0">
-                          <a:solidFill>
-                            <a:schemeClr val="bg1"/>
-                          </a:solidFill>
-                          <a:latin typeface="Wingdings" panose="05000000000000000000" pitchFamily="2" charset="2"/>
-                          <a:ea typeface="+mn-ea"/>
-                          <a:cs typeface="+mn-cs"/>
-                        </a:rPr>
-                        <a:t>û</a:t>
-                      </a:r>
-                      <a:endParaRPr lang="es-AR" sz="3600" b="1" kern="1200" dirty="0">
-                        <a:solidFill>
-                          <a:schemeClr val="bg1"/>
-                        </a:solidFill>
-                        <a:latin typeface="Wingdings" panose="05000000000000000000" pitchFamily="2" charset="2"/>
-                        <a:ea typeface="+mn-ea"/>
-                        <a:cs typeface="+mn-cs"/>
-                      </a:endParaRPr>
-                    </a:p>
-                  </a:txBody>
-                  <a:tcPr anchor="ctr">
-                    <a:solidFill>
-                      <a:schemeClr val="accent2">
-                        <a:lumMod val="75000"/>
-                      </a:schemeClr>
-                    </a:solidFill>
-                  </a:tcPr>
-                </a:tc>
-                <a:tc rowSpan="2" hMerge="1">
-                  <a:txBody>
-                    <a:bodyPr/>
-                    <a:lstStyle/>
-                    <a:p>
-                      <a:pPr marL="0" marR="0" indent="0" algn="ctr" defTabSz="914400" rtl="0" eaLnBrk="1" fontAlgn="auto" latinLnBrk="0" hangingPunct="1">
-                        <a:lnSpc>
-                          <a:spcPct val="75000"/>
-                        </a:lnSpc>
-                        <a:spcBef>
-                          <a:spcPts val="0"/>
-                        </a:spcBef>
-                        <a:spcAft>
-                          <a:spcPts val="0"/>
-                        </a:spcAft>
-                        <a:buClrTx/>
-                        <a:buSzTx/>
-                        <a:buFont typeface="Arial" panose="020B0604020202020204" pitchFamily="34" charset="0"/>
-                        <a:buNone/>
-                        <a:tabLst/>
-                        <a:defRPr/>
-                      </a:pPr>
-                      <a:endParaRPr lang="es-AR" sz="1200" kern="1200" dirty="0" smtClean="0">
-                        <a:solidFill>
-                          <a:schemeClr val="bg1"/>
-                        </a:solidFill>
-                        <a:latin typeface="+mn-lt"/>
-                        <a:ea typeface="+mn-ea"/>
-                        <a:cs typeface="+mn-cs"/>
-                      </a:endParaRPr>
-                    </a:p>
-                  </a:txBody>
-                  <a:tcPr vert="vert270" anchor="ctr">
-                    <a:solidFill>
-                      <a:schemeClr val="accent2">
-                        <a:lumMod val="75000"/>
-                      </a:schemeClr>
-                    </a:solidFill>
-                  </a:tcPr>
-                </a:tc>
-                <a:tc>
-                  <a:txBody>
-                    <a:bodyPr/>
-                    <a:lstStyle/>
-                    <a:p>
-                      <a:pPr marL="0" indent="0" algn="ctr" defTabSz="914400" rtl="0" eaLnBrk="1" latinLnBrk="0" hangingPunct="1">
-                        <a:buFont typeface="Arial" panose="020B0604020202020204" pitchFamily="34" charset="0"/>
-                        <a:buNone/>
-                        <a:tabLst>
-                          <a:tab pos="1976438" algn="r"/>
-                        </a:tabLst>
-                      </a:pPr>
-                      <a:r>
-                        <a:rPr lang="es-AR" sz="3600" b="1" kern="1200" dirty="0" smtClean="0">
-                          <a:solidFill>
-                            <a:schemeClr val="bg1"/>
-                          </a:solidFill>
-                          <a:latin typeface="Wingdings" panose="05000000000000000000" pitchFamily="2" charset="2"/>
-                          <a:ea typeface="+mn-ea"/>
-                          <a:cs typeface="+mn-cs"/>
-                        </a:rPr>
-                        <a:t>ü</a:t>
-                      </a:r>
-                      <a:endParaRPr lang="es-AR" sz="3600" b="1" kern="1200" dirty="0">
-                        <a:solidFill>
-                          <a:schemeClr val="bg1"/>
-                        </a:solidFill>
-                        <a:latin typeface="Wingdings" panose="05000000000000000000" pitchFamily="2" charset="2"/>
-                        <a:ea typeface="+mn-ea"/>
-                        <a:cs typeface="+mn-cs"/>
-                      </a:endParaRPr>
-                    </a:p>
-                  </a:txBody>
-                  <a:tcPr anchor="ctr">
-                    <a:lnR w="12700" cmpd="sng">
-                      <a:noFill/>
-                    </a:lnR>
-                    <a:solidFill>
-                      <a:schemeClr val="accent5">
-                        <a:lumMod val="75000"/>
-                      </a:schemeClr>
-                    </a:solidFill>
-                  </a:tcPr>
-                </a:tc>
-                <a:tc>
-                  <a:txBody>
-                    <a:bodyPr/>
-                    <a:lstStyle/>
-                    <a:p>
-                      <a:endParaRPr lang="es-AR" dirty="0">
-                        <a:solidFill>
-                          <a:schemeClr val="bg1"/>
-                        </a:solidFill>
-                      </a:endParaRPr>
-                    </a:p>
-                  </a:txBody>
-                  <a:tcPr anchor="ctr">
-                    <a:lnL w="12700" cmpd="sng">
-                      <a:noFill/>
-                    </a:lnL>
-                    <a:lnR w="12700" cmpd="sng">
-                      <a:noFill/>
-                    </a:lnR>
-                    <a:lnT w="12700" cmpd="sng">
-                      <a:noFill/>
-                    </a:lnT>
-                    <a:lnB w="12700" cmpd="sng">
-                      <a:noFill/>
-                    </a:lnB>
-                    <a:lnTlToBr w="12700" cmpd="sng">
-                      <a:noFill/>
-                      <a:prstDash val="solid"/>
-                    </a:lnTlToBr>
-                    <a:lnBlToTr w="12700" cmpd="sng">
-                      <a:noFill/>
-                      <a:prstDash val="solid"/>
-                    </a:lnBlToTr>
-                    <a:noFill/>
-                  </a:tcPr>
-                </a:tc>
-                <a:extLst>
-                  <a:ext uri="{0D108BD9-81ED-4DB2-BD59-A6C34878D82A}">
-                    <a16:rowId xmlns:a16="http://schemas.microsoft.com/office/drawing/2014/main" val="1875015337"/>
-                  </a:ext>
-                </a:extLst>
-              </a:tr>
-              <a:tr h="908230">
-                <a:tc vMerge="1">
-                  <a:txBody>
-                    <a:bodyPr/>
-                    <a:lstStyle/>
-                    <a:p>
-                      <a:pPr algn="ctr"/>
-                      <a:endParaRPr lang="es-AR" dirty="0"/>
-                    </a:p>
-                  </a:txBody>
-                  <a:tcPr anchor="ctr"/>
-                </a:tc>
-                <a:tc>
-                  <a:txBody>
-                    <a:bodyPr/>
-                    <a:lstStyle/>
-                    <a:p>
-                      <a:pPr marL="0" indent="0" algn="ctr" defTabSz="914400" rtl="0" eaLnBrk="1" latinLnBrk="0" hangingPunct="1">
-                        <a:buFont typeface="Arial" panose="020B0604020202020204" pitchFamily="34" charset="0"/>
-                        <a:buNone/>
-                        <a:tabLst>
-                          <a:tab pos="1976438" algn="r"/>
-                        </a:tabLst>
-                      </a:pPr>
-                      <a:r>
-                        <a:rPr lang="es-AR" sz="3600" b="1" kern="1200" dirty="0" smtClean="0">
-                          <a:solidFill>
-                            <a:schemeClr val="accent6">
-                              <a:lumMod val="50000"/>
-                            </a:schemeClr>
-                          </a:solidFill>
-                          <a:latin typeface="Wingdings" panose="05000000000000000000" pitchFamily="2" charset="2"/>
-                          <a:ea typeface="+mn-ea"/>
-                          <a:cs typeface="+mn-cs"/>
-                        </a:rPr>
-                        <a:t>ü</a:t>
-                      </a:r>
-                      <a:endParaRPr lang="es-AR" sz="3600" b="1" kern="1200" dirty="0">
-                        <a:solidFill>
-                          <a:schemeClr val="accent6">
-                            <a:lumMod val="50000"/>
-                          </a:schemeClr>
-                        </a:solidFill>
-                        <a:latin typeface="Wingdings" panose="05000000000000000000" pitchFamily="2" charset="2"/>
-                        <a:ea typeface="+mn-ea"/>
-                        <a:cs typeface="+mn-cs"/>
-                      </a:endParaRPr>
-                    </a:p>
-                  </a:txBody>
-                  <a:tcPr anchor="ctr">
-                    <a:solidFill>
-                      <a:schemeClr val="accent6">
-                        <a:lumMod val="60000"/>
-                        <a:lumOff val="40000"/>
-                      </a:schemeClr>
-                    </a:solidFill>
-                  </a:tcPr>
-                </a:tc>
-                <a:tc gridSpan="2" vMerge="1">
-                  <a:txBody>
-                    <a:bodyPr/>
-                    <a:lstStyle/>
-                    <a:p>
-                      <a:pPr marL="0" marR="0" indent="0" algn="ctr" defTabSz="914400" rtl="0" eaLnBrk="1" fontAlgn="auto" latinLnBrk="0" hangingPunct="1">
-                        <a:lnSpc>
-                          <a:spcPct val="75000"/>
-                        </a:lnSpc>
-                        <a:spcBef>
-                          <a:spcPts val="0"/>
-                        </a:spcBef>
-                        <a:spcAft>
-                          <a:spcPts val="0"/>
-                        </a:spcAft>
-                        <a:buClrTx/>
-                        <a:buSzTx/>
-                        <a:buFont typeface="Arial" panose="020B0604020202020204" pitchFamily="34" charset="0"/>
-                        <a:buNone/>
-                        <a:tabLst>
-                          <a:tab pos="1976438" algn="r"/>
-                        </a:tabLst>
-                        <a:defRPr/>
-                      </a:pPr>
-                      <a:endParaRPr lang="es-AR" sz="1200" kern="1200" dirty="0" smtClean="0">
-                        <a:solidFill>
-                          <a:schemeClr val="bg1"/>
-                        </a:solidFill>
-                        <a:latin typeface="+mn-lt"/>
-                        <a:ea typeface="+mn-ea"/>
-                        <a:cs typeface="+mn-cs"/>
-                      </a:endParaRPr>
-                    </a:p>
-                  </a:txBody>
-                  <a:tcPr vert="vert270" anchor="ctr">
-                    <a:solidFill>
-                      <a:schemeClr val="accent2">
-                        <a:lumMod val="75000"/>
-                      </a:schemeClr>
-                    </a:solidFill>
-                  </a:tcPr>
-                </a:tc>
-                <a:tc hMerge="1" vMerge="1">
-                  <a:txBody>
-                    <a:bodyPr/>
-                    <a:lstStyle/>
-                    <a:p>
-                      <a:pPr marL="0" indent="0" algn="ctr">
-                        <a:lnSpc>
-                          <a:spcPct val="75000"/>
-                        </a:lnSpc>
-                        <a:buFont typeface="Arial" panose="020B0604020202020204" pitchFamily="34" charset="0"/>
-                        <a:buNone/>
-                      </a:pPr>
-                      <a:endParaRPr lang="es-AR" sz="1200" dirty="0"/>
-                    </a:p>
-                  </a:txBody>
-                  <a:tcPr vert="vert270" anchor="ctr">
-                    <a:solidFill>
-                      <a:schemeClr val="accent2">
-                        <a:lumMod val="75000"/>
-                      </a:schemeClr>
-                    </a:solidFill>
-                  </a:tcPr>
-                </a:tc>
-                <a:tc>
-                  <a:txBody>
-                    <a:bodyPr/>
-                    <a:lstStyle/>
-                    <a:p>
-                      <a:pPr marL="0" indent="0" algn="ctr" defTabSz="914400" rtl="0" eaLnBrk="1" latinLnBrk="0" hangingPunct="1">
-                        <a:buFont typeface="Arial" panose="020B0604020202020204" pitchFamily="34" charset="0"/>
-                        <a:buNone/>
-                        <a:tabLst>
-                          <a:tab pos="1976438" algn="r"/>
-                        </a:tabLst>
-                      </a:pPr>
-                      <a:r>
-                        <a:rPr lang="es-AR" sz="3600" b="1" kern="1200" dirty="0" smtClean="0">
-                          <a:solidFill>
-                            <a:schemeClr val="accent5">
-                              <a:lumMod val="50000"/>
-                            </a:schemeClr>
-                          </a:solidFill>
-                          <a:latin typeface="Wingdings" panose="05000000000000000000" pitchFamily="2" charset="2"/>
-                          <a:ea typeface="+mn-ea"/>
-                          <a:cs typeface="+mn-cs"/>
-                        </a:rPr>
-                        <a:t>ü</a:t>
-                      </a:r>
-                      <a:endParaRPr lang="es-AR" sz="3600" b="1" kern="1200" dirty="0">
-                        <a:solidFill>
-                          <a:schemeClr val="accent5">
-                            <a:lumMod val="50000"/>
-                          </a:schemeClr>
-                        </a:solidFill>
-                        <a:latin typeface="Wingdings" panose="05000000000000000000" pitchFamily="2" charset="2"/>
-                        <a:ea typeface="+mn-ea"/>
-                        <a:cs typeface="+mn-cs"/>
-                      </a:endParaRPr>
-                    </a:p>
-                  </a:txBody>
-                  <a:tcPr anchor="ctr">
-                    <a:solidFill>
-                      <a:schemeClr val="accent5">
-                        <a:lumMod val="40000"/>
-                        <a:lumOff val="60000"/>
-                      </a:schemeClr>
-                    </a:solidFill>
-                  </a:tcPr>
-                </a:tc>
-                <a:tc>
-                  <a:txBody>
-                    <a:bodyPr/>
-                    <a:lstStyle/>
-                    <a:p>
-                      <a:pPr marL="0" marR="0" indent="0" algn="l" defTabSz="914400" rtl="0" eaLnBrk="1" fontAlgn="auto" latinLnBrk="0" hangingPunct="1">
-                        <a:lnSpc>
-                          <a:spcPct val="100000"/>
-                        </a:lnSpc>
-                        <a:spcBef>
-                          <a:spcPts val="0"/>
-                        </a:spcBef>
-                        <a:spcAft>
-                          <a:spcPts val="0"/>
-                        </a:spcAft>
-                        <a:buClrTx/>
-                        <a:buSzTx/>
-                        <a:buFont typeface="Arial" panose="020B0604020202020204" pitchFamily="34" charset="0"/>
-                        <a:buNone/>
-                        <a:tabLst/>
-                        <a:defRPr/>
-                      </a:pPr>
-                      <a:r>
-                        <a:rPr lang="es-AR" sz="1800" kern="1200" dirty="0" smtClean="0">
-                          <a:solidFill>
-                            <a:schemeClr val="bg1"/>
-                          </a:solidFill>
-                          <a:latin typeface="+mn-lt"/>
-                          <a:ea typeface="+mn-ea"/>
-                          <a:cs typeface="+mn-cs"/>
-                        </a:rPr>
-                        <a:t>Objeciones</a:t>
-                      </a:r>
-                      <a:r>
-                        <a:rPr lang="es-AR" sz="1800" kern="1200" baseline="0" dirty="0" smtClean="0">
-                          <a:solidFill>
-                            <a:schemeClr val="bg1"/>
-                          </a:solidFill>
-                          <a:latin typeface="+mn-lt"/>
-                          <a:ea typeface="+mn-ea"/>
-                          <a:cs typeface="+mn-cs"/>
-                        </a:rPr>
-                        <a:t> por su contenido</a:t>
-                      </a:r>
-                      <a:endParaRPr lang="es-AR" sz="1800" kern="1200" dirty="0" smtClean="0">
-                        <a:solidFill>
-                          <a:schemeClr val="bg1"/>
-                        </a:solidFill>
-                        <a:latin typeface="+mn-lt"/>
-                        <a:ea typeface="+mn-ea"/>
-                        <a:cs typeface="+mn-cs"/>
-                      </a:endParaRPr>
-                    </a:p>
-                  </a:txBody>
-                  <a:tcPr anchor="ctr">
-                    <a:lnT w="12700" cmpd="sng">
-                      <a:noFill/>
-                    </a:lnT>
-                    <a:lnB w="12700" cmpd="sng">
-                      <a:noFill/>
-                    </a:lnB>
-                    <a:solidFill>
-                      <a:schemeClr val="bg1">
-                        <a:lumMod val="50000"/>
-                      </a:schemeClr>
-                    </a:solidFill>
-                  </a:tcPr>
-                </a:tc>
-                <a:extLst>
-                  <a:ext uri="{0D108BD9-81ED-4DB2-BD59-A6C34878D82A}">
-                    <a16:rowId xmlns:a16="http://schemas.microsoft.com/office/drawing/2014/main" val="3879676700"/>
-                  </a:ext>
-                </a:extLst>
-              </a:tr>
-              <a:tr h="908230">
-                <a:tc>
-                  <a:txBody>
-                    <a:bodyPr/>
-                    <a:lstStyle/>
-                    <a:p>
-                      <a:pPr marL="0" marR="0" indent="0" algn="ctr" defTabSz="914400" rtl="0" eaLnBrk="1" fontAlgn="auto" latinLnBrk="0" hangingPunct="1">
-                        <a:lnSpc>
-                          <a:spcPct val="100000"/>
-                        </a:lnSpc>
-                        <a:spcBef>
-                          <a:spcPts val="0"/>
-                        </a:spcBef>
-                        <a:spcAft>
-                          <a:spcPts val="0"/>
-                        </a:spcAft>
-                        <a:buClrTx/>
-                        <a:buSzTx/>
-                        <a:buFontTx/>
-                        <a:buNone/>
-                        <a:tabLst/>
-                        <a:defRPr/>
-                      </a:pPr>
-                      <a:r>
-                        <a:rPr lang="es-AR" dirty="0" smtClean="0"/>
-                        <a:t>Las demás</a:t>
-                      </a:r>
-                      <a:endParaRPr lang="es-AR" dirty="0"/>
-                    </a:p>
-                  </a:txBody>
-                  <a:tcPr anchor="ctr">
-                    <a:solidFill>
-                      <a:schemeClr val="bg1">
-                        <a:lumMod val="85000"/>
-                      </a:schemeClr>
-                    </a:solidFill>
-                  </a:tcPr>
-                </a:tc>
-                <a:tc gridSpan="4">
-                  <a:txBody>
-                    <a:bodyPr/>
-                    <a:lstStyle/>
-                    <a:p>
-                      <a:pPr marL="0" marR="0" lvl="0" indent="0" algn="ctr" defTabSz="914400" rtl="0" eaLnBrk="1" fontAlgn="auto" latinLnBrk="0" hangingPunct="1">
-                        <a:lnSpc>
-                          <a:spcPct val="100000"/>
-                        </a:lnSpc>
-                        <a:spcBef>
-                          <a:spcPts val="0"/>
-                        </a:spcBef>
-                        <a:spcAft>
-                          <a:spcPts val="0"/>
-                        </a:spcAft>
-                        <a:buClrTx/>
-                        <a:buSzTx/>
-                        <a:buFont typeface="Arial" panose="020B0604020202020204" pitchFamily="34" charset="0"/>
-                        <a:buNone/>
-                        <a:tabLst/>
-                        <a:defRPr/>
-                      </a:pPr>
-                      <a:r>
-                        <a:rPr kumimoji="0" lang="es-AR" sz="3600" b="1" i="0" u="none" strike="noStrike" kern="1200" cap="none" spc="0" normalizeH="0" baseline="0" noProof="0" dirty="0" smtClean="0">
-                          <a:ln>
-                            <a:noFill/>
-                          </a:ln>
-                          <a:solidFill>
-                            <a:schemeClr val="bg1"/>
-                          </a:solidFill>
-                          <a:effectLst/>
-                          <a:uLnTx/>
-                          <a:uFillTx/>
-                          <a:latin typeface="Wingdings" panose="05000000000000000000" pitchFamily="2" charset="2"/>
-                          <a:ea typeface="+mn-ea"/>
-                          <a:cs typeface="+mn-cs"/>
-                        </a:rPr>
-                        <a:t>û</a:t>
-                      </a:r>
-                      <a:endParaRPr kumimoji="0" lang="es-AR" sz="3600" b="1" i="0" u="none" strike="noStrike" kern="1200" cap="none" spc="0" normalizeH="0" baseline="0" noProof="0" dirty="0">
-                        <a:ln>
-                          <a:noFill/>
-                        </a:ln>
-                        <a:solidFill>
-                          <a:schemeClr val="bg1"/>
-                        </a:solidFill>
-                        <a:effectLst/>
-                        <a:uLnTx/>
-                        <a:uFillTx/>
-                        <a:latin typeface="Wingdings" panose="05000000000000000000" pitchFamily="2" charset="2"/>
-                        <a:ea typeface="+mn-ea"/>
-                        <a:cs typeface="+mn-cs"/>
-                      </a:endParaRPr>
-                    </a:p>
-                  </a:txBody>
-                  <a:tcPr anchor="ctr">
-                    <a:lnR w="12700" cmpd="sng">
-                      <a:noFill/>
-                    </a:lnR>
-                    <a:solidFill>
-                      <a:schemeClr val="accent2">
-                        <a:lumMod val="75000"/>
-                      </a:schemeClr>
-                    </a:solidFill>
-                  </a:tcPr>
-                </a:tc>
-                <a:tc hMerge="1">
-                  <a:txBody>
-                    <a:bodyPr/>
-                    <a:lstStyle/>
-                    <a:p>
-                      <a:pPr marL="176213" marR="0" lvl="0" indent="-176213" algn="l" defTabSz="914400" rtl="0" eaLnBrk="1" fontAlgn="auto" latinLnBrk="0" hangingPunct="1">
-                        <a:lnSpc>
-                          <a:spcPct val="100000"/>
-                        </a:lnSpc>
-                        <a:spcBef>
-                          <a:spcPts val="0"/>
-                        </a:spcBef>
-                        <a:spcAft>
-                          <a:spcPts val="0"/>
-                        </a:spcAft>
-                        <a:buClrTx/>
-                        <a:buSzTx/>
-                        <a:buFont typeface="Arial" panose="020B0604020202020204" pitchFamily="34" charset="0"/>
-                        <a:buChar char="•"/>
-                        <a:tabLst>
-                          <a:tab pos="1976438" algn="r"/>
-                        </a:tabLst>
-                        <a:defRPr/>
-                      </a:pPr>
-                      <a:endParaRPr kumimoji="0" lang="es-AR" sz="1200" b="0" i="0" u="none" strike="noStrike" kern="1200" cap="none" spc="0" normalizeH="0" baseline="0" noProof="0" dirty="0">
-                        <a:ln>
-                          <a:noFill/>
-                        </a:ln>
-                        <a:solidFill>
-                          <a:prstClr val="black"/>
-                        </a:solidFill>
-                        <a:effectLst/>
-                        <a:uLnTx/>
-                        <a:uFillTx/>
-                        <a:latin typeface="Calibri" panose="020F0502020204030204"/>
-                        <a:ea typeface="+mn-ea"/>
-                        <a:cs typeface="+mn-cs"/>
-                      </a:endParaRPr>
-                    </a:p>
-                  </a:txBody>
-                  <a:tcPr anchor="ctr">
-                    <a:solidFill>
-                      <a:schemeClr val="accent2">
-                        <a:lumMod val="40000"/>
-                        <a:lumOff val="60000"/>
-                      </a:schemeClr>
-                    </a:solidFill>
-                  </a:tcPr>
-                </a:tc>
-                <a:tc hMerge="1">
-                  <a:txBody>
-                    <a:bodyPr/>
-                    <a:lstStyle/>
-                    <a:p>
-                      <a:pPr marL="176213" marR="0" lvl="0" indent="-176213" algn="l" defTabSz="914400" rtl="0" eaLnBrk="1" fontAlgn="auto" latinLnBrk="0" hangingPunct="1">
-                        <a:lnSpc>
-                          <a:spcPct val="100000"/>
-                        </a:lnSpc>
-                        <a:spcBef>
-                          <a:spcPts val="0"/>
-                        </a:spcBef>
-                        <a:spcAft>
-                          <a:spcPts val="0"/>
-                        </a:spcAft>
-                        <a:buClrTx/>
-                        <a:buSzTx/>
-                        <a:buFont typeface="Arial" panose="020B0604020202020204" pitchFamily="34" charset="0"/>
-                        <a:buChar char="•"/>
-                        <a:tabLst>
-                          <a:tab pos="1976438" algn="r"/>
-                        </a:tabLst>
-                        <a:defRPr/>
-                      </a:pPr>
-                      <a:endParaRPr kumimoji="0" lang="es-AR" sz="1200" b="0" i="0" u="none" strike="noStrike" kern="1200" cap="none" spc="0" normalizeH="0" baseline="0" noProof="0" dirty="0">
-                        <a:ln>
-                          <a:noFill/>
-                        </a:ln>
-                        <a:solidFill>
-                          <a:schemeClr val="bg1"/>
-                        </a:solidFill>
-                        <a:effectLst/>
-                        <a:uLnTx/>
-                        <a:uFillTx/>
-                        <a:latin typeface="Calibri" panose="020F0502020204030204"/>
-                        <a:ea typeface="+mn-ea"/>
-                        <a:cs typeface="+mn-cs"/>
-                      </a:endParaRPr>
-                    </a:p>
-                  </a:txBody>
-                  <a:tcPr anchor="ctr">
-                    <a:solidFill>
-                      <a:schemeClr val="accent2">
-                        <a:lumMod val="75000"/>
-                      </a:schemeClr>
-                    </a:solidFill>
-                  </a:tcPr>
-                </a:tc>
-                <a:tc hMerge="1">
-                  <a:txBody>
-                    <a:bodyPr/>
-                    <a:lstStyle/>
-                    <a:p>
-                      <a:pPr marL="176213" marR="0" lvl="0" indent="-176213" algn="l" defTabSz="914400" rtl="0" eaLnBrk="1" fontAlgn="auto" latinLnBrk="0" hangingPunct="1">
-                        <a:lnSpc>
-                          <a:spcPct val="100000"/>
-                        </a:lnSpc>
-                        <a:spcBef>
-                          <a:spcPts val="0"/>
-                        </a:spcBef>
-                        <a:spcAft>
-                          <a:spcPts val="0"/>
-                        </a:spcAft>
-                        <a:buClrTx/>
-                        <a:buSzTx/>
-                        <a:buFont typeface="Arial" panose="020B0604020202020204" pitchFamily="34" charset="0"/>
-                        <a:buChar char="•"/>
-                        <a:tabLst>
-                          <a:tab pos="1976438" algn="r"/>
-                        </a:tabLst>
-                        <a:defRPr/>
-                      </a:pPr>
-                      <a:endParaRPr kumimoji="0" lang="es-AR" sz="1200" b="0" i="0" u="none" strike="noStrike" kern="1200" cap="none" spc="0" normalizeH="0" baseline="0" noProof="0" dirty="0">
-                        <a:ln>
-                          <a:noFill/>
-                        </a:ln>
-                        <a:solidFill>
-                          <a:prstClr val="black"/>
-                        </a:solidFill>
-                        <a:effectLst/>
-                        <a:uLnTx/>
-                        <a:uFillTx/>
-                        <a:latin typeface="Calibri" panose="020F0502020204030204"/>
-                        <a:ea typeface="+mn-ea"/>
-                        <a:cs typeface="+mn-cs"/>
-                      </a:endParaRPr>
-                    </a:p>
-                  </a:txBody>
-                  <a:tcPr anchor="ctr">
-                    <a:solidFill>
-                      <a:schemeClr val="accent2">
-                        <a:lumMod val="40000"/>
-                        <a:lumOff val="60000"/>
-                      </a:schemeClr>
-                    </a:solidFill>
-                  </a:tcPr>
-                </a:tc>
-                <a:tc>
-                  <a:txBody>
-                    <a:bodyPr/>
-                    <a:lstStyle/>
-                    <a:p>
-                      <a:pPr marL="171450" marR="0" indent="-171450" algn="l" defTabSz="914400" rtl="0" eaLnBrk="1" fontAlgn="auto" latinLnBrk="0" hangingPunct="1">
-                        <a:lnSpc>
-                          <a:spcPct val="100000"/>
-                        </a:lnSpc>
-                        <a:spcBef>
-                          <a:spcPts val="0"/>
-                        </a:spcBef>
-                        <a:spcAft>
-                          <a:spcPts val="0"/>
-                        </a:spcAft>
-                        <a:buClrTx/>
-                        <a:buSzTx/>
-                        <a:buFont typeface="Arial" panose="020B0604020202020204" pitchFamily="34" charset="0"/>
-                        <a:buChar char="•"/>
-                        <a:tabLst/>
-                        <a:defRPr/>
-                      </a:pPr>
-                      <a:endParaRPr lang="es-AR" sz="1200" kern="1200" baseline="30000" dirty="0" smtClean="0">
-                        <a:solidFill>
-                          <a:schemeClr val="dk1"/>
-                        </a:solidFill>
-                        <a:latin typeface="+mn-lt"/>
-                        <a:ea typeface="+mn-ea"/>
-                        <a:cs typeface="+mn-cs"/>
-                      </a:endParaRPr>
-                    </a:p>
-                  </a:txBody>
-                  <a:tcPr anchor="ctr">
-                    <a:lnL w="12700" cmpd="sng">
-                      <a:noFill/>
-                    </a:lnL>
-                    <a:lnR w="12700" cmpd="sng">
-                      <a:noFill/>
-                    </a:lnR>
-                    <a:lnT w="12700" cmpd="sng">
-                      <a:noFill/>
-                    </a:lnT>
-                    <a:lnB w="12700" cmpd="sng">
-                      <a:noFill/>
-                    </a:lnB>
-                    <a:lnTlToBr w="12700" cmpd="sng">
-                      <a:noFill/>
-                      <a:prstDash val="solid"/>
-                    </a:lnTlToBr>
-                    <a:lnBlToTr w="12700" cmpd="sng">
-                      <a:noFill/>
-                      <a:prstDash val="solid"/>
-                    </a:lnBlToTr>
-                    <a:noFill/>
-                  </a:tcPr>
-                </a:tc>
-                <a:extLst>
-                  <a:ext uri="{0D108BD9-81ED-4DB2-BD59-A6C34878D82A}">
-                    <a16:rowId xmlns:a16="http://schemas.microsoft.com/office/drawing/2014/main" val="2803898946"/>
-                  </a:ext>
-                </a:extLst>
-              </a:tr>
-            </a:tbl>
-          </a:graphicData>
-        </a:graphic>
-      </p:graphicFrame>
-      <p:sp>
-        <p:nvSpPr>
-          <p:cNvPr id="5" name="Título 4"/>
-          <p:cNvSpPr>
-            <a:spLocks noGrp="1"/>
-          </p:cNvSpPr>
-          <p:nvPr>
-            <p:ph type="title"/>
-          </p:nvPr>
-        </p:nvSpPr>
-        <p:spPr>
-          <a:xfrm>
-            <a:off x="838200" y="362049"/>
-            <a:ext cx="5304657" cy="701731"/>
-          </a:xfrm>
-        </p:spPr>
-        <p:txBody>
-          <a:bodyPr/>
-          <a:lstStyle/>
-          <a:p>
-            <a:r>
-              <a:rPr lang="es-AR" dirty="0"/>
-              <a:t>Experiencia de usuario</a:t>
-            </a:r>
-          </a:p>
-        </p:txBody>
-      </p:sp>
-      <p:sp>
-        <p:nvSpPr>
-          <p:cNvPr id="6" name="Marcador de texto 5"/>
-          <p:cNvSpPr>
-            <a:spLocks noGrp="1"/>
-          </p:cNvSpPr>
-          <p:nvPr>
-            <p:ph type="body" sz="quarter" idx="13"/>
-          </p:nvPr>
-        </p:nvSpPr>
-        <p:spPr>
-          <a:xfrm>
-            <a:off x="838200" y="1082573"/>
-            <a:ext cx="3843040" cy="480131"/>
-          </a:xfrm>
-        </p:spPr>
-        <p:txBody>
-          <a:bodyPr/>
-          <a:lstStyle/>
-          <a:p>
-            <a:r>
-              <a:rPr lang="es-AR" dirty="0"/>
-              <a:t>3</a:t>
-            </a:r>
-            <a:r>
-              <a:rPr lang="es-AR" dirty="0" smtClean="0"/>
-              <a:t>. Cuáles recomendamos</a:t>
-            </a:r>
-            <a:endParaRPr lang="es-AR" dirty="0"/>
-          </a:p>
-        </p:txBody>
-      </p:sp>
-      <p:sp>
-        <p:nvSpPr>
-          <p:cNvPr id="7" name="Marcador de texto 6"/>
-          <p:cNvSpPr>
-            <a:spLocks noGrp="1"/>
-          </p:cNvSpPr>
-          <p:nvPr>
-            <p:ph type="body" sz="quarter" idx="14"/>
-          </p:nvPr>
-        </p:nvSpPr>
-        <p:spPr/>
-        <p:txBody>
-          <a:bodyPr/>
-          <a:lstStyle/>
-          <a:p>
-            <a:r>
-              <a:rPr lang="es-AR" dirty="0" smtClean="0"/>
-              <a:t>Aclaración sobre “las demás”: sólo las tenemos en </a:t>
-            </a:r>
-            <a:r>
-              <a:rPr lang="es-AR" dirty="0"/>
-              <a:t>base de datos </a:t>
-            </a:r>
-            <a:r>
-              <a:rPr lang="es-AR" dirty="0" smtClean="0"/>
-              <a:t>si </a:t>
-            </a:r>
-            <a:r>
-              <a:rPr lang="es-AR" dirty="0"/>
-              <a:t>se confunden con otro </a:t>
-            </a:r>
-            <a:r>
-              <a:rPr lang="es-AR" dirty="0" smtClean="0"/>
-              <a:t>sub-grupo</a:t>
-            </a:r>
-            <a:endParaRPr lang="es-AR" dirty="0"/>
-          </a:p>
-        </p:txBody>
-      </p:sp>
-      <p:graphicFrame>
-        <p:nvGraphicFramePr>
-          <p:cNvPr id="4" name="Tabla 3"/>
-          <p:cNvGraphicFramePr>
-            <a:graphicFrameLocks noGrp="1"/>
-          </p:cNvGraphicFramePr>
-          <p:nvPr>
-            <p:extLst>
-              <p:ext uri="{D42A27DB-BD31-4B8C-83A1-F6EECF244321}">
-                <p14:modId xmlns:p14="http://schemas.microsoft.com/office/powerpoint/2010/main" val="741675174"/>
-              </p:ext>
-            </p:extLst>
-          </p:nvPr>
-        </p:nvGraphicFramePr>
-        <p:xfrm>
-          <a:off x="1186663" y="1872000"/>
-          <a:ext cx="9818675" cy="3453282"/>
-        </p:xfrm>
-        <a:graphic>
-          <a:graphicData uri="http://schemas.openxmlformats.org/drawingml/2006/table">
-            <a:tbl>
-              <a:tblPr>
-                <a:tableStyleId>{5C22544A-7EE6-4342-B048-85BDC9FD1C3A}</a:tableStyleId>
-              </a:tblPr>
-              <a:tblGrid>
-                <a:gridCol w="1972246">
-                  <a:extLst>
-                    <a:ext uri="{9D8B030D-6E8A-4147-A177-3AD203B41FA5}">
-                      <a16:colId xmlns:a16="http://schemas.microsoft.com/office/drawing/2014/main" val="2213745050"/>
-                    </a:ext>
-                  </a:extLst>
-                </a:gridCol>
-                <a:gridCol w="2016045">
-                  <a:extLst>
-                    <a:ext uri="{9D8B030D-6E8A-4147-A177-3AD203B41FA5}">
-                      <a16:colId xmlns:a16="http://schemas.microsoft.com/office/drawing/2014/main" val="2961072054"/>
-                    </a:ext>
-                  </a:extLst>
-                </a:gridCol>
-                <a:gridCol w="338893">
-                  <a:extLst>
-                    <a:ext uri="{9D8B030D-6E8A-4147-A177-3AD203B41FA5}">
-                      <a16:colId xmlns:a16="http://schemas.microsoft.com/office/drawing/2014/main" val="2642678661"/>
-                    </a:ext>
-                  </a:extLst>
-                </a:gridCol>
-                <a:gridCol w="316953">
-                  <a:extLst>
-                    <a:ext uri="{9D8B030D-6E8A-4147-A177-3AD203B41FA5}">
-                      <a16:colId xmlns:a16="http://schemas.microsoft.com/office/drawing/2014/main" val="2023592740"/>
-                    </a:ext>
-                  </a:extLst>
-                </a:gridCol>
-                <a:gridCol w="2037991">
-                  <a:extLst>
-                    <a:ext uri="{9D8B030D-6E8A-4147-A177-3AD203B41FA5}">
-                      <a16:colId xmlns:a16="http://schemas.microsoft.com/office/drawing/2014/main" val="1375816917"/>
-                    </a:ext>
-                  </a:extLst>
-                </a:gridCol>
-                <a:gridCol w="3136547">
-                  <a:extLst>
-                    <a:ext uri="{9D8B030D-6E8A-4147-A177-3AD203B41FA5}">
-                      <a16:colId xmlns:a16="http://schemas.microsoft.com/office/drawing/2014/main" val="2386111916"/>
-                    </a:ext>
-                  </a:extLst>
-                </a:gridCol>
-              </a:tblGrid>
-              <a:tr h="728592">
-                <a:tc>
-                  <a:txBody>
-                    <a:bodyPr/>
-                    <a:lstStyle/>
-                    <a:p>
-                      <a:pPr algn="ctr"/>
-                      <a:r>
-                        <a:rPr lang="es-AR" b="1" dirty="0" smtClean="0">
-                          <a:solidFill>
-                            <a:schemeClr val="bg1"/>
-                          </a:solidFill>
-                        </a:rPr>
-                        <a:t>Grupo</a:t>
-                      </a:r>
-                      <a:endParaRPr lang="es-AR" b="1" dirty="0">
-                        <a:solidFill>
-                          <a:schemeClr val="bg1"/>
-                        </a:solidFill>
-                      </a:endParaRPr>
-                    </a:p>
-                  </a:txBody>
-                  <a:tcPr anchor="ctr">
-                    <a:solidFill>
-                      <a:schemeClr val="bg2">
-                        <a:lumMod val="25000"/>
-                      </a:schemeClr>
-                    </a:solidFill>
-                  </a:tcPr>
-                </a:tc>
-                <a:tc gridSpan="2">
-                  <a:txBody>
-                    <a:bodyPr/>
-                    <a:lstStyle/>
-                    <a:p>
-                      <a:pPr algn="ctr"/>
-                      <a:r>
-                        <a:rPr lang="es-AR" b="1" dirty="0" smtClean="0">
-                          <a:solidFill>
-                            <a:schemeClr val="bg1"/>
-                          </a:solidFill>
-                        </a:rPr>
-                        <a:t>Relacionadas con</a:t>
-                      </a:r>
-                    </a:p>
-                    <a:p>
-                      <a:pPr algn="ctr"/>
-                      <a:r>
-                        <a:rPr lang="es-AR" b="1" dirty="0" smtClean="0">
-                          <a:solidFill>
-                            <a:schemeClr val="bg1"/>
-                          </a:solidFill>
-                        </a:rPr>
-                        <a:t>la Iglesia Católica</a:t>
-                      </a:r>
-                      <a:endParaRPr lang="es-AR" b="1" dirty="0">
-                        <a:solidFill>
-                          <a:schemeClr val="bg1"/>
-                        </a:solidFill>
-                      </a:endParaRPr>
-                    </a:p>
-                  </a:txBody>
-                  <a:tcPr anchor="ctr">
-                    <a:solidFill>
-                      <a:schemeClr val="accent6">
-                        <a:lumMod val="50000"/>
-                      </a:schemeClr>
-                    </a:solidFill>
-                  </a:tcPr>
-                </a:tc>
-                <a:tc hMerge="1">
-                  <a:txBody>
-                    <a:bodyPr/>
-                    <a:lstStyle/>
-                    <a:p>
-                      <a:endParaRPr lang="es-AR"/>
-                    </a:p>
-                  </a:txBody>
-                  <a:tcPr/>
-                </a:tc>
-                <a:tc gridSpan="2">
-                  <a:txBody>
-                    <a:bodyPr/>
-                    <a:lstStyle/>
-                    <a:p>
-                      <a:pPr marL="0" algn="ctr" defTabSz="914400" rtl="0" eaLnBrk="1" latinLnBrk="0" hangingPunct="1"/>
-                      <a:r>
-                        <a:rPr lang="es-AR" sz="1800" b="1" kern="1200" dirty="0" smtClean="0">
-                          <a:solidFill>
-                            <a:schemeClr val="bg1"/>
-                          </a:solidFill>
-                          <a:latin typeface="+mn-lt"/>
-                          <a:ea typeface="+mn-ea"/>
-                          <a:cs typeface="+mn-cs"/>
-                        </a:rPr>
-                        <a:t>Sin relación con </a:t>
-                      </a:r>
-                    </a:p>
-                    <a:p>
-                      <a:pPr marL="0" algn="ctr" defTabSz="914400" rtl="0" eaLnBrk="1" latinLnBrk="0" hangingPunct="1"/>
-                      <a:r>
-                        <a:rPr lang="es-AR" sz="1800" b="1" kern="1200" dirty="0" smtClean="0">
-                          <a:solidFill>
-                            <a:schemeClr val="bg1"/>
-                          </a:solidFill>
-                          <a:latin typeface="+mn-lt"/>
-                          <a:ea typeface="+mn-ea"/>
-                          <a:cs typeface="+mn-cs"/>
-                        </a:rPr>
-                        <a:t>la Iglesia Católica</a:t>
-                      </a:r>
-                      <a:endParaRPr lang="es-AR" sz="1800" b="1" kern="1200" dirty="0">
-                        <a:solidFill>
-                          <a:schemeClr val="bg1"/>
-                        </a:solidFill>
-                        <a:latin typeface="+mn-lt"/>
-                        <a:ea typeface="+mn-ea"/>
-                        <a:cs typeface="+mn-cs"/>
-                      </a:endParaRPr>
-                    </a:p>
-                  </a:txBody>
-                  <a:tcPr anchor="ctr">
-                    <a:lnR w="12700" cmpd="sng">
-                      <a:noFill/>
-                    </a:lnR>
-                    <a:solidFill>
-                      <a:schemeClr val="accent5">
-                        <a:lumMod val="50000"/>
-                      </a:schemeClr>
-                    </a:solidFill>
-                  </a:tcPr>
-                </a:tc>
-                <a:tc hMerge="1">
-                  <a:txBody>
-                    <a:bodyPr/>
-                    <a:lstStyle/>
-                    <a:p>
-                      <a:endParaRPr lang="es-AR"/>
-                    </a:p>
-                  </a:txBody>
-                  <a:tcPr/>
-                </a:tc>
-                <a:tc>
-                  <a:txBody>
-                    <a:bodyPr/>
-                    <a:lstStyle/>
-                    <a:p>
-                      <a:pPr marL="0" algn="l" defTabSz="914400" rtl="0" eaLnBrk="1" latinLnBrk="0" hangingPunct="1"/>
-                      <a:endParaRPr lang="es-AR" sz="1800" b="1" kern="1200" dirty="0">
-                        <a:solidFill>
-                          <a:schemeClr val="bg1"/>
-                        </a:solidFill>
-                        <a:latin typeface="+mn-lt"/>
-                        <a:ea typeface="+mn-ea"/>
-                        <a:cs typeface="+mn-cs"/>
-                      </a:endParaRPr>
-                    </a:p>
-                  </a:txBody>
-                  <a:tcPr anchor="ctr">
-                    <a:lnL w="12700" cmpd="sng">
-                      <a:noFill/>
-                    </a:lnL>
-                    <a:lnR w="12700" cmpd="sng">
-                      <a:noFill/>
-                    </a:lnR>
-                    <a:lnT w="12700" cmpd="sng">
-                      <a:noFill/>
-                    </a:lnT>
-                    <a:lnB w="12700" cmpd="sng">
-                      <a:noFill/>
-                    </a:lnB>
-                    <a:lnTlToBr w="12700" cmpd="sng">
-                      <a:noFill/>
-                      <a:prstDash val="solid"/>
-                    </a:lnTlToBr>
-                    <a:lnBlToTr w="12700" cmpd="sng">
-                      <a:noFill/>
-                      <a:prstDash val="solid"/>
-                    </a:lnBlToTr>
-                    <a:noFill/>
-                  </a:tcPr>
-                </a:tc>
-                <a:extLst>
-                  <a:ext uri="{0D108BD9-81ED-4DB2-BD59-A6C34878D82A}">
-                    <a16:rowId xmlns:a16="http://schemas.microsoft.com/office/drawing/2014/main" val="197205259"/>
-                  </a:ext>
-                </a:extLst>
-              </a:tr>
-              <a:tr h="908230">
-                <a:tc rowSpan="2">
-                  <a:txBody>
-                    <a:bodyPr/>
-                    <a:lstStyle/>
-                    <a:p>
-                      <a:pPr algn="ctr"/>
-                      <a:r>
-                        <a:rPr lang="es-AR" dirty="0" smtClean="0">
-                          <a:solidFill>
-                            <a:schemeClr val="bg1"/>
-                          </a:solidFill>
-                        </a:rPr>
-                        <a:t>Con </a:t>
-                      </a:r>
-                      <a:r>
-                        <a:rPr lang="es-AR" dirty="0" smtClean="0">
-                          <a:solidFill>
-                            <a:schemeClr val="bg1"/>
-                          </a:solidFill>
-                        </a:rPr>
-                        <a:t>valores afines </a:t>
-                      </a:r>
-                    </a:p>
-                    <a:p>
-                      <a:pPr algn="ctr"/>
-                      <a:r>
-                        <a:rPr lang="es-AR" dirty="0" smtClean="0">
-                          <a:solidFill>
-                            <a:schemeClr val="bg1"/>
-                          </a:solidFill>
-                        </a:rPr>
-                        <a:t>y dejan huella</a:t>
-                      </a:r>
-                      <a:endParaRPr lang="es-AR" dirty="0">
-                        <a:solidFill>
-                          <a:schemeClr val="bg1"/>
-                        </a:solidFill>
-                      </a:endParaRPr>
-                    </a:p>
-                  </a:txBody>
-                  <a:tcPr anchor="ctr">
-                    <a:solidFill>
-                      <a:schemeClr val="bg1">
-                        <a:lumMod val="50000"/>
-                      </a:schemeClr>
-                    </a:solidFill>
-                  </a:tcPr>
-                </a:tc>
-                <a:tc>
-                  <a:txBody>
-                    <a:bodyPr/>
-                    <a:lstStyle/>
-                    <a:p>
-                      <a:pPr marL="0" indent="0" algn="ctr" defTabSz="914400" rtl="0" eaLnBrk="1" latinLnBrk="0" hangingPunct="1">
-                        <a:buFont typeface="Arial" panose="020B0604020202020204" pitchFamily="34" charset="0"/>
-                        <a:buNone/>
-                        <a:tabLst>
-                          <a:tab pos="1976438" algn="r"/>
-                        </a:tabLst>
-                      </a:pPr>
-                      <a:r>
-                        <a:rPr lang="es-AR" sz="3600" b="1" kern="1200" dirty="0" smtClean="0">
-                          <a:solidFill>
-                            <a:schemeClr val="bg1"/>
-                          </a:solidFill>
-                          <a:latin typeface="Wingdings" panose="05000000000000000000" pitchFamily="2" charset="2"/>
-                          <a:ea typeface="+mn-ea"/>
-                          <a:cs typeface="+mn-cs"/>
-                        </a:rPr>
-                        <a:t>ü</a:t>
-                      </a:r>
-                      <a:endParaRPr lang="es-AR" sz="3600" b="1" kern="1200" dirty="0">
-                        <a:solidFill>
-                          <a:schemeClr val="bg1"/>
-                        </a:solidFill>
-                        <a:latin typeface="Wingdings" panose="05000000000000000000" pitchFamily="2" charset="2"/>
-                        <a:ea typeface="+mn-ea"/>
-                        <a:cs typeface="+mn-cs"/>
-                      </a:endParaRPr>
-                    </a:p>
-                  </a:txBody>
-                  <a:tcPr anchor="ctr">
-                    <a:solidFill>
-                      <a:schemeClr val="accent6">
-                        <a:lumMod val="75000"/>
-                      </a:schemeClr>
-                    </a:solidFill>
-                  </a:tcPr>
-                </a:tc>
-                <a:tc rowSpan="2" gridSpan="2">
-                  <a:txBody>
-                    <a:bodyPr/>
-                    <a:lstStyle/>
-                    <a:p>
-                      <a:pPr marL="0" indent="0" algn="ctr" defTabSz="914400" rtl="0" eaLnBrk="1" latinLnBrk="0" hangingPunct="1">
-                        <a:lnSpc>
-                          <a:spcPct val="75000"/>
-                        </a:lnSpc>
-                        <a:buFont typeface="Arial" panose="020B0604020202020204" pitchFamily="34" charset="0"/>
-                        <a:buNone/>
-                        <a:tabLst>
-                          <a:tab pos="1976438" algn="r"/>
-                        </a:tabLst>
-                      </a:pPr>
-                      <a:r>
-                        <a:rPr lang="es-AR" sz="3600" b="1" kern="1200" dirty="0" smtClean="0">
-                          <a:solidFill>
-                            <a:schemeClr val="bg1"/>
-                          </a:solidFill>
-                          <a:latin typeface="Wingdings" panose="05000000000000000000" pitchFamily="2" charset="2"/>
-                          <a:ea typeface="+mn-ea"/>
-                          <a:cs typeface="+mn-cs"/>
-                        </a:rPr>
-                        <a:t>û</a:t>
-                      </a:r>
-                      <a:endParaRPr lang="es-AR" sz="3600" b="1" kern="1200" dirty="0">
-                        <a:solidFill>
-                          <a:schemeClr val="bg1"/>
-                        </a:solidFill>
-                        <a:latin typeface="Wingdings" panose="05000000000000000000" pitchFamily="2" charset="2"/>
-                        <a:ea typeface="+mn-ea"/>
-                        <a:cs typeface="+mn-cs"/>
-                      </a:endParaRPr>
-                    </a:p>
-                  </a:txBody>
-                  <a:tcPr anchor="ctr">
-                    <a:solidFill>
-                      <a:schemeClr val="accent2">
-                        <a:lumMod val="75000"/>
-                      </a:schemeClr>
-                    </a:solidFill>
-                  </a:tcPr>
-                </a:tc>
-                <a:tc rowSpan="2" hMerge="1">
-                  <a:txBody>
-                    <a:bodyPr/>
-                    <a:lstStyle/>
-                    <a:p>
-                      <a:pPr marL="0" marR="0" indent="0" algn="ctr" defTabSz="914400" rtl="0" eaLnBrk="1" fontAlgn="auto" latinLnBrk="0" hangingPunct="1">
-                        <a:lnSpc>
-                          <a:spcPct val="75000"/>
-                        </a:lnSpc>
-                        <a:spcBef>
-                          <a:spcPts val="0"/>
-                        </a:spcBef>
-                        <a:spcAft>
-                          <a:spcPts val="0"/>
-                        </a:spcAft>
-                        <a:buClrTx/>
-                        <a:buSzTx/>
-                        <a:buFont typeface="Arial" panose="020B0604020202020204" pitchFamily="34" charset="0"/>
-                        <a:buNone/>
-                        <a:tabLst/>
-                        <a:defRPr/>
-                      </a:pPr>
-                      <a:endParaRPr lang="es-AR" sz="1200" kern="1200" dirty="0" smtClean="0">
-                        <a:solidFill>
-                          <a:schemeClr val="bg1"/>
-                        </a:solidFill>
-                        <a:latin typeface="+mn-lt"/>
-                        <a:ea typeface="+mn-ea"/>
-                        <a:cs typeface="+mn-cs"/>
-                      </a:endParaRPr>
-                    </a:p>
-                  </a:txBody>
-                  <a:tcPr vert="vert270" anchor="ctr">
-                    <a:solidFill>
-                      <a:schemeClr val="accent2">
-                        <a:lumMod val="75000"/>
-                      </a:schemeClr>
-                    </a:solidFill>
-                  </a:tcPr>
-                </a:tc>
-                <a:tc>
-                  <a:txBody>
-                    <a:bodyPr/>
-                    <a:lstStyle/>
-                    <a:p>
-                      <a:pPr marL="0" indent="0" algn="ctr" defTabSz="914400" rtl="0" eaLnBrk="1" latinLnBrk="0" hangingPunct="1">
-                        <a:buFont typeface="Arial" panose="020B0604020202020204" pitchFamily="34" charset="0"/>
-                        <a:buNone/>
-                        <a:tabLst>
-                          <a:tab pos="1976438" algn="r"/>
-                        </a:tabLst>
-                      </a:pPr>
-                      <a:r>
-                        <a:rPr lang="es-AR" sz="3600" b="1" kern="1200" dirty="0" smtClean="0">
-                          <a:solidFill>
-                            <a:schemeClr val="bg1"/>
-                          </a:solidFill>
-                          <a:latin typeface="Wingdings" panose="05000000000000000000" pitchFamily="2" charset="2"/>
-                          <a:ea typeface="+mn-ea"/>
-                          <a:cs typeface="+mn-cs"/>
-                        </a:rPr>
-                        <a:t>ü</a:t>
-                      </a:r>
-                      <a:endParaRPr lang="es-AR" sz="3600" b="1" kern="1200" dirty="0">
-                        <a:solidFill>
-                          <a:schemeClr val="bg1"/>
-                        </a:solidFill>
-                        <a:latin typeface="Wingdings" panose="05000000000000000000" pitchFamily="2" charset="2"/>
-                        <a:ea typeface="+mn-ea"/>
-                        <a:cs typeface="+mn-cs"/>
-                      </a:endParaRPr>
-                    </a:p>
-                  </a:txBody>
-                  <a:tcPr anchor="ctr">
-                    <a:lnR w="12700" cmpd="sng">
-                      <a:noFill/>
-                    </a:lnR>
-                    <a:solidFill>
-                      <a:schemeClr val="accent5">
-                        <a:lumMod val="75000"/>
-                      </a:schemeClr>
-                    </a:solidFill>
-                  </a:tcPr>
-                </a:tc>
-                <a:tc>
-                  <a:txBody>
-                    <a:bodyPr/>
-                    <a:lstStyle/>
-                    <a:p>
-                      <a:endParaRPr lang="es-AR" dirty="0">
-                        <a:solidFill>
-                          <a:schemeClr val="bg1"/>
-                        </a:solidFill>
-                      </a:endParaRPr>
-                    </a:p>
-                  </a:txBody>
-                  <a:tcPr anchor="ctr">
-                    <a:lnL w="12700" cmpd="sng">
-                      <a:noFill/>
-                    </a:lnL>
-                    <a:lnR w="12700" cmpd="sng">
-                      <a:noFill/>
-                    </a:lnR>
-                    <a:lnT w="12700" cmpd="sng">
-                      <a:noFill/>
-                    </a:lnT>
-                    <a:lnB w="12700" cmpd="sng">
-                      <a:noFill/>
-                    </a:lnB>
-                    <a:lnTlToBr w="12700" cmpd="sng">
-                      <a:noFill/>
-                      <a:prstDash val="solid"/>
-                    </a:lnTlToBr>
-                    <a:lnBlToTr w="12700" cmpd="sng">
-                      <a:noFill/>
-                      <a:prstDash val="solid"/>
-                    </a:lnBlToTr>
-                    <a:noFill/>
-                  </a:tcPr>
-                </a:tc>
-                <a:extLst>
-                  <a:ext uri="{0D108BD9-81ED-4DB2-BD59-A6C34878D82A}">
-                    <a16:rowId xmlns:a16="http://schemas.microsoft.com/office/drawing/2014/main" val="1875015337"/>
-                  </a:ext>
-                </a:extLst>
-              </a:tr>
-              <a:tr h="908230">
-                <a:tc vMerge="1">
-                  <a:txBody>
-                    <a:bodyPr/>
-                    <a:lstStyle/>
-                    <a:p>
-                      <a:pPr algn="ctr"/>
-                      <a:endParaRPr lang="es-AR" dirty="0"/>
-                    </a:p>
-                  </a:txBody>
-                  <a:tcPr anchor="ctr"/>
-                </a:tc>
-                <a:tc>
-                  <a:txBody>
-                    <a:bodyPr/>
-                    <a:lstStyle/>
-                    <a:p>
-                      <a:pPr marL="0" indent="0" algn="ctr" defTabSz="914400" rtl="0" eaLnBrk="1" latinLnBrk="0" hangingPunct="1">
-                        <a:buFont typeface="Arial" panose="020B0604020202020204" pitchFamily="34" charset="0"/>
-                        <a:buNone/>
-                        <a:tabLst>
-                          <a:tab pos="1976438" algn="r"/>
-                        </a:tabLst>
-                      </a:pPr>
-                      <a:r>
-                        <a:rPr lang="es-AR" sz="3600" b="1" kern="1200" dirty="0" smtClean="0">
-                          <a:solidFill>
-                            <a:schemeClr val="accent6">
-                              <a:lumMod val="50000"/>
-                            </a:schemeClr>
-                          </a:solidFill>
-                          <a:latin typeface="Wingdings" panose="05000000000000000000" pitchFamily="2" charset="2"/>
-                          <a:ea typeface="+mn-ea"/>
-                          <a:cs typeface="+mn-cs"/>
-                        </a:rPr>
-                        <a:t>û</a:t>
-                      </a:r>
-                      <a:endParaRPr lang="es-AR" sz="3600" b="1" kern="1200" dirty="0">
-                        <a:solidFill>
-                          <a:schemeClr val="accent6">
-                            <a:lumMod val="50000"/>
-                          </a:schemeClr>
-                        </a:solidFill>
-                        <a:latin typeface="Wingdings" panose="05000000000000000000" pitchFamily="2" charset="2"/>
-                        <a:ea typeface="+mn-ea"/>
-                        <a:cs typeface="+mn-cs"/>
-                      </a:endParaRPr>
-                    </a:p>
-                  </a:txBody>
-                  <a:tcPr anchor="ctr">
-                    <a:solidFill>
-                      <a:schemeClr val="accent6">
-                        <a:lumMod val="60000"/>
-                        <a:lumOff val="40000"/>
-                      </a:schemeClr>
-                    </a:solidFill>
-                  </a:tcPr>
-                </a:tc>
-                <a:tc gridSpan="2" vMerge="1">
-                  <a:txBody>
-                    <a:bodyPr/>
-                    <a:lstStyle/>
-                    <a:p>
-                      <a:pPr marL="0" marR="0" indent="0" algn="ctr" defTabSz="914400" rtl="0" eaLnBrk="1" fontAlgn="auto" latinLnBrk="0" hangingPunct="1">
-                        <a:lnSpc>
-                          <a:spcPct val="75000"/>
-                        </a:lnSpc>
-                        <a:spcBef>
-                          <a:spcPts val="0"/>
-                        </a:spcBef>
-                        <a:spcAft>
-                          <a:spcPts val="0"/>
-                        </a:spcAft>
-                        <a:buClrTx/>
-                        <a:buSzTx/>
-                        <a:buFont typeface="Arial" panose="020B0604020202020204" pitchFamily="34" charset="0"/>
-                        <a:buNone/>
-                        <a:tabLst>
-                          <a:tab pos="1976438" algn="r"/>
-                        </a:tabLst>
-                        <a:defRPr/>
-                      </a:pPr>
-                      <a:endParaRPr lang="es-AR" sz="1200" kern="1200" dirty="0" smtClean="0">
-                        <a:solidFill>
-                          <a:schemeClr val="bg1"/>
-                        </a:solidFill>
-                        <a:latin typeface="+mn-lt"/>
-                        <a:ea typeface="+mn-ea"/>
-                        <a:cs typeface="+mn-cs"/>
-                      </a:endParaRPr>
-                    </a:p>
-                  </a:txBody>
-                  <a:tcPr vert="vert270" anchor="ctr">
-                    <a:solidFill>
-                      <a:schemeClr val="accent2">
-                        <a:lumMod val="75000"/>
-                      </a:schemeClr>
-                    </a:solidFill>
-                  </a:tcPr>
-                </a:tc>
-                <a:tc hMerge="1" vMerge="1">
-                  <a:txBody>
-                    <a:bodyPr/>
-                    <a:lstStyle/>
-                    <a:p>
-                      <a:pPr marL="0" indent="0" algn="ctr">
-                        <a:lnSpc>
-                          <a:spcPct val="75000"/>
-                        </a:lnSpc>
-                        <a:buFont typeface="Arial" panose="020B0604020202020204" pitchFamily="34" charset="0"/>
-                        <a:buNone/>
-                      </a:pPr>
-                      <a:endParaRPr lang="es-AR" sz="1200" dirty="0"/>
-                    </a:p>
-                  </a:txBody>
-                  <a:tcPr vert="vert270" anchor="ctr">
-                    <a:solidFill>
-                      <a:schemeClr val="accent2">
-                        <a:lumMod val="75000"/>
-                      </a:schemeClr>
-                    </a:solidFill>
-                  </a:tcPr>
-                </a:tc>
-                <a:tc>
-                  <a:txBody>
-                    <a:bodyPr/>
-                    <a:lstStyle/>
-                    <a:p>
-                      <a:pPr marL="0" indent="0" algn="ctr" defTabSz="914400" rtl="0" eaLnBrk="1" latinLnBrk="0" hangingPunct="1">
-                        <a:buFont typeface="Arial" panose="020B0604020202020204" pitchFamily="34" charset="0"/>
-                        <a:buNone/>
-                        <a:tabLst>
-                          <a:tab pos="1976438" algn="r"/>
-                        </a:tabLst>
-                      </a:pPr>
-                      <a:r>
-                        <a:rPr lang="es-AR" sz="3600" b="1" kern="1200" dirty="0" smtClean="0">
-                          <a:solidFill>
-                            <a:schemeClr val="accent5">
-                              <a:lumMod val="50000"/>
-                            </a:schemeClr>
-                          </a:solidFill>
-                          <a:latin typeface="Wingdings" panose="05000000000000000000" pitchFamily="2" charset="2"/>
-                          <a:ea typeface="+mn-ea"/>
-                          <a:cs typeface="+mn-cs"/>
-                        </a:rPr>
-                        <a:t>û</a:t>
-                      </a:r>
-                      <a:endParaRPr lang="es-AR" sz="3600" b="1" kern="1200" dirty="0">
-                        <a:solidFill>
-                          <a:schemeClr val="accent5">
-                            <a:lumMod val="50000"/>
-                          </a:schemeClr>
-                        </a:solidFill>
-                        <a:latin typeface="Wingdings" panose="05000000000000000000" pitchFamily="2" charset="2"/>
-                        <a:ea typeface="+mn-ea"/>
-                        <a:cs typeface="+mn-cs"/>
-                      </a:endParaRPr>
-                    </a:p>
-                  </a:txBody>
-                  <a:tcPr anchor="ctr">
-                    <a:solidFill>
-                      <a:schemeClr val="accent5">
-                        <a:lumMod val="40000"/>
-                        <a:lumOff val="60000"/>
-                      </a:schemeClr>
-                    </a:solidFill>
-                  </a:tcPr>
-                </a:tc>
-                <a:tc>
-                  <a:txBody>
-                    <a:bodyPr/>
-                    <a:lstStyle/>
-                    <a:p>
-                      <a:pPr marL="0" marR="0" indent="0" algn="l" defTabSz="914400" rtl="0" eaLnBrk="1" fontAlgn="auto" latinLnBrk="0" hangingPunct="1">
-                        <a:lnSpc>
-                          <a:spcPct val="100000"/>
-                        </a:lnSpc>
-                        <a:spcBef>
-                          <a:spcPts val="0"/>
-                        </a:spcBef>
-                        <a:spcAft>
-                          <a:spcPts val="0"/>
-                        </a:spcAft>
-                        <a:buClrTx/>
-                        <a:buSzTx/>
-                        <a:buFont typeface="Arial" panose="020B0604020202020204" pitchFamily="34" charset="0"/>
-                        <a:buNone/>
-                        <a:tabLst/>
-                        <a:defRPr/>
-                      </a:pPr>
-                      <a:r>
-                        <a:rPr lang="es-AR" sz="1800" kern="1200" dirty="0" smtClean="0">
-                          <a:solidFill>
-                            <a:schemeClr val="bg1"/>
-                          </a:solidFill>
-                          <a:latin typeface="+mn-lt"/>
-                          <a:ea typeface="+mn-ea"/>
-                          <a:cs typeface="+mn-cs"/>
-                        </a:rPr>
-                        <a:t>Objeciones</a:t>
-                      </a:r>
-                      <a:r>
-                        <a:rPr lang="es-AR" sz="1800" kern="1200" baseline="0" dirty="0" smtClean="0">
-                          <a:solidFill>
-                            <a:schemeClr val="bg1"/>
-                          </a:solidFill>
-                          <a:latin typeface="+mn-lt"/>
-                          <a:ea typeface="+mn-ea"/>
-                          <a:cs typeface="+mn-cs"/>
-                        </a:rPr>
-                        <a:t> por su contenido</a:t>
-                      </a:r>
-                      <a:endParaRPr lang="es-AR" sz="1800" kern="1200" dirty="0" smtClean="0">
-                        <a:solidFill>
-                          <a:schemeClr val="bg1"/>
-                        </a:solidFill>
-                        <a:latin typeface="+mn-lt"/>
-                        <a:ea typeface="+mn-ea"/>
-                        <a:cs typeface="+mn-cs"/>
-                      </a:endParaRPr>
-                    </a:p>
-                  </a:txBody>
-                  <a:tcPr anchor="ctr">
-                    <a:lnT w="12700" cmpd="sng">
-                      <a:noFill/>
-                    </a:lnT>
-                    <a:lnB w="12700" cmpd="sng">
-                      <a:noFill/>
-                    </a:lnB>
-                    <a:solidFill>
-                      <a:schemeClr val="bg1">
-                        <a:lumMod val="50000"/>
-                      </a:schemeClr>
-                    </a:solidFill>
-                  </a:tcPr>
-                </a:tc>
-                <a:extLst>
-                  <a:ext uri="{0D108BD9-81ED-4DB2-BD59-A6C34878D82A}">
-                    <a16:rowId xmlns:a16="http://schemas.microsoft.com/office/drawing/2014/main" val="3879676700"/>
-                  </a:ext>
-                </a:extLst>
-              </a:tr>
-              <a:tr h="908230">
-                <a:tc>
-                  <a:txBody>
-                    <a:bodyPr/>
-                    <a:lstStyle/>
-                    <a:p>
-                      <a:pPr marL="0" marR="0" indent="0" algn="ctr" defTabSz="914400" rtl="0" eaLnBrk="1" fontAlgn="auto" latinLnBrk="0" hangingPunct="1">
-                        <a:lnSpc>
-                          <a:spcPct val="100000"/>
-                        </a:lnSpc>
-                        <a:spcBef>
-                          <a:spcPts val="0"/>
-                        </a:spcBef>
-                        <a:spcAft>
-                          <a:spcPts val="0"/>
-                        </a:spcAft>
-                        <a:buClrTx/>
-                        <a:buSzTx/>
-                        <a:buFontTx/>
-                        <a:buNone/>
-                        <a:tabLst/>
-                        <a:defRPr/>
-                      </a:pPr>
-                      <a:r>
-                        <a:rPr lang="es-AR" dirty="0" smtClean="0"/>
-                        <a:t>Las demás</a:t>
-                      </a:r>
-                      <a:endParaRPr lang="es-AR" dirty="0"/>
-                    </a:p>
-                  </a:txBody>
-                  <a:tcPr anchor="ctr">
-                    <a:solidFill>
-                      <a:schemeClr val="bg1">
-                        <a:lumMod val="85000"/>
-                      </a:schemeClr>
-                    </a:solidFill>
-                  </a:tcPr>
-                </a:tc>
-                <a:tc gridSpan="4">
-                  <a:txBody>
-                    <a:bodyPr/>
-                    <a:lstStyle/>
-                    <a:p>
-                      <a:pPr marL="0" marR="0" lvl="0" indent="0" algn="ctr" defTabSz="914400" rtl="0" eaLnBrk="1" fontAlgn="auto" latinLnBrk="0" hangingPunct="1">
-                        <a:lnSpc>
-                          <a:spcPct val="100000"/>
-                        </a:lnSpc>
-                        <a:spcBef>
-                          <a:spcPts val="0"/>
-                        </a:spcBef>
-                        <a:spcAft>
-                          <a:spcPts val="0"/>
-                        </a:spcAft>
-                        <a:buClrTx/>
-                        <a:buSzTx/>
-                        <a:buFont typeface="Arial" panose="020B0604020202020204" pitchFamily="34" charset="0"/>
-                        <a:buNone/>
-                        <a:tabLst/>
-                        <a:defRPr/>
-                      </a:pPr>
-                      <a:r>
-                        <a:rPr kumimoji="0" lang="es-AR" sz="3600" b="1" i="0" u="none" strike="noStrike" kern="1200" cap="none" spc="0" normalizeH="0" baseline="0" noProof="0" dirty="0" smtClean="0">
-                          <a:ln>
-                            <a:noFill/>
-                          </a:ln>
-                          <a:solidFill>
-                            <a:schemeClr val="bg1"/>
-                          </a:solidFill>
-                          <a:effectLst/>
-                          <a:uLnTx/>
-                          <a:uFillTx/>
-                          <a:latin typeface="Wingdings" panose="05000000000000000000" pitchFamily="2" charset="2"/>
-                          <a:ea typeface="+mn-ea"/>
-                          <a:cs typeface="+mn-cs"/>
-                        </a:rPr>
-                        <a:t>û</a:t>
-                      </a:r>
-                      <a:endParaRPr kumimoji="0" lang="es-AR" sz="3600" b="1" i="0" u="none" strike="noStrike" kern="1200" cap="none" spc="0" normalizeH="0" baseline="0" noProof="0" dirty="0">
-                        <a:ln>
-                          <a:noFill/>
-                        </a:ln>
-                        <a:solidFill>
-                          <a:schemeClr val="bg1"/>
-                        </a:solidFill>
-                        <a:effectLst/>
-                        <a:uLnTx/>
-                        <a:uFillTx/>
-                        <a:latin typeface="Wingdings" panose="05000000000000000000" pitchFamily="2" charset="2"/>
-                        <a:ea typeface="+mn-ea"/>
-                        <a:cs typeface="+mn-cs"/>
-                      </a:endParaRPr>
-                    </a:p>
-                  </a:txBody>
-                  <a:tcPr anchor="ctr">
-                    <a:lnR w="12700" cmpd="sng">
-                      <a:noFill/>
-                    </a:lnR>
-                    <a:solidFill>
-                      <a:schemeClr val="accent2">
-                        <a:lumMod val="75000"/>
-                      </a:schemeClr>
-                    </a:solidFill>
-                  </a:tcPr>
-                </a:tc>
-                <a:tc hMerge="1">
-                  <a:txBody>
-                    <a:bodyPr/>
-                    <a:lstStyle/>
-                    <a:p>
-                      <a:pPr marL="176213" marR="0" lvl="0" indent="-176213" algn="l" defTabSz="914400" rtl="0" eaLnBrk="1" fontAlgn="auto" latinLnBrk="0" hangingPunct="1">
-                        <a:lnSpc>
-                          <a:spcPct val="100000"/>
-                        </a:lnSpc>
-                        <a:spcBef>
-                          <a:spcPts val="0"/>
-                        </a:spcBef>
-                        <a:spcAft>
-                          <a:spcPts val="0"/>
-                        </a:spcAft>
-                        <a:buClrTx/>
-                        <a:buSzTx/>
-                        <a:buFont typeface="Arial" panose="020B0604020202020204" pitchFamily="34" charset="0"/>
-                        <a:buChar char="•"/>
-                        <a:tabLst>
-                          <a:tab pos="1976438" algn="r"/>
-                        </a:tabLst>
-                        <a:defRPr/>
-                      </a:pPr>
-                      <a:endParaRPr kumimoji="0" lang="es-AR" sz="1200" b="0" i="0" u="none" strike="noStrike" kern="1200" cap="none" spc="0" normalizeH="0" baseline="0" noProof="0" dirty="0">
-                        <a:ln>
-                          <a:noFill/>
-                        </a:ln>
-                        <a:solidFill>
-                          <a:prstClr val="black"/>
-                        </a:solidFill>
-                        <a:effectLst/>
-                        <a:uLnTx/>
-                        <a:uFillTx/>
-                        <a:latin typeface="Calibri" panose="020F0502020204030204"/>
-                        <a:ea typeface="+mn-ea"/>
-                        <a:cs typeface="+mn-cs"/>
-                      </a:endParaRPr>
-                    </a:p>
-                  </a:txBody>
-                  <a:tcPr anchor="ctr">
-                    <a:solidFill>
-                      <a:schemeClr val="accent2">
-                        <a:lumMod val="40000"/>
-                        <a:lumOff val="60000"/>
-                      </a:schemeClr>
-                    </a:solidFill>
-                  </a:tcPr>
-                </a:tc>
-                <a:tc hMerge="1">
-                  <a:txBody>
-                    <a:bodyPr/>
-                    <a:lstStyle/>
-                    <a:p>
-                      <a:pPr marL="176213" marR="0" lvl="0" indent="-176213" algn="l" defTabSz="914400" rtl="0" eaLnBrk="1" fontAlgn="auto" latinLnBrk="0" hangingPunct="1">
-                        <a:lnSpc>
-                          <a:spcPct val="100000"/>
-                        </a:lnSpc>
-                        <a:spcBef>
-                          <a:spcPts val="0"/>
-                        </a:spcBef>
-                        <a:spcAft>
-                          <a:spcPts val="0"/>
-                        </a:spcAft>
-                        <a:buClrTx/>
-                        <a:buSzTx/>
-                        <a:buFont typeface="Arial" panose="020B0604020202020204" pitchFamily="34" charset="0"/>
-                        <a:buChar char="•"/>
-                        <a:tabLst>
-                          <a:tab pos="1976438" algn="r"/>
-                        </a:tabLst>
-                        <a:defRPr/>
-                      </a:pPr>
-                      <a:endParaRPr kumimoji="0" lang="es-AR" sz="1200" b="0" i="0" u="none" strike="noStrike" kern="1200" cap="none" spc="0" normalizeH="0" baseline="0" noProof="0" dirty="0">
-                        <a:ln>
-                          <a:noFill/>
-                        </a:ln>
-                        <a:solidFill>
-                          <a:schemeClr val="bg1"/>
-                        </a:solidFill>
-                        <a:effectLst/>
-                        <a:uLnTx/>
-                        <a:uFillTx/>
-                        <a:latin typeface="Calibri" panose="020F0502020204030204"/>
-                        <a:ea typeface="+mn-ea"/>
-                        <a:cs typeface="+mn-cs"/>
-                      </a:endParaRPr>
-                    </a:p>
-                  </a:txBody>
-                  <a:tcPr anchor="ctr">
-                    <a:solidFill>
-                      <a:schemeClr val="accent2">
-                        <a:lumMod val="75000"/>
-                      </a:schemeClr>
-                    </a:solidFill>
-                  </a:tcPr>
-                </a:tc>
-                <a:tc hMerge="1">
-                  <a:txBody>
-                    <a:bodyPr/>
-                    <a:lstStyle/>
-                    <a:p>
-                      <a:pPr marL="176213" marR="0" lvl="0" indent="-176213" algn="l" defTabSz="914400" rtl="0" eaLnBrk="1" fontAlgn="auto" latinLnBrk="0" hangingPunct="1">
-                        <a:lnSpc>
-                          <a:spcPct val="100000"/>
-                        </a:lnSpc>
-                        <a:spcBef>
-                          <a:spcPts val="0"/>
-                        </a:spcBef>
-                        <a:spcAft>
-                          <a:spcPts val="0"/>
-                        </a:spcAft>
-                        <a:buClrTx/>
-                        <a:buSzTx/>
-                        <a:buFont typeface="Arial" panose="020B0604020202020204" pitchFamily="34" charset="0"/>
-                        <a:buChar char="•"/>
-                        <a:tabLst>
-                          <a:tab pos="1976438" algn="r"/>
-                        </a:tabLst>
-                        <a:defRPr/>
-                      </a:pPr>
-                      <a:endParaRPr kumimoji="0" lang="es-AR" sz="1200" b="0" i="0" u="none" strike="noStrike" kern="1200" cap="none" spc="0" normalizeH="0" baseline="0" noProof="0" dirty="0">
-                        <a:ln>
-                          <a:noFill/>
-                        </a:ln>
-                        <a:solidFill>
-                          <a:prstClr val="black"/>
-                        </a:solidFill>
-                        <a:effectLst/>
-                        <a:uLnTx/>
-                        <a:uFillTx/>
-                        <a:latin typeface="Calibri" panose="020F0502020204030204"/>
-                        <a:ea typeface="+mn-ea"/>
-                        <a:cs typeface="+mn-cs"/>
-                      </a:endParaRPr>
-                    </a:p>
-                  </a:txBody>
-                  <a:tcPr anchor="ctr">
-                    <a:solidFill>
-                      <a:schemeClr val="accent2">
-                        <a:lumMod val="40000"/>
-                        <a:lumOff val="60000"/>
-                      </a:schemeClr>
-                    </a:solidFill>
-                  </a:tcPr>
-                </a:tc>
-                <a:tc>
-                  <a:txBody>
-                    <a:bodyPr/>
-                    <a:lstStyle/>
-                    <a:p>
-                      <a:pPr marL="171450" marR="0" indent="-171450" algn="l" defTabSz="914400" rtl="0" eaLnBrk="1" fontAlgn="auto" latinLnBrk="0" hangingPunct="1">
-                        <a:lnSpc>
-                          <a:spcPct val="100000"/>
-                        </a:lnSpc>
-                        <a:spcBef>
-                          <a:spcPts val="0"/>
-                        </a:spcBef>
-                        <a:spcAft>
-                          <a:spcPts val="0"/>
-                        </a:spcAft>
-                        <a:buClrTx/>
-                        <a:buSzTx/>
-                        <a:buFont typeface="Arial" panose="020B0604020202020204" pitchFamily="34" charset="0"/>
-                        <a:buChar char="•"/>
-                        <a:tabLst/>
-                        <a:defRPr/>
-                      </a:pPr>
-                      <a:endParaRPr lang="es-AR" sz="1200" kern="1200" baseline="30000" dirty="0" smtClean="0">
-                        <a:solidFill>
-                          <a:schemeClr val="dk1"/>
-                        </a:solidFill>
-                        <a:latin typeface="+mn-lt"/>
-                        <a:ea typeface="+mn-ea"/>
-                        <a:cs typeface="+mn-cs"/>
-                      </a:endParaRPr>
-                    </a:p>
-                  </a:txBody>
-                  <a:tcPr anchor="ctr">
-                    <a:lnL w="12700" cmpd="sng">
-                      <a:noFill/>
-                    </a:lnL>
-                    <a:lnR w="12700" cmpd="sng">
-                      <a:noFill/>
-                    </a:lnR>
-                    <a:lnT w="12700" cmpd="sng">
-                      <a:noFill/>
-                    </a:lnT>
-                    <a:lnB w="12700" cmpd="sng">
-                      <a:noFill/>
-                    </a:lnB>
-                    <a:lnTlToBr w="12700" cmpd="sng">
-                      <a:noFill/>
-                      <a:prstDash val="solid"/>
-                    </a:lnTlToBr>
-                    <a:lnBlToTr w="12700" cmpd="sng">
-                      <a:noFill/>
-                      <a:prstDash val="solid"/>
-                    </a:lnBlToTr>
-                    <a:noFill/>
-                  </a:tcPr>
-                </a:tc>
-                <a:extLst>
-                  <a:ext uri="{0D108BD9-81ED-4DB2-BD59-A6C34878D82A}">
-                    <a16:rowId xmlns:a16="http://schemas.microsoft.com/office/drawing/2014/main" val="2803898946"/>
-                  </a:ext>
-                </a:extLst>
-              </a:tr>
-            </a:tbl>
-          </a:graphicData>
-        </a:graphic>
-      </p:graphicFrame>
-    </p:spTree>
-    <p:extLst>
-      <p:ext uri="{BB962C8B-B14F-4D97-AF65-F5344CB8AC3E}">
-        <p14:creationId xmlns:p14="http://schemas.microsoft.com/office/powerpoint/2010/main" val="39178003"/>
-      </p:ext>
-    </p:extLst>
-  </p:cSld>
-  <p:clrMapOvr>
-    <a:masterClrMapping/>
-  </p:clrMapOvr>
-  <p:timing>
-    <p:tnLst>
-      <p:par>
-        <p:cTn id="1" dur="indefinite" restart="never" nodeType="tmRoot">
-          <p:childTnLst>
-            <p:seq concurrent="1" nextAc="seek">
-              <p:cTn id="2" dur="indefinite" nodeType="mainSeq">
-                <p:childTnLst>
-                  <p:par>
-                    <p:cTn id="3" fill="hold">
-                      <p:stCondLst>
-                        <p:cond delay="indefinite"/>
-                        <p:cond evt="onBegin" delay="0">
-                          <p:tn val="2"/>
-                        </p:cond>
-                      </p:stCondLst>
-                      <p:childTnLst>
-                        <p:par>
-                          <p:cTn id="4" fill="hold">
-                            <p:stCondLst>
-                              <p:cond delay="0"/>
-                            </p:stCondLst>
-                            <p:childTnLst>
-                              <p:par>
-                                <p:cTn id="5" presetID="10" presetClass="entr" presetSubtype="0" fill="hold" nodeType="afterEffect">
-                                  <p:stCondLst>
-                                    <p:cond delay="1000"/>
-                                  </p:stCondLst>
-                                  <p:childTnLst>
-                                    <p:set>
-                                      <p:cBhvr>
-                                        <p:cTn id="6" dur="1" fill="hold">
-                                          <p:stCondLst>
-                                            <p:cond delay="0"/>
-                                          </p:stCondLst>
-                                        </p:cTn>
-                                        <p:tgtEl>
-                                          <p:spTgt spid="4"/>
-                                        </p:tgtEl>
-                                        <p:attrNameLst>
-                                          <p:attrName>style.visibility</p:attrName>
-                                        </p:attrNameLst>
-                                      </p:cBhvr>
-                                      <p:to>
-                                        <p:strVal val="visible"/>
-                                      </p:to>
-                                    </p:set>
-                                    <p:animEffect transition="in" filter="fade">
-                                      <p:cBhvr>
-                                        <p:cTn id="7" dur="1000"/>
-                                        <p:tgtEl>
-                                          <p:spTgt spid="4"/>
-                                        </p:tgtEl>
-                                      </p:cBhvr>
-                                    </p:animEffect>
-                                  </p:childTnLst>
-                                </p:cTn>
-                              </p:par>
-                            </p:childTnLst>
-                          </p:cTn>
-                        </p:par>
-                      </p:childTnLst>
-                    </p:cTn>
-                  </p:par>
-                </p:childTnLst>
-              </p:cTn>
-              <p:prevCondLst>
-                <p:cond evt="onPrev" delay="0">
-                  <p:tgtEl>
-                    <p:sldTgt/>
-                  </p:tgtEl>
-                </p:cond>
-              </p:prevCondLst>
-              <p:nextCondLst>
-                <p:cond evt="onNext" delay="0">
-                  <p:tgtEl>
-                    <p:sldTgt/>
-                  </p:tgtEl>
-                </p:cond>
-              </p:nextCondLst>
-            </p:seq>
-          </p:childTnLst>
-        </p:cTn>
-      </p:par>
-    </p:tnLst>
-  </p:timing>
-</p:sld>
-</file>
-
-<file path=ppt/slides/slide16.xml><?xml version="1.0" encoding="utf-8"?>
-<p:sld xmlns:a="http://schemas.openxmlformats.org/drawingml/2006/main" xmlns:r="http://schemas.openxmlformats.org/officeDocument/2006/relationships" xmlns:p="http://schemas.openxmlformats.org/presentationml/2006/main">
-  <p:cSld>
-    <p:spTree>
-      <p:nvGrpSpPr>
-        <p:cNvPr id="1" name=""/>
-        <p:cNvGrpSpPr/>
-        <p:nvPr/>
-      </p:nvGrpSpPr>
-      <p:grpSpPr>
-        <a:xfrm>
-          <a:off x="0" y="0"/>
-          <a:ext cx="0" cy="0"/>
-          <a:chOff x="0" y="0"/>
-          <a:chExt cx="0" cy="0"/>
-        </a:xfrm>
-      </p:grpSpPr>
-      <p:graphicFrame>
-        <p:nvGraphicFramePr>
-          <p:cNvPr id="9" name="Tabla 8"/>
-          <p:cNvGraphicFramePr>
-            <a:graphicFrameLocks noGrp="1"/>
-          </p:cNvGraphicFramePr>
-          <p:nvPr>
-            <p:extLst>
-              <p:ext uri="{D42A27DB-BD31-4B8C-83A1-F6EECF244321}">
                 <p14:modId xmlns:p14="http://schemas.microsoft.com/office/powerpoint/2010/main" val="78177065"/>
               </p:ext>
             </p:extLst>
@@ -11813,15 +9424,7 @@
                             <a:schemeClr val="bg1"/>
                           </a:solidFill>
                         </a:rPr>
-                        <a:t>Con </a:t>
-                      </a:r>
-                      <a:r>
-                        <a:rPr lang="es-AR" dirty="0" smtClean="0">
-                          <a:solidFill>
-                            <a:schemeClr val="bg1"/>
-                          </a:solidFill>
-                        </a:rPr>
-                        <a:t>valores afines </a:t>
+                        <a:t>Con valores afines </a:t>
                       </a:r>
                     </a:p>
                     <a:p>
@@ -12940,15 +10543,7 @@
                             <a:schemeClr val="bg1"/>
                           </a:solidFill>
                         </a:rPr>
-                        <a:t>Con </a:t>
-                      </a:r>
-                      <a:r>
-                        <a:rPr lang="es-AR" dirty="0" smtClean="0">
-                          <a:solidFill>
-                            <a:schemeClr val="bg1"/>
-                          </a:solidFill>
-                        </a:rPr>
-                        <a:t>valores afines </a:t>
+                        <a:t>Con valores afines </a:t>
                       </a:r>
                     </a:p>
                     <a:p>
@@ -14022,7 +11617,7 @@
 </p:sld>
 </file>
 
-<file path=ppt/slides/slide17.xml><?xml version="1.0" encoding="utf-8"?>
+<file path=ppt/slides/slide16.xml><?xml version="1.0" encoding="utf-8"?>
 <p:sld xmlns:a="http://schemas.openxmlformats.org/drawingml/2006/main" xmlns:r="http://schemas.openxmlformats.org/officeDocument/2006/relationships" xmlns:p="http://schemas.openxmlformats.org/presentationml/2006/main" show="0">
   <p:cSld>
     <p:spTree>
@@ -14308,15 +11903,7 @@
                             <a:schemeClr val="bg1"/>
                           </a:solidFill>
                         </a:rPr>
-                        <a:t>Con </a:t>
-                      </a:r>
-                      <a:r>
-                        <a:rPr lang="es-AR" dirty="0" smtClean="0">
-                          <a:solidFill>
-                            <a:schemeClr val="bg1"/>
-                          </a:solidFill>
-                        </a:rPr>
-                        <a:t>valores afines </a:t>
+                        <a:t>Con valores afines </a:t>
                       </a:r>
                     </a:p>
                     <a:p>
@@ -15378,15 +12965,7 @@
                             <a:schemeClr val="bg1"/>
                           </a:solidFill>
                         </a:rPr>
-                        <a:t>Con </a:t>
-                      </a:r>
-                      <a:r>
-                        <a:rPr lang="es-AR" dirty="0" smtClean="0">
-                          <a:solidFill>
-                            <a:schemeClr val="bg1"/>
-                          </a:solidFill>
-                        </a:rPr>
-                        <a:t>valores afines </a:t>
+                        <a:t>Con valores afines </a:t>
                       </a:r>
                     </a:p>
                     <a:p>
@@ -16249,14 +13828,6 @@
                         </a:rPr>
                         <a:t>Sensualidad vulgar</a:t>
                       </a:r>
-                      <a:endParaRPr lang="es-AR" sz="1200" kern="1200" dirty="0" smtClean="0">
-                        <a:solidFill>
-                          <a:schemeClr val="bg1"/>
-                        </a:solidFill>
-                        <a:latin typeface="+mn-lt"/>
-                        <a:ea typeface="+mn-ea"/>
-                        <a:cs typeface="+mn-cs"/>
-                      </a:endParaRPr>
                     </a:p>
                   </a:txBody>
                   <a:tcPr anchor="ctr">
@@ -16370,24 +13941,7 @@
                           <a:ea typeface="+mn-ea"/>
                           <a:cs typeface="+mn-cs"/>
                         </a:rPr>
-                        <a:t>de </a:t>
-                      </a:r>
-                      <a:r>
-                        <a:rPr kumimoji="0" lang="es-AR" sz="1200" b="0" i="0" u="none" strike="noStrike" kern="1200" cap="none" spc="0" normalizeH="0" baseline="0" noProof="0" dirty="0" smtClean="0">
-                          <a:ln>
-                            <a:noFill/>
-                          </a:ln>
-                          <a:solidFill>
-                            <a:schemeClr val="bg1"/>
-                          </a:solidFill>
-                          <a:effectLst/>
-                          <a:uLnTx/>
-                          <a:uFillTx/>
-                          <a:latin typeface="+mn-lt"/>
-                          <a:ea typeface="+mn-ea"/>
-                          <a:cs typeface="+mn-cs"/>
-                        </a:rPr>
-                        <a:t>datos sólo si se confunden con otro grupo</a:t>
+                        <a:t>de datos sólo si se confunden con otro grupo</a:t>
                       </a:r>
                       <a:endParaRPr kumimoji="0" lang="es-AR" sz="1200" b="0" i="0" u="none" strike="noStrike" kern="1200" cap="none" spc="0" normalizeH="0" baseline="0" noProof="0" dirty="0" smtClean="0">
                         <a:ln>
@@ -16549,24 +14103,7 @@
                           <a:ea typeface="+mn-ea"/>
                           <a:cs typeface="+mn-cs"/>
                         </a:rPr>
-                        <a:t> o </a:t>
-                      </a:r>
-                      <a:r>
-                        <a:rPr kumimoji="0" lang="es-AR" sz="1200" b="0" i="0" u="none" strike="noStrike" kern="1200" cap="none" spc="0" normalizeH="0" baseline="0" noProof="0" dirty="0" smtClean="0">
-                          <a:ln>
-                            <a:noFill/>
-                          </a:ln>
-                          <a:solidFill>
-                            <a:schemeClr val="bg1"/>
-                          </a:solidFill>
-                          <a:effectLst/>
-                          <a:uLnTx/>
-                          <a:uFillTx/>
-                          <a:latin typeface="Calibri" panose="020F0502020204030204"/>
-                          <a:ea typeface="+mn-ea"/>
-                          <a:cs typeface="+mn-cs"/>
-                        </a:rPr>
-                        <a:t>hecho	NO</a:t>
+                        <a:t> o hecho	NO</a:t>
                       </a:r>
                       <a:endParaRPr kumimoji="0" lang="es-AR" sz="1200" b="0" i="0" u="none" strike="noStrike" kern="1200" cap="none" spc="0" normalizeH="0" baseline="0" noProof="0" dirty="0">
                         <a:ln>
@@ -16894,11 +14431,11 @@
   <p:clrMapOvr>
     <a:masterClrMapping/>
   </p:clrMapOvr>
-  <mc:AlternateContent xmlns:mc="http://schemas.openxmlformats.org/markup-compatibility/2006">
-    <mc:Choice xmlns:p14="http://schemas.microsoft.com/office/powerpoint/2010/main" Requires="p14">
+  <mc:AlternateContent xmlns:mc="http://schemas.openxmlformats.org/markup-compatibility/2006" xmlns:p14="http://schemas.microsoft.com/office/powerpoint/2010/main">
+    <mc:Choice Requires="p14">
       <p:transition spd="slow" p14:dur="2000"/>
     </mc:Choice>
-    <mc:Fallback>
+    <mc:Fallback xmlns="">
       <p:transition spd="slow"/>
     </mc:Fallback>
   </mc:AlternateContent>
@@ -16985,6 +14522,71 @@
             </p:seq>
           </p:childTnLst>
         </p:cTn>
+      </p:par>
+    </p:tnLst>
+  </p:timing>
+</p:sld>
+</file>
+
+<file path=ppt/slides/slide17.xml><?xml version="1.0" encoding="utf-8"?>
+<p:sld xmlns:a="http://schemas.openxmlformats.org/drawingml/2006/main" xmlns:r="http://schemas.openxmlformats.org/officeDocument/2006/relationships" xmlns:p="http://schemas.openxmlformats.org/presentationml/2006/main">
+  <p:cSld>
+    <p:spTree>
+      <p:nvGrpSpPr>
+        <p:cNvPr id="1" name=""/>
+        <p:cNvGrpSpPr/>
+        <p:nvPr/>
+      </p:nvGrpSpPr>
+      <p:grpSpPr>
+        <a:xfrm>
+          <a:off x="0" y="0"/>
+          <a:ext cx="0" cy="0"/>
+          <a:chOff x="0" y="0"/>
+          <a:chExt cx="0" cy="0"/>
+        </a:xfrm>
+      </p:grpSpPr>
+      <p:sp>
+        <p:nvSpPr>
+          <p:cNvPr id="2" name="Título 1"/>
+          <p:cNvSpPr>
+            <a:spLocks noGrp="1"/>
+          </p:cNvSpPr>
+          <p:nvPr>
+            <p:ph type="ctrTitle"/>
+          </p:nvPr>
+        </p:nvSpPr>
+        <p:spPr>
+          <a:xfrm>
+            <a:off x="1524000" y="2967335"/>
+            <a:ext cx="9144000" cy="923330"/>
+          </a:xfrm>
+        </p:spPr>
+        <p:txBody>
+          <a:bodyPr/>
+          <a:lstStyle/>
+          <a:p>
+            <a:r>
+              <a:rPr lang="es-AR" dirty="0" smtClean="0"/>
+              <a:t>Fin</a:t>
+            </a:r>
+            <a:endParaRPr lang="es-AR" dirty="0"/>
+          </a:p>
+        </p:txBody>
+      </p:sp>
+    </p:spTree>
+    <p:extLst>
+      <p:ext uri="{BB962C8B-B14F-4D97-AF65-F5344CB8AC3E}">
+        <p14:creationId xmlns:p14="http://schemas.microsoft.com/office/powerpoint/2010/main" val="616006185"/>
+      </p:ext>
+    </p:extLst>
+  </p:cSld>
+  <p:clrMapOvr>
+    <a:masterClrMapping/>
+  </p:clrMapOvr>
+  <p:timing>
+    <p:tnLst>
+      <p:par>
+        <p:cTn id="1" dur="indefinite" restart="never" nodeType="tmRoot"/>
       </p:par>
     </p:tnLst>
   </p:timing>
@@ -18098,15 +15700,7 @@
                             <a:schemeClr val="bg1"/>
                           </a:solidFill>
                         </a:rPr>
-                        <a:t>Con </a:t>
-                      </a:r>
-                      <a:r>
-                        <a:rPr lang="es-AR" dirty="0" smtClean="0">
-                          <a:solidFill>
-                            <a:schemeClr val="bg1"/>
-                          </a:solidFill>
-                        </a:rPr>
-                        <a:t>valores afines </a:t>
+                        <a:t>Con valores afines </a:t>
                       </a:r>
                     </a:p>
                     <a:p>
@@ -18750,15 +16344,7 @@
                             <a:schemeClr val="bg1"/>
                           </a:solidFill>
                         </a:rPr>
-                        <a:t>Con </a:t>
-                      </a:r>
-                      <a:r>
-                        <a:rPr lang="es-AR" dirty="0" smtClean="0">
-                          <a:solidFill>
-                            <a:schemeClr val="bg1"/>
-                          </a:solidFill>
-                        </a:rPr>
-                        <a:t>valores afines </a:t>
+                        <a:t>Con valores afines </a:t>
                       </a:r>
                     </a:p>
                     <a:p>
@@ -19241,15 +16827,7 @@
                             <a:schemeClr val="bg1"/>
                           </a:solidFill>
                         </a:rPr>
-                        <a:t>Con </a:t>
-                      </a:r>
-                      <a:r>
-                        <a:rPr lang="es-AR" dirty="0" smtClean="0">
-                          <a:solidFill>
-                            <a:schemeClr val="bg1"/>
-                          </a:solidFill>
-                        </a:rPr>
-                        <a:t>valores afines </a:t>
+                        <a:t>Con valores afines </a:t>
                       </a:r>
                     </a:p>
                     <a:p>
@@ -20080,6 +17658,27 @@
               <a:rPr lang="es-AR" dirty="0" smtClean="0"/>
               <a:t>advertencia.</a:t>
             </a:r>
+          </a:p>
+          <a:p>
+            <a:pPr marL="285750" indent="-285750"/>
+            <a:r>
+              <a:rPr lang="es-AR" dirty="0" smtClean="0"/>
+              <a:t>Ejemplos:</a:t>
+            </a:r>
+          </a:p>
+          <a:p>
+            <a:pPr marL="742950" lvl="1" indent="-285750"/>
+            <a:r>
+              <a:rPr lang="es-AR" dirty="0" smtClean="0"/>
+              <a:t>La pasión de Cristo</a:t>
+            </a:r>
+          </a:p>
+          <a:p>
+            <a:pPr marL="742950" lvl="1" indent="-285750"/>
+            <a:r>
+              <a:rPr lang="es-AR" dirty="0" err="1" smtClean="0"/>
+              <a:t>Bakhita</a:t>
+            </a:r>
             <a:endParaRPr lang="es-AR" dirty="0"/>
           </a:p>
           <a:p>
@@ -20359,15 +17958,7 @@
                             <a:schemeClr val="bg1"/>
                           </a:solidFill>
                         </a:rPr>
-                        <a:t>Con </a:t>
-                      </a:r>
-                      <a:r>
-                        <a:rPr lang="es-AR" dirty="0" smtClean="0">
-                          <a:solidFill>
-                            <a:schemeClr val="bg1"/>
-                          </a:solidFill>
-                        </a:rPr>
-                        <a:t>valores afines </a:t>
+                        <a:t>Con valores afines </a:t>
                       </a:r>
                     </a:p>
                     <a:p>
@@ -21140,15 +18731,7 @@
                             <a:schemeClr val="bg1"/>
                           </a:solidFill>
                         </a:rPr>
-                        <a:t>Con </a:t>
-                      </a:r>
-                      <a:r>
-                        <a:rPr lang="es-AR" dirty="0" smtClean="0">
-                          <a:solidFill>
-                            <a:schemeClr val="bg1"/>
-                          </a:solidFill>
-                        </a:rPr>
-                        <a:t>valores afines </a:t>
+                        <a:t>Con valores afines </a:t>
                       </a:r>
                     </a:p>
                     <a:p>

--- a/Backup/Institucional/2. Películas en las que nos enfocamos.pptx
+++ b/Backup/Institucional/2. Películas en las que nos enfocamos.pptx
@@ -20,8 +20,7 @@
     <p:sldId id="269" r:id="rId14"/>
     <p:sldId id="270" r:id="rId15"/>
     <p:sldId id="279" r:id="rId16"/>
-    <p:sldId id="262" r:id="rId17"/>
-    <p:sldId id="280" r:id="rId18"/>
+    <p:sldId id="280" r:id="rId17"/>
   </p:sldIdLst>
   <p:sldSz cx="12192000" cy="6858000"/>
   <p:notesSz cx="6858000" cy="9144000"/>
@@ -226,7 +225,7 @@
           <a:p>
             <a:fld id="{5E7BC0B9-7968-46DA-BD98-A4B72B3266A7}" type="datetimeFigureOut">
               <a:rPr lang="es-AR" smtClean="0"/>
-              <a:t>27/jun.24</a:t>
+              <a:t>29/jun.24</a:t>
             </a:fld>
             <a:endParaRPr lang="es-AR"/>
           </a:p>
@@ -391,7 +390,7 @@
           <a:p>
             <a:fld id="{5E7BC0B9-7968-46DA-BD98-A4B72B3266A7}" type="datetimeFigureOut">
               <a:rPr lang="es-AR" smtClean="0"/>
-              <a:t>27/jun.24</a:t>
+              <a:t>29/jun.24</a:t>
             </a:fld>
             <a:endParaRPr lang="es-AR"/>
           </a:p>
@@ -759,7 +758,7 @@
           <a:p>
             <a:fld id="{5E7BC0B9-7968-46DA-BD98-A4B72B3266A7}" type="datetimeFigureOut">
               <a:rPr lang="es-AR" smtClean="0"/>
-              <a:t>27/jun.24</a:t>
+              <a:t>29/jun.24</a:t>
             </a:fld>
             <a:endParaRPr lang="es-AR"/>
           </a:p>
@@ -1001,7 +1000,7 @@
           <a:p>
             <a:fld id="{5E7BC0B9-7968-46DA-BD98-A4B72B3266A7}" type="datetimeFigureOut">
               <a:rPr lang="es-AR" smtClean="0"/>
-              <a:t>27/jun.24</a:t>
+              <a:t>29/jun.24</a:t>
             </a:fld>
             <a:endParaRPr lang="es-AR"/>
           </a:p>
@@ -11618,2917 +11617,6 @@
 </file>
 
 <file path=ppt/slides/slide16.xml><?xml version="1.0" encoding="utf-8"?>
-<p:sld xmlns:a="http://schemas.openxmlformats.org/drawingml/2006/main" xmlns:r="http://schemas.openxmlformats.org/officeDocument/2006/relationships" xmlns:p="http://schemas.openxmlformats.org/presentationml/2006/main" show="0">
-  <p:cSld>
-    <p:spTree>
-      <p:nvGrpSpPr>
-        <p:cNvPr id="1" name=""/>
-        <p:cNvGrpSpPr/>
-        <p:nvPr/>
-      </p:nvGrpSpPr>
-      <p:grpSpPr>
-        <a:xfrm>
-          <a:off x="0" y="0"/>
-          <a:ext cx="0" cy="0"/>
-          <a:chOff x="0" y="0"/>
-          <a:chExt cx="0" cy="0"/>
-        </a:xfrm>
-      </p:grpSpPr>
-      <p:graphicFrame>
-        <p:nvGraphicFramePr>
-          <p:cNvPr id="5" name="Tabla 4"/>
-          <p:cNvGraphicFramePr>
-            <a:graphicFrameLocks noGrp="1"/>
-          </p:cNvGraphicFramePr>
-          <p:nvPr>
-            <p:extLst>
-              <p:ext uri="{D42A27DB-BD31-4B8C-83A1-F6EECF244321}">
-                <p14:modId xmlns:p14="http://schemas.microsoft.com/office/powerpoint/2010/main" val="1774173564"/>
-              </p:ext>
-            </p:extLst>
-          </p:nvPr>
-        </p:nvGraphicFramePr>
-        <p:xfrm>
-          <a:off x="1188000" y="1872000"/>
-          <a:ext cx="9818675" cy="3453282"/>
-        </p:xfrm>
-        <a:graphic>
-          <a:graphicData uri="http://schemas.openxmlformats.org/drawingml/2006/table">
-            <a:tbl>
-              <a:tblPr>
-                <a:tableStyleId>{5C22544A-7EE6-4342-B048-85BDC9FD1C3A}</a:tableStyleId>
-              </a:tblPr>
-              <a:tblGrid>
-                <a:gridCol w="1972246">
-                  <a:extLst>
-                    <a:ext uri="{9D8B030D-6E8A-4147-A177-3AD203B41FA5}">
-                      <a16:colId xmlns:a16="http://schemas.microsoft.com/office/drawing/2014/main" val="2213745050"/>
-                    </a:ext>
-                  </a:extLst>
-                </a:gridCol>
-                <a:gridCol w="2016045">
-                  <a:extLst>
-                    <a:ext uri="{9D8B030D-6E8A-4147-A177-3AD203B41FA5}">
-                      <a16:colId xmlns:a16="http://schemas.microsoft.com/office/drawing/2014/main" val="2961072054"/>
-                    </a:ext>
-                  </a:extLst>
-                </a:gridCol>
-                <a:gridCol w="338893">
-                  <a:extLst>
-                    <a:ext uri="{9D8B030D-6E8A-4147-A177-3AD203B41FA5}">
-                      <a16:colId xmlns:a16="http://schemas.microsoft.com/office/drawing/2014/main" val="2642678661"/>
-                    </a:ext>
-                  </a:extLst>
-                </a:gridCol>
-                <a:gridCol w="316953">
-                  <a:extLst>
-                    <a:ext uri="{9D8B030D-6E8A-4147-A177-3AD203B41FA5}">
-                      <a16:colId xmlns:a16="http://schemas.microsoft.com/office/drawing/2014/main" val="2023592740"/>
-                    </a:ext>
-                  </a:extLst>
-                </a:gridCol>
-                <a:gridCol w="2037991">
-                  <a:extLst>
-                    <a:ext uri="{9D8B030D-6E8A-4147-A177-3AD203B41FA5}">
-                      <a16:colId xmlns:a16="http://schemas.microsoft.com/office/drawing/2014/main" val="1375816917"/>
-                    </a:ext>
-                  </a:extLst>
-                </a:gridCol>
-                <a:gridCol w="3136547">
-                  <a:extLst>
-                    <a:ext uri="{9D8B030D-6E8A-4147-A177-3AD203B41FA5}">
-                      <a16:colId xmlns:a16="http://schemas.microsoft.com/office/drawing/2014/main" val="2386111916"/>
-                    </a:ext>
-                  </a:extLst>
-                </a:gridCol>
-              </a:tblGrid>
-              <a:tr h="728592">
-                <a:tc>
-                  <a:txBody>
-                    <a:bodyPr/>
-                    <a:lstStyle/>
-                    <a:p>
-                      <a:pPr algn="ctr"/>
-                      <a:r>
-                        <a:rPr lang="es-AR" b="1" dirty="0" smtClean="0">
-                          <a:solidFill>
-                            <a:schemeClr val="bg1"/>
-                          </a:solidFill>
-                        </a:rPr>
-                        <a:t>Grupo</a:t>
-                      </a:r>
-                      <a:endParaRPr lang="es-AR" b="1" dirty="0">
-                        <a:solidFill>
-                          <a:schemeClr val="bg1"/>
-                        </a:solidFill>
-                      </a:endParaRPr>
-                    </a:p>
-                  </a:txBody>
-                  <a:tcPr anchor="ctr">
-                    <a:solidFill>
-                      <a:schemeClr val="bg2">
-                        <a:lumMod val="25000"/>
-                      </a:schemeClr>
-                    </a:solidFill>
-                  </a:tcPr>
-                </a:tc>
-                <a:tc gridSpan="2">
-                  <a:txBody>
-                    <a:bodyPr/>
-                    <a:lstStyle/>
-                    <a:p>
-                      <a:pPr algn="ctr"/>
-                      <a:r>
-                        <a:rPr lang="es-AR" b="1" dirty="0" smtClean="0">
-                          <a:solidFill>
-                            <a:schemeClr val="bg1"/>
-                          </a:solidFill>
-                        </a:rPr>
-                        <a:t>Relacionadas con</a:t>
-                      </a:r>
-                    </a:p>
-                    <a:p>
-                      <a:pPr algn="ctr"/>
-                      <a:r>
-                        <a:rPr lang="es-AR" b="1" dirty="0" smtClean="0">
-                          <a:solidFill>
-                            <a:schemeClr val="bg1"/>
-                          </a:solidFill>
-                        </a:rPr>
-                        <a:t>la Iglesia Católica</a:t>
-                      </a:r>
-                      <a:endParaRPr lang="es-AR" b="1" dirty="0">
-                        <a:solidFill>
-                          <a:schemeClr val="bg1"/>
-                        </a:solidFill>
-                      </a:endParaRPr>
-                    </a:p>
-                  </a:txBody>
-                  <a:tcPr anchor="ctr">
-                    <a:solidFill>
-                      <a:schemeClr val="accent6">
-                        <a:lumMod val="50000"/>
-                      </a:schemeClr>
-                    </a:solidFill>
-                  </a:tcPr>
-                </a:tc>
-                <a:tc hMerge="1">
-                  <a:txBody>
-                    <a:bodyPr/>
-                    <a:lstStyle/>
-                    <a:p>
-                      <a:endParaRPr lang="es-AR"/>
-                    </a:p>
-                  </a:txBody>
-                  <a:tcPr/>
-                </a:tc>
-                <a:tc gridSpan="2">
-                  <a:txBody>
-                    <a:bodyPr/>
-                    <a:lstStyle/>
-                    <a:p>
-                      <a:pPr marL="0" algn="ctr" defTabSz="914400" rtl="0" eaLnBrk="1" latinLnBrk="0" hangingPunct="1"/>
-                      <a:r>
-                        <a:rPr lang="es-AR" sz="1800" b="1" kern="1200" dirty="0" smtClean="0">
-                          <a:solidFill>
-                            <a:schemeClr val="bg1"/>
-                          </a:solidFill>
-                          <a:latin typeface="+mn-lt"/>
-                          <a:ea typeface="+mn-ea"/>
-                          <a:cs typeface="+mn-cs"/>
-                        </a:rPr>
-                        <a:t>Sin relación con </a:t>
-                      </a:r>
-                    </a:p>
-                    <a:p>
-                      <a:pPr marL="0" algn="ctr" defTabSz="914400" rtl="0" eaLnBrk="1" latinLnBrk="0" hangingPunct="1"/>
-                      <a:r>
-                        <a:rPr lang="es-AR" sz="1800" b="1" kern="1200" dirty="0" smtClean="0">
-                          <a:solidFill>
-                            <a:schemeClr val="bg1"/>
-                          </a:solidFill>
-                          <a:latin typeface="+mn-lt"/>
-                          <a:ea typeface="+mn-ea"/>
-                          <a:cs typeface="+mn-cs"/>
-                        </a:rPr>
-                        <a:t>la Iglesia Católica</a:t>
-                      </a:r>
-                      <a:endParaRPr lang="es-AR" sz="1800" b="1" kern="1200" dirty="0">
-                        <a:solidFill>
-                          <a:schemeClr val="bg1"/>
-                        </a:solidFill>
-                        <a:latin typeface="+mn-lt"/>
-                        <a:ea typeface="+mn-ea"/>
-                        <a:cs typeface="+mn-cs"/>
-                      </a:endParaRPr>
-                    </a:p>
-                  </a:txBody>
-                  <a:tcPr anchor="ctr">
-                    <a:lnR w="12700" cmpd="sng">
-                      <a:noFill/>
-                    </a:lnR>
-                    <a:solidFill>
-                      <a:schemeClr val="accent5">
-                        <a:lumMod val="50000"/>
-                      </a:schemeClr>
-                    </a:solidFill>
-                  </a:tcPr>
-                </a:tc>
-                <a:tc hMerge="1">
-                  <a:txBody>
-                    <a:bodyPr/>
-                    <a:lstStyle/>
-                    <a:p>
-                      <a:endParaRPr lang="es-AR"/>
-                    </a:p>
-                  </a:txBody>
-                  <a:tcPr/>
-                </a:tc>
-                <a:tc>
-                  <a:txBody>
-                    <a:bodyPr/>
-                    <a:lstStyle/>
-                    <a:p>
-                      <a:pPr marL="0" algn="l" defTabSz="914400" rtl="0" eaLnBrk="1" latinLnBrk="0" hangingPunct="1"/>
-                      <a:endParaRPr lang="es-AR" sz="1800" b="1" kern="1200" dirty="0">
-                        <a:solidFill>
-                          <a:schemeClr val="bg1"/>
-                        </a:solidFill>
-                        <a:latin typeface="+mn-lt"/>
-                        <a:ea typeface="+mn-ea"/>
-                        <a:cs typeface="+mn-cs"/>
-                      </a:endParaRPr>
-                    </a:p>
-                  </a:txBody>
-                  <a:tcPr anchor="ctr">
-                    <a:lnL w="12700" cmpd="sng">
-                      <a:noFill/>
-                    </a:lnL>
-                    <a:lnR w="12700" cmpd="sng">
-                      <a:noFill/>
-                    </a:lnR>
-                    <a:lnT w="12700" cmpd="sng">
-                      <a:noFill/>
-                    </a:lnT>
-                    <a:lnB w="12700" cmpd="sng">
-                      <a:noFill/>
-                    </a:lnB>
-                    <a:lnTlToBr w="12700" cmpd="sng">
-                      <a:noFill/>
-                      <a:prstDash val="solid"/>
-                    </a:lnTlToBr>
-                    <a:lnBlToTr w="12700" cmpd="sng">
-                      <a:noFill/>
-                      <a:prstDash val="solid"/>
-                    </a:lnBlToTr>
-                    <a:noFill/>
-                  </a:tcPr>
-                </a:tc>
-                <a:extLst>
-                  <a:ext uri="{0D108BD9-81ED-4DB2-BD59-A6C34878D82A}">
-                    <a16:rowId xmlns:a16="http://schemas.microsoft.com/office/drawing/2014/main" val="197205259"/>
-                  </a:ext>
-                </a:extLst>
-              </a:tr>
-              <a:tr h="908230">
-                <a:tc rowSpan="2">
-                  <a:txBody>
-                    <a:bodyPr/>
-                    <a:lstStyle/>
-                    <a:p>
-                      <a:pPr algn="ctr"/>
-                      <a:r>
-                        <a:rPr lang="es-AR" dirty="0" smtClean="0">
-                          <a:solidFill>
-                            <a:schemeClr val="bg1"/>
-                          </a:solidFill>
-                        </a:rPr>
-                        <a:t>Con valores afines </a:t>
-                      </a:r>
-                    </a:p>
-                    <a:p>
-                      <a:pPr algn="ctr"/>
-                      <a:r>
-                        <a:rPr lang="es-AR" dirty="0" smtClean="0">
-                          <a:solidFill>
-                            <a:schemeClr val="bg1"/>
-                          </a:solidFill>
-                        </a:rPr>
-                        <a:t>y dejan huella</a:t>
-                      </a:r>
-                      <a:endParaRPr lang="es-AR" dirty="0">
-                        <a:solidFill>
-                          <a:schemeClr val="bg1"/>
-                        </a:solidFill>
-                      </a:endParaRPr>
-                    </a:p>
-                  </a:txBody>
-                  <a:tcPr anchor="ctr">
-                    <a:solidFill>
-                      <a:schemeClr val="bg1">
-                        <a:lumMod val="50000"/>
-                      </a:schemeClr>
-                    </a:solidFill>
-                  </a:tcPr>
-                </a:tc>
-                <a:tc>
-                  <a:txBody>
-                    <a:bodyPr/>
-                    <a:lstStyle/>
-                    <a:p>
-                      <a:pPr marL="0" indent="0" algn="ctr" defTabSz="914400" rtl="0" eaLnBrk="1" latinLnBrk="0" hangingPunct="1">
-                        <a:buFont typeface="Arial" panose="020B0604020202020204" pitchFamily="34" charset="0"/>
-                        <a:buNone/>
-                        <a:tabLst>
-                          <a:tab pos="1976438" algn="r"/>
-                        </a:tabLst>
-                      </a:pPr>
-                      <a:r>
-                        <a:rPr lang="es-AR" sz="3600" b="1" kern="1200" dirty="0" smtClean="0">
-                          <a:solidFill>
-                            <a:schemeClr val="bg1"/>
-                          </a:solidFill>
-                          <a:latin typeface="Wingdings" panose="05000000000000000000" pitchFamily="2" charset="2"/>
-                          <a:ea typeface="+mn-ea"/>
-                          <a:cs typeface="+mn-cs"/>
-                        </a:rPr>
-                        <a:t>ü</a:t>
-                      </a:r>
-                      <a:endParaRPr lang="es-AR" sz="3600" b="1" kern="1200" dirty="0">
-                        <a:solidFill>
-                          <a:schemeClr val="bg1"/>
-                        </a:solidFill>
-                        <a:latin typeface="Wingdings" panose="05000000000000000000" pitchFamily="2" charset="2"/>
-                        <a:ea typeface="+mn-ea"/>
-                        <a:cs typeface="+mn-cs"/>
-                      </a:endParaRPr>
-                    </a:p>
-                  </a:txBody>
-                  <a:tcPr anchor="ctr">
-                    <a:solidFill>
-                      <a:schemeClr val="accent6">
-                        <a:lumMod val="75000"/>
-                      </a:schemeClr>
-                    </a:solidFill>
-                  </a:tcPr>
-                </a:tc>
-                <a:tc rowSpan="2" gridSpan="2">
-                  <a:txBody>
-                    <a:bodyPr/>
-                    <a:lstStyle/>
-                    <a:p>
-                      <a:pPr marL="0" indent="0" algn="ctr" defTabSz="914400" rtl="0" eaLnBrk="1" latinLnBrk="0" hangingPunct="1">
-                        <a:lnSpc>
-                          <a:spcPct val="75000"/>
-                        </a:lnSpc>
-                        <a:buFont typeface="Arial" panose="020B0604020202020204" pitchFamily="34" charset="0"/>
-                        <a:buNone/>
-                        <a:tabLst>
-                          <a:tab pos="1976438" algn="r"/>
-                        </a:tabLst>
-                      </a:pPr>
-                      <a:r>
-                        <a:rPr lang="es-AR" sz="3600" b="1" kern="1200" dirty="0" smtClean="0">
-                          <a:solidFill>
-                            <a:schemeClr val="bg1"/>
-                          </a:solidFill>
-                          <a:latin typeface="Wingdings" panose="05000000000000000000" pitchFamily="2" charset="2"/>
-                          <a:ea typeface="+mn-ea"/>
-                          <a:cs typeface="+mn-cs"/>
-                        </a:rPr>
-                        <a:t>û</a:t>
-                      </a:r>
-                      <a:endParaRPr lang="es-AR" sz="3600" b="1" kern="1200" dirty="0">
-                        <a:solidFill>
-                          <a:schemeClr val="bg1"/>
-                        </a:solidFill>
-                        <a:latin typeface="Wingdings" panose="05000000000000000000" pitchFamily="2" charset="2"/>
-                        <a:ea typeface="+mn-ea"/>
-                        <a:cs typeface="+mn-cs"/>
-                      </a:endParaRPr>
-                    </a:p>
-                  </a:txBody>
-                  <a:tcPr anchor="ctr">
-                    <a:solidFill>
-                      <a:schemeClr val="accent2">
-                        <a:lumMod val="75000"/>
-                      </a:schemeClr>
-                    </a:solidFill>
-                  </a:tcPr>
-                </a:tc>
-                <a:tc rowSpan="2" hMerge="1">
-                  <a:txBody>
-                    <a:bodyPr/>
-                    <a:lstStyle/>
-                    <a:p>
-                      <a:pPr marL="0" marR="0" indent="0" algn="ctr" defTabSz="914400" rtl="0" eaLnBrk="1" fontAlgn="auto" latinLnBrk="0" hangingPunct="1">
-                        <a:lnSpc>
-                          <a:spcPct val="75000"/>
-                        </a:lnSpc>
-                        <a:spcBef>
-                          <a:spcPts val="0"/>
-                        </a:spcBef>
-                        <a:spcAft>
-                          <a:spcPts val="0"/>
-                        </a:spcAft>
-                        <a:buClrTx/>
-                        <a:buSzTx/>
-                        <a:buFont typeface="Arial" panose="020B0604020202020204" pitchFamily="34" charset="0"/>
-                        <a:buNone/>
-                        <a:tabLst/>
-                        <a:defRPr/>
-                      </a:pPr>
-                      <a:endParaRPr lang="es-AR" sz="1200" kern="1200" dirty="0" smtClean="0">
-                        <a:solidFill>
-                          <a:schemeClr val="bg1"/>
-                        </a:solidFill>
-                        <a:latin typeface="+mn-lt"/>
-                        <a:ea typeface="+mn-ea"/>
-                        <a:cs typeface="+mn-cs"/>
-                      </a:endParaRPr>
-                    </a:p>
-                  </a:txBody>
-                  <a:tcPr vert="vert270" anchor="ctr">
-                    <a:solidFill>
-                      <a:schemeClr val="accent2">
-                        <a:lumMod val="75000"/>
-                      </a:schemeClr>
-                    </a:solidFill>
-                  </a:tcPr>
-                </a:tc>
-                <a:tc>
-                  <a:txBody>
-                    <a:bodyPr/>
-                    <a:lstStyle/>
-                    <a:p>
-                      <a:pPr marL="0" indent="0" algn="ctr" defTabSz="914400" rtl="0" eaLnBrk="1" latinLnBrk="0" hangingPunct="1">
-                        <a:buFont typeface="Arial" panose="020B0604020202020204" pitchFamily="34" charset="0"/>
-                        <a:buNone/>
-                        <a:tabLst>
-                          <a:tab pos="1976438" algn="r"/>
-                        </a:tabLst>
-                      </a:pPr>
-                      <a:r>
-                        <a:rPr lang="es-AR" sz="3600" b="1" kern="1200" dirty="0" smtClean="0">
-                          <a:solidFill>
-                            <a:schemeClr val="bg1"/>
-                          </a:solidFill>
-                          <a:latin typeface="Wingdings" panose="05000000000000000000" pitchFamily="2" charset="2"/>
-                          <a:ea typeface="+mn-ea"/>
-                          <a:cs typeface="+mn-cs"/>
-                        </a:rPr>
-                        <a:t>ü</a:t>
-                      </a:r>
-                      <a:endParaRPr lang="es-AR" sz="3600" b="1" kern="1200" dirty="0">
-                        <a:solidFill>
-                          <a:schemeClr val="bg1"/>
-                        </a:solidFill>
-                        <a:latin typeface="Wingdings" panose="05000000000000000000" pitchFamily="2" charset="2"/>
-                        <a:ea typeface="+mn-ea"/>
-                        <a:cs typeface="+mn-cs"/>
-                      </a:endParaRPr>
-                    </a:p>
-                  </a:txBody>
-                  <a:tcPr anchor="ctr">
-                    <a:lnR w="12700" cmpd="sng">
-                      <a:noFill/>
-                    </a:lnR>
-                    <a:solidFill>
-                      <a:schemeClr val="accent5">
-                        <a:lumMod val="75000"/>
-                      </a:schemeClr>
-                    </a:solidFill>
-                  </a:tcPr>
-                </a:tc>
-                <a:tc>
-                  <a:txBody>
-                    <a:bodyPr/>
-                    <a:lstStyle/>
-                    <a:p>
-                      <a:endParaRPr lang="es-AR" dirty="0">
-                        <a:solidFill>
-                          <a:schemeClr val="bg1"/>
-                        </a:solidFill>
-                      </a:endParaRPr>
-                    </a:p>
-                  </a:txBody>
-                  <a:tcPr anchor="ctr">
-                    <a:lnL w="12700" cmpd="sng">
-                      <a:noFill/>
-                    </a:lnL>
-                    <a:lnR w="12700" cmpd="sng">
-                      <a:noFill/>
-                    </a:lnR>
-                    <a:lnT w="12700" cmpd="sng">
-                      <a:noFill/>
-                    </a:lnT>
-                    <a:lnB w="12700" cmpd="sng">
-                      <a:noFill/>
-                    </a:lnB>
-                    <a:lnTlToBr w="12700" cmpd="sng">
-                      <a:noFill/>
-                      <a:prstDash val="solid"/>
-                    </a:lnTlToBr>
-                    <a:lnBlToTr w="12700" cmpd="sng">
-                      <a:noFill/>
-                      <a:prstDash val="solid"/>
-                    </a:lnBlToTr>
-                    <a:noFill/>
-                  </a:tcPr>
-                </a:tc>
-                <a:extLst>
-                  <a:ext uri="{0D108BD9-81ED-4DB2-BD59-A6C34878D82A}">
-                    <a16:rowId xmlns:a16="http://schemas.microsoft.com/office/drawing/2014/main" val="1875015337"/>
-                  </a:ext>
-                </a:extLst>
-              </a:tr>
-              <a:tr h="908230">
-                <a:tc vMerge="1">
-                  <a:txBody>
-                    <a:bodyPr/>
-                    <a:lstStyle/>
-                    <a:p>
-                      <a:pPr algn="ctr"/>
-                      <a:endParaRPr lang="es-AR" dirty="0"/>
-                    </a:p>
-                  </a:txBody>
-                  <a:tcPr anchor="ctr"/>
-                </a:tc>
-                <a:tc>
-                  <a:txBody>
-                    <a:bodyPr/>
-                    <a:lstStyle/>
-                    <a:p>
-                      <a:pPr marL="0" indent="0" algn="ctr" defTabSz="914400" rtl="0" eaLnBrk="1" latinLnBrk="0" hangingPunct="1">
-                        <a:buFont typeface="Arial" panose="020B0604020202020204" pitchFamily="34" charset="0"/>
-                        <a:buNone/>
-                        <a:tabLst>
-                          <a:tab pos="1976438" algn="r"/>
-                        </a:tabLst>
-                      </a:pPr>
-                      <a:r>
-                        <a:rPr lang="es-AR" sz="3600" b="1" kern="1200" dirty="0" smtClean="0">
-                          <a:solidFill>
-                            <a:schemeClr val="accent6">
-                              <a:lumMod val="50000"/>
-                            </a:schemeClr>
-                          </a:solidFill>
-                          <a:latin typeface="Wingdings" panose="05000000000000000000" pitchFamily="2" charset="2"/>
-                          <a:ea typeface="+mn-ea"/>
-                          <a:cs typeface="+mn-cs"/>
-                        </a:rPr>
-                        <a:t>û</a:t>
-                      </a:r>
-                      <a:endParaRPr lang="es-AR" sz="3600" b="1" kern="1200" dirty="0">
-                        <a:solidFill>
-                          <a:schemeClr val="accent6">
-                            <a:lumMod val="50000"/>
-                          </a:schemeClr>
-                        </a:solidFill>
-                        <a:latin typeface="Wingdings" panose="05000000000000000000" pitchFamily="2" charset="2"/>
-                        <a:ea typeface="+mn-ea"/>
-                        <a:cs typeface="+mn-cs"/>
-                      </a:endParaRPr>
-                    </a:p>
-                  </a:txBody>
-                  <a:tcPr anchor="ctr">
-                    <a:solidFill>
-                      <a:schemeClr val="accent6">
-                        <a:lumMod val="60000"/>
-                        <a:lumOff val="40000"/>
-                      </a:schemeClr>
-                    </a:solidFill>
-                  </a:tcPr>
-                </a:tc>
-                <a:tc gridSpan="2" vMerge="1">
-                  <a:txBody>
-                    <a:bodyPr/>
-                    <a:lstStyle/>
-                    <a:p>
-                      <a:pPr marL="0" marR="0" indent="0" algn="ctr" defTabSz="914400" rtl="0" eaLnBrk="1" fontAlgn="auto" latinLnBrk="0" hangingPunct="1">
-                        <a:lnSpc>
-                          <a:spcPct val="75000"/>
-                        </a:lnSpc>
-                        <a:spcBef>
-                          <a:spcPts val="0"/>
-                        </a:spcBef>
-                        <a:spcAft>
-                          <a:spcPts val="0"/>
-                        </a:spcAft>
-                        <a:buClrTx/>
-                        <a:buSzTx/>
-                        <a:buFont typeface="Arial" panose="020B0604020202020204" pitchFamily="34" charset="0"/>
-                        <a:buNone/>
-                        <a:tabLst>
-                          <a:tab pos="1976438" algn="r"/>
-                        </a:tabLst>
-                        <a:defRPr/>
-                      </a:pPr>
-                      <a:endParaRPr lang="es-AR" sz="1200" kern="1200" dirty="0" smtClean="0">
-                        <a:solidFill>
-                          <a:schemeClr val="bg1"/>
-                        </a:solidFill>
-                        <a:latin typeface="+mn-lt"/>
-                        <a:ea typeface="+mn-ea"/>
-                        <a:cs typeface="+mn-cs"/>
-                      </a:endParaRPr>
-                    </a:p>
-                  </a:txBody>
-                  <a:tcPr vert="vert270" anchor="ctr">
-                    <a:solidFill>
-                      <a:schemeClr val="accent2">
-                        <a:lumMod val="75000"/>
-                      </a:schemeClr>
-                    </a:solidFill>
-                  </a:tcPr>
-                </a:tc>
-                <a:tc hMerge="1" vMerge="1">
-                  <a:txBody>
-                    <a:bodyPr/>
-                    <a:lstStyle/>
-                    <a:p>
-                      <a:pPr marL="0" indent="0" algn="ctr">
-                        <a:lnSpc>
-                          <a:spcPct val="75000"/>
-                        </a:lnSpc>
-                        <a:buFont typeface="Arial" panose="020B0604020202020204" pitchFamily="34" charset="0"/>
-                        <a:buNone/>
-                      </a:pPr>
-                      <a:endParaRPr lang="es-AR" sz="1200" dirty="0"/>
-                    </a:p>
-                  </a:txBody>
-                  <a:tcPr vert="vert270" anchor="ctr">
-                    <a:solidFill>
-                      <a:schemeClr val="accent2">
-                        <a:lumMod val="75000"/>
-                      </a:schemeClr>
-                    </a:solidFill>
-                  </a:tcPr>
-                </a:tc>
-                <a:tc>
-                  <a:txBody>
-                    <a:bodyPr/>
-                    <a:lstStyle/>
-                    <a:p>
-                      <a:pPr marL="0" indent="0" algn="ctr" defTabSz="914400" rtl="0" eaLnBrk="1" latinLnBrk="0" hangingPunct="1">
-                        <a:buFont typeface="Arial" panose="020B0604020202020204" pitchFamily="34" charset="0"/>
-                        <a:buNone/>
-                        <a:tabLst>
-                          <a:tab pos="1976438" algn="r"/>
-                        </a:tabLst>
-                      </a:pPr>
-                      <a:r>
-                        <a:rPr lang="es-AR" sz="3600" b="1" kern="1200" dirty="0" smtClean="0">
-                          <a:solidFill>
-                            <a:schemeClr val="accent5">
-                              <a:lumMod val="50000"/>
-                            </a:schemeClr>
-                          </a:solidFill>
-                          <a:latin typeface="Wingdings" panose="05000000000000000000" pitchFamily="2" charset="2"/>
-                          <a:ea typeface="+mn-ea"/>
-                          <a:cs typeface="+mn-cs"/>
-                        </a:rPr>
-                        <a:t>û</a:t>
-                      </a:r>
-                      <a:endParaRPr lang="es-AR" sz="3600" b="1" kern="1200" dirty="0">
-                        <a:solidFill>
-                          <a:schemeClr val="accent5">
-                            <a:lumMod val="50000"/>
-                          </a:schemeClr>
-                        </a:solidFill>
-                        <a:latin typeface="Wingdings" panose="05000000000000000000" pitchFamily="2" charset="2"/>
-                        <a:ea typeface="+mn-ea"/>
-                        <a:cs typeface="+mn-cs"/>
-                      </a:endParaRPr>
-                    </a:p>
-                  </a:txBody>
-                  <a:tcPr anchor="ctr">
-                    <a:solidFill>
-                      <a:schemeClr val="accent5">
-                        <a:lumMod val="40000"/>
-                        <a:lumOff val="60000"/>
-                      </a:schemeClr>
-                    </a:solidFill>
-                  </a:tcPr>
-                </a:tc>
-                <a:tc>
-                  <a:txBody>
-                    <a:bodyPr/>
-                    <a:lstStyle/>
-                    <a:p>
-                      <a:pPr marL="0" marR="0" indent="0" algn="l" defTabSz="914400" rtl="0" eaLnBrk="1" fontAlgn="auto" latinLnBrk="0" hangingPunct="1">
-                        <a:lnSpc>
-                          <a:spcPct val="100000"/>
-                        </a:lnSpc>
-                        <a:spcBef>
-                          <a:spcPts val="0"/>
-                        </a:spcBef>
-                        <a:spcAft>
-                          <a:spcPts val="0"/>
-                        </a:spcAft>
-                        <a:buClrTx/>
-                        <a:buSzTx/>
-                        <a:buFont typeface="Arial" panose="020B0604020202020204" pitchFamily="34" charset="0"/>
-                        <a:buNone/>
-                        <a:tabLst/>
-                        <a:defRPr/>
-                      </a:pPr>
-                      <a:r>
-                        <a:rPr lang="es-AR" sz="1800" kern="1200" dirty="0" smtClean="0">
-                          <a:solidFill>
-                            <a:schemeClr val="bg1"/>
-                          </a:solidFill>
-                          <a:latin typeface="+mn-lt"/>
-                          <a:ea typeface="+mn-ea"/>
-                          <a:cs typeface="+mn-cs"/>
-                        </a:rPr>
-                        <a:t>Objeciones</a:t>
-                      </a:r>
-                      <a:r>
-                        <a:rPr lang="es-AR" sz="1800" kern="1200" baseline="0" dirty="0" smtClean="0">
-                          <a:solidFill>
-                            <a:schemeClr val="bg1"/>
-                          </a:solidFill>
-                          <a:latin typeface="+mn-lt"/>
-                          <a:ea typeface="+mn-ea"/>
-                          <a:cs typeface="+mn-cs"/>
-                        </a:rPr>
-                        <a:t> por su contenido</a:t>
-                      </a:r>
-                      <a:endParaRPr lang="es-AR" sz="1800" kern="1200" dirty="0" smtClean="0">
-                        <a:solidFill>
-                          <a:schemeClr val="bg1"/>
-                        </a:solidFill>
-                        <a:latin typeface="+mn-lt"/>
-                        <a:ea typeface="+mn-ea"/>
-                        <a:cs typeface="+mn-cs"/>
-                      </a:endParaRPr>
-                    </a:p>
-                  </a:txBody>
-                  <a:tcPr anchor="ctr">
-                    <a:lnT w="12700" cmpd="sng">
-                      <a:noFill/>
-                    </a:lnT>
-                    <a:lnB w="12700" cmpd="sng">
-                      <a:noFill/>
-                    </a:lnB>
-                    <a:solidFill>
-                      <a:schemeClr val="bg1">
-                        <a:lumMod val="50000"/>
-                      </a:schemeClr>
-                    </a:solidFill>
-                  </a:tcPr>
-                </a:tc>
-                <a:extLst>
-                  <a:ext uri="{0D108BD9-81ED-4DB2-BD59-A6C34878D82A}">
-                    <a16:rowId xmlns:a16="http://schemas.microsoft.com/office/drawing/2014/main" val="3879676700"/>
-                  </a:ext>
-                </a:extLst>
-              </a:tr>
-              <a:tr h="908230">
-                <a:tc>
-                  <a:txBody>
-                    <a:bodyPr/>
-                    <a:lstStyle/>
-                    <a:p>
-                      <a:pPr marL="0" marR="0" indent="0" algn="ctr" defTabSz="914400" rtl="0" eaLnBrk="1" fontAlgn="auto" latinLnBrk="0" hangingPunct="1">
-                        <a:lnSpc>
-                          <a:spcPct val="100000"/>
-                        </a:lnSpc>
-                        <a:spcBef>
-                          <a:spcPts val="0"/>
-                        </a:spcBef>
-                        <a:spcAft>
-                          <a:spcPts val="0"/>
-                        </a:spcAft>
-                        <a:buClrTx/>
-                        <a:buSzTx/>
-                        <a:buFontTx/>
-                        <a:buNone/>
-                        <a:tabLst/>
-                        <a:defRPr/>
-                      </a:pPr>
-                      <a:r>
-                        <a:rPr lang="es-AR" dirty="0" smtClean="0"/>
-                        <a:t>Las demás</a:t>
-                      </a:r>
-                      <a:endParaRPr lang="es-AR" dirty="0"/>
-                    </a:p>
-                  </a:txBody>
-                  <a:tcPr anchor="ctr">
-                    <a:solidFill>
-                      <a:schemeClr val="bg1">
-                        <a:lumMod val="85000"/>
-                      </a:schemeClr>
-                    </a:solidFill>
-                  </a:tcPr>
-                </a:tc>
-                <a:tc gridSpan="4">
-                  <a:txBody>
-                    <a:bodyPr/>
-                    <a:lstStyle/>
-                    <a:p>
-                      <a:pPr marL="0" marR="0" lvl="0" indent="0" algn="ctr" defTabSz="914400" rtl="0" eaLnBrk="1" fontAlgn="auto" latinLnBrk="0" hangingPunct="1">
-                        <a:lnSpc>
-                          <a:spcPct val="100000"/>
-                        </a:lnSpc>
-                        <a:spcBef>
-                          <a:spcPts val="0"/>
-                        </a:spcBef>
-                        <a:spcAft>
-                          <a:spcPts val="0"/>
-                        </a:spcAft>
-                        <a:buClrTx/>
-                        <a:buSzTx/>
-                        <a:buFont typeface="Arial" panose="020B0604020202020204" pitchFamily="34" charset="0"/>
-                        <a:buNone/>
-                        <a:tabLst/>
-                        <a:defRPr/>
-                      </a:pPr>
-                      <a:r>
-                        <a:rPr kumimoji="0" lang="es-AR" sz="3600" b="1" i="0" u="none" strike="noStrike" kern="1200" cap="none" spc="0" normalizeH="0" baseline="0" noProof="0" dirty="0" smtClean="0">
-                          <a:ln>
-                            <a:noFill/>
-                          </a:ln>
-                          <a:solidFill>
-                            <a:schemeClr val="bg1"/>
-                          </a:solidFill>
-                          <a:effectLst/>
-                          <a:uLnTx/>
-                          <a:uFillTx/>
-                          <a:latin typeface="Wingdings" panose="05000000000000000000" pitchFamily="2" charset="2"/>
-                          <a:ea typeface="+mn-ea"/>
-                          <a:cs typeface="+mn-cs"/>
-                        </a:rPr>
-                        <a:t>û</a:t>
-                      </a:r>
-                      <a:endParaRPr kumimoji="0" lang="es-AR" sz="3600" b="1" i="0" u="none" strike="noStrike" kern="1200" cap="none" spc="0" normalizeH="0" baseline="0" noProof="0" dirty="0">
-                        <a:ln>
-                          <a:noFill/>
-                        </a:ln>
-                        <a:solidFill>
-                          <a:schemeClr val="bg1"/>
-                        </a:solidFill>
-                        <a:effectLst/>
-                        <a:uLnTx/>
-                        <a:uFillTx/>
-                        <a:latin typeface="Wingdings" panose="05000000000000000000" pitchFamily="2" charset="2"/>
-                        <a:ea typeface="+mn-ea"/>
-                        <a:cs typeface="+mn-cs"/>
-                      </a:endParaRPr>
-                    </a:p>
-                  </a:txBody>
-                  <a:tcPr anchor="ctr">
-                    <a:lnR w="12700" cmpd="sng">
-                      <a:noFill/>
-                    </a:lnR>
-                    <a:solidFill>
-                      <a:schemeClr val="accent2">
-                        <a:lumMod val="75000"/>
-                      </a:schemeClr>
-                    </a:solidFill>
-                  </a:tcPr>
-                </a:tc>
-                <a:tc hMerge="1">
-                  <a:txBody>
-                    <a:bodyPr/>
-                    <a:lstStyle/>
-                    <a:p>
-                      <a:pPr marL="176213" marR="0" lvl="0" indent="-176213" algn="l" defTabSz="914400" rtl="0" eaLnBrk="1" fontAlgn="auto" latinLnBrk="0" hangingPunct="1">
-                        <a:lnSpc>
-                          <a:spcPct val="100000"/>
-                        </a:lnSpc>
-                        <a:spcBef>
-                          <a:spcPts val="0"/>
-                        </a:spcBef>
-                        <a:spcAft>
-                          <a:spcPts val="0"/>
-                        </a:spcAft>
-                        <a:buClrTx/>
-                        <a:buSzTx/>
-                        <a:buFont typeface="Arial" panose="020B0604020202020204" pitchFamily="34" charset="0"/>
-                        <a:buChar char="•"/>
-                        <a:tabLst>
-                          <a:tab pos="1976438" algn="r"/>
-                        </a:tabLst>
-                        <a:defRPr/>
-                      </a:pPr>
-                      <a:endParaRPr kumimoji="0" lang="es-AR" sz="1200" b="0" i="0" u="none" strike="noStrike" kern="1200" cap="none" spc="0" normalizeH="0" baseline="0" noProof="0" dirty="0">
-                        <a:ln>
-                          <a:noFill/>
-                        </a:ln>
-                        <a:solidFill>
-                          <a:prstClr val="black"/>
-                        </a:solidFill>
-                        <a:effectLst/>
-                        <a:uLnTx/>
-                        <a:uFillTx/>
-                        <a:latin typeface="Calibri" panose="020F0502020204030204"/>
-                        <a:ea typeface="+mn-ea"/>
-                        <a:cs typeface="+mn-cs"/>
-                      </a:endParaRPr>
-                    </a:p>
-                  </a:txBody>
-                  <a:tcPr anchor="ctr">
-                    <a:solidFill>
-                      <a:schemeClr val="accent2">
-                        <a:lumMod val="40000"/>
-                        <a:lumOff val="60000"/>
-                      </a:schemeClr>
-                    </a:solidFill>
-                  </a:tcPr>
-                </a:tc>
-                <a:tc hMerge="1">
-                  <a:txBody>
-                    <a:bodyPr/>
-                    <a:lstStyle/>
-                    <a:p>
-                      <a:pPr marL="176213" marR="0" lvl="0" indent="-176213" algn="l" defTabSz="914400" rtl="0" eaLnBrk="1" fontAlgn="auto" latinLnBrk="0" hangingPunct="1">
-                        <a:lnSpc>
-                          <a:spcPct val="100000"/>
-                        </a:lnSpc>
-                        <a:spcBef>
-                          <a:spcPts val="0"/>
-                        </a:spcBef>
-                        <a:spcAft>
-                          <a:spcPts val="0"/>
-                        </a:spcAft>
-                        <a:buClrTx/>
-                        <a:buSzTx/>
-                        <a:buFont typeface="Arial" panose="020B0604020202020204" pitchFamily="34" charset="0"/>
-                        <a:buChar char="•"/>
-                        <a:tabLst>
-                          <a:tab pos="1976438" algn="r"/>
-                        </a:tabLst>
-                        <a:defRPr/>
-                      </a:pPr>
-                      <a:endParaRPr kumimoji="0" lang="es-AR" sz="1200" b="0" i="0" u="none" strike="noStrike" kern="1200" cap="none" spc="0" normalizeH="0" baseline="0" noProof="0" dirty="0">
-                        <a:ln>
-                          <a:noFill/>
-                        </a:ln>
-                        <a:solidFill>
-                          <a:schemeClr val="bg1"/>
-                        </a:solidFill>
-                        <a:effectLst/>
-                        <a:uLnTx/>
-                        <a:uFillTx/>
-                        <a:latin typeface="Calibri" panose="020F0502020204030204"/>
-                        <a:ea typeface="+mn-ea"/>
-                        <a:cs typeface="+mn-cs"/>
-                      </a:endParaRPr>
-                    </a:p>
-                  </a:txBody>
-                  <a:tcPr anchor="ctr">
-                    <a:solidFill>
-                      <a:schemeClr val="accent2">
-                        <a:lumMod val="75000"/>
-                      </a:schemeClr>
-                    </a:solidFill>
-                  </a:tcPr>
-                </a:tc>
-                <a:tc hMerge="1">
-                  <a:txBody>
-                    <a:bodyPr/>
-                    <a:lstStyle/>
-                    <a:p>
-                      <a:pPr marL="176213" marR="0" lvl="0" indent="-176213" algn="l" defTabSz="914400" rtl="0" eaLnBrk="1" fontAlgn="auto" latinLnBrk="0" hangingPunct="1">
-                        <a:lnSpc>
-                          <a:spcPct val="100000"/>
-                        </a:lnSpc>
-                        <a:spcBef>
-                          <a:spcPts val="0"/>
-                        </a:spcBef>
-                        <a:spcAft>
-                          <a:spcPts val="0"/>
-                        </a:spcAft>
-                        <a:buClrTx/>
-                        <a:buSzTx/>
-                        <a:buFont typeface="Arial" panose="020B0604020202020204" pitchFamily="34" charset="0"/>
-                        <a:buChar char="•"/>
-                        <a:tabLst>
-                          <a:tab pos="1976438" algn="r"/>
-                        </a:tabLst>
-                        <a:defRPr/>
-                      </a:pPr>
-                      <a:endParaRPr kumimoji="0" lang="es-AR" sz="1200" b="0" i="0" u="none" strike="noStrike" kern="1200" cap="none" spc="0" normalizeH="0" baseline="0" noProof="0" dirty="0">
-                        <a:ln>
-                          <a:noFill/>
-                        </a:ln>
-                        <a:solidFill>
-                          <a:prstClr val="black"/>
-                        </a:solidFill>
-                        <a:effectLst/>
-                        <a:uLnTx/>
-                        <a:uFillTx/>
-                        <a:latin typeface="Calibri" panose="020F0502020204030204"/>
-                        <a:ea typeface="+mn-ea"/>
-                        <a:cs typeface="+mn-cs"/>
-                      </a:endParaRPr>
-                    </a:p>
-                  </a:txBody>
-                  <a:tcPr anchor="ctr">
-                    <a:solidFill>
-                      <a:schemeClr val="accent2">
-                        <a:lumMod val="40000"/>
-                        <a:lumOff val="60000"/>
-                      </a:schemeClr>
-                    </a:solidFill>
-                  </a:tcPr>
-                </a:tc>
-                <a:tc>
-                  <a:txBody>
-                    <a:bodyPr/>
-                    <a:lstStyle/>
-                    <a:p>
-                      <a:pPr marL="171450" marR="0" indent="-171450" algn="l" defTabSz="914400" rtl="0" eaLnBrk="1" fontAlgn="auto" latinLnBrk="0" hangingPunct="1">
-                        <a:lnSpc>
-                          <a:spcPct val="100000"/>
-                        </a:lnSpc>
-                        <a:spcBef>
-                          <a:spcPts val="0"/>
-                        </a:spcBef>
-                        <a:spcAft>
-                          <a:spcPts val="0"/>
-                        </a:spcAft>
-                        <a:buClrTx/>
-                        <a:buSzTx/>
-                        <a:buFont typeface="Arial" panose="020B0604020202020204" pitchFamily="34" charset="0"/>
-                        <a:buChar char="•"/>
-                        <a:tabLst/>
-                        <a:defRPr/>
-                      </a:pPr>
-                      <a:endParaRPr lang="es-AR" sz="1200" kern="1200" baseline="30000" dirty="0" smtClean="0">
-                        <a:solidFill>
-                          <a:schemeClr val="dk1"/>
-                        </a:solidFill>
-                        <a:latin typeface="+mn-lt"/>
-                        <a:ea typeface="+mn-ea"/>
-                        <a:cs typeface="+mn-cs"/>
-                      </a:endParaRPr>
-                    </a:p>
-                  </a:txBody>
-                  <a:tcPr anchor="ctr">
-                    <a:lnL w="12700" cmpd="sng">
-                      <a:noFill/>
-                    </a:lnL>
-                    <a:lnR w="12700" cmpd="sng">
-                      <a:noFill/>
-                    </a:lnR>
-                    <a:lnT w="12700" cmpd="sng">
-                      <a:noFill/>
-                    </a:lnT>
-                    <a:lnB w="12700" cmpd="sng">
-                      <a:noFill/>
-                    </a:lnB>
-                    <a:lnTlToBr w="12700" cmpd="sng">
-                      <a:noFill/>
-                      <a:prstDash val="solid"/>
-                    </a:lnTlToBr>
-                    <a:lnBlToTr w="12700" cmpd="sng">
-                      <a:noFill/>
-                      <a:prstDash val="solid"/>
-                    </a:lnBlToTr>
-                    <a:noFill/>
-                  </a:tcPr>
-                </a:tc>
-                <a:extLst>
-                  <a:ext uri="{0D108BD9-81ED-4DB2-BD59-A6C34878D82A}">
-                    <a16:rowId xmlns:a16="http://schemas.microsoft.com/office/drawing/2014/main" val="2803898946"/>
-                  </a:ext>
-                </a:extLst>
-              </a:tr>
-            </a:tbl>
-          </a:graphicData>
-        </a:graphic>
-      </p:graphicFrame>
-      <p:graphicFrame>
-        <p:nvGraphicFramePr>
-          <p:cNvPr id="4" name="Tabla 3"/>
-          <p:cNvGraphicFramePr>
-            <a:graphicFrameLocks noGrp="1"/>
-          </p:cNvGraphicFramePr>
-          <p:nvPr>
-            <p:extLst>
-              <p:ext uri="{D42A27DB-BD31-4B8C-83A1-F6EECF244321}">
-                <p14:modId xmlns:p14="http://schemas.microsoft.com/office/powerpoint/2010/main" val="8663617"/>
-              </p:ext>
-            </p:extLst>
-          </p:nvPr>
-        </p:nvGraphicFramePr>
-        <p:xfrm>
-          <a:off x="1186663" y="1872000"/>
-          <a:ext cx="9818675" cy="3453282"/>
-        </p:xfrm>
-        <a:graphic>
-          <a:graphicData uri="http://schemas.openxmlformats.org/drawingml/2006/table">
-            <a:tbl>
-              <a:tblPr>
-                <a:tableStyleId>{5C22544A-7EE6-4342-B048-85BDC9FD1C3A}</a:tableStyleId>
-              </a:tblPr>
-              <a:tblGrid>
-                <a:gridCol w="1972246">
-                  <a:extLst>
-                    <a:ext uri="{9D8B030D-6E8A-4147-A177-3AD203B41FA5}">
-                      <a16:colId xmlns:a16="http://schemas.microsoft.com/office/drawing/2014/main" val="2213745050"/>
-                    </a:ext>
-                  </a:extLst>
-                </a:gridCol>
-                <a:gridCol w="2016045">
-                  <a:extLst>
-                    <a:ext uri="{9D8B030D-6E8A-4147-A177-3AD203B41FA5}">
-                      <a16:colId xmlns:a16="http://schemas.microsoft.com/office/drawing/2014/main" val="2961072054"/>
-                    </a:ext>
-                  </a:extLst>
-                </a:gridCol>
-                <a:gridCol w="338893">
-                  <a:extLst>
-                    <a:ext uri="{9D8B030D-6E8A-4147-A177-3AD203B41FA5}">
-                      <a16:colId xmlns:a16="http://schemas.microsoft.com/office/drawing/2014/main" val="2642678661"/>
-                    </a:ext>
-                  </a:extLst>
-                </a:gridCol>
-                <a:gridCol w="316953">
-                  <a:extLst>
-                    <a:ext uri="{9D8B030D-6E8A-4147-A177-3AD203B41FA5}">
-                      <a16:colId xmlns:a16="http://schemas.microsoft.com/office/drawing/2014/main" val="2023592740"/>
-                    </a:ext>
-                  </a:extLst>
-                </a:gridCol>
-                <a:gridCol w="2037991">
-                  <a:extLst>
-                    <a:ext uri="{9D8B030D-6E8A-4147-A177-3AD203B41FA5}">
-                      <a16:colId xmlns:a16="http://schemas.microsoft.com/office/drawing/2014/main" val="1375816917"/>
-                    </a:ext>
-                  </a:extLst>
-                </a:gridCol>
-                <a:gridCol w="3136547">
-                  <a:extLst>
-                    <a:ext uri="{9D8B030D-6E8A-4147-A177-3AD203B41FA5}">
-                      <a16:colId xmlns:a16="http://schemas.microsoft.com/office/drawing/2014/main" val="2386111916"/>
-                    </a:ext>
-                  </a:extLst>
-                </a:gridCol>
-              </a:tblGrid>
-              <a:tr h="728592">
-                <a:tc>
-                  <a:txBody>
-                    <a:bodyPr/>
-                    <a:lstStyle/>
-                    <a:p>
-                      <a:pPr algn="ctr"/>
-                      <a:r>
-                        <a:rPr lang="es-AR" b="1" dirty="0" smtClean="0">
-                          <a:solidFill>
-                            <a:schemeClr val="bg1"/>
-                          </a:solidFill>
-                        </a:rPr>
-                        <a:t>Grupo</a:t>
-                      </a:r>
-                      <a:endParaRPr lang="es-AR" b="1" dirty="0">
-                        <a:solidFill>
-                          <a:schemeClr val="bg1"/>
-                        </a:solidFill>
-                      </a:endParaRPr>
-                    </a:p>
-                  </a:txBody>
-                  <a:tcPr anchor="ctr">
-                    <a:solidFill>
-                      <a:schemeClr val="bg2">
-                        <a:lumMod val="25000"/>
-                      </a:schemeClr>
-                    </a:solidFill>
-                  </a:tcPr>
-                </a:tc>
-                <a:tc gridSpan="2">
-                  <a:txBody>
-                    <a:bodyPr/>
-                    <a:lstStyle/>
-                    <a:p>
-                      <a:pPr algn="ctr"/>
-                      <a:r>
-                        <a:rPr lang="es-AR" b="1" dirty="0" smtClean="0">
-                          <a:solidFill>
-                            <a:schemeClr val="bg1"/>
-                          </a:solidFill>
-                        </a:rPr>
-                        <a:t>Relacionadas con</a:t>
-                      </a:r>
-                    </a:p>
-                    <a:p>
-                      <a:pPr algn="ctr"/>
-                      <a:r>
-                        <a:rPr lang="es-AR" b="1" dirty="0" smtClean="0">
-                          <a:solidFill>
-                            <a:schemeClr val="bg1"/>
-                          </a:solidFill>
-                        </a:rPr>
-                        <a:t>la Iglesia Católica</a:t>
-                      </a:r>
-                      <a:endParaRPr lang="es-AR" b="1" dirty="0">
-                        <a:solidFill>
-                          <a:schemeClr val="bg1"/>
-                        </a:solidFill>
-                      </a:endParaRPr>
-                    </a:p>
-                  </a:txBody>
-                  <a:tcPr anchor="ctr">
-                    <a:solidFill>
-                      <a:schemeClr val="accent6">
-                        <a:lumMod val="50000"/>
-                      </a:schemeClr>
-                    </a:solidFill>
-                  </a:tcPr>
-                </a:tc>
-                <a:tc hMerge="1">
-                  <a:txBody>
-                    <a:bodyPr/>
-                    <a:lstStyle/>
-                    <a:p>
-                      <a:endParaRPr lang="es-AR"/>
-                    </a:p>
-                  </a:txBody>
-                  <a:tcPr/>
-                </a:tc>
-                <a:tc gridSpan="2">
-                  <a:txBody>
-                    <a:bodyPr/>
-                    <a:lstStyle/>
-                    <a:p>
-                      <a:pPr marL="0" algn="ctr" defTabSz="914400" rtl="0" eaLnBrk="1" latinLnBrk="0" hangingPunct="1"/>
-                      <a:r>
-                        <a:rPr lang="es-AR" sz="1800" b="1" kern="1200" dirty="0" smtClean="0">
-                          <a:solidFill>
-                            <a:schemeClr val="bg1"/>
-                          </a:solidFill>
-                          <a:latin typeface="+mn-lt"/>
-                          <a:ea typeface="+mn-ea"/>
-                          <a:cs typeface="+mn-cs"/>
-                        </a:rPr>
-                        <a:t>Sin relación con </a:t>
-                      </a:r>
-                    </a:p>
-                    <a:p>
-                      <a:pPr marL="0" algn="ctr" defTabSz="914400" rtl="0" eaLnBrk="1" latinLnBrk="0" hangingPunct="1"/>
-                      <a:r>
-                        <a:rPr lang="es-AR" sz="1800" b="1" kern="1200" dirty="0" smtClean="0">
-                          <a:solidFill>
-                            <a:schemeClr val="bg1"/>
-                          </a:solidFill>
-                          <a:latin typeface="+mn-lt"/>
-                          <a:ea typeface="+mn-ea"/>
-                          <a:cs typeface="+mn-cs"/>
-                        </a:rPr>
-                        <a:t>la Iglesia Católica</a:t>
-                      </a:r>
-                      <a:endParaRPr lang="es-AR" sz="1800" b="1" kern="1200" dirty="0">
-                        <a:solidFill>
-                          <a:schemeClr val="bg1"/>
-                        </a:solidFill>
-                        <a:latin typeface="+mn-lt"/>
-                        <a:ea typeface="+mn-ea"/>
-                        <a:cs typeface="+mn-cs"/>
-                      </a:endParaRPr>
-                    </a:p>
-                  </a:txBody>
-                  <a:tcPr anchor="ctr">
-                    <a:solidFill>
-                      <a:schemeClr val="accent5">
-                        <a:lumMod val="50000"/>
-                      </a:schemeClr>
-                    </a:solidFill>
-                  </a:tcPr>
-                </a:tc>
-                <a:tc hMerge="1">
-                  <a:txBody>
-                    <a:bodyPr/>
-                    <a:lstStyle/>
-                    <a:p>
-                      <a:endParaRPr lang="es-AR"/>
-                    </a:p>
-                  </a:txBody>
-                  <a:tcPr/>
-                </a:tc>
-                <a:tc>
-                  <a:txBody>
-                    <a:bodyPr/>
-                    <a:lstStyle/>
-                    <a:p>
-                      <a:pPr marL="0" algn="l" defTabSz="914400" rtl="0" eaLnBrk="1" latinLnBrk="0" hangingPunct="1"/>
-                      <a:r>
-                        <a:rPr lang="es-AR" sz="1800" b="1" kern="1200" dirty="0" smtClean="0">
-                          <a:solidFill>
-                            <a:schemeClr val="bg1"/>
-                          </a:solidFill>
-                          <a:latin typeface="+mn-lt"/>
-                          <a:ea typeface="+mn-ea"/>
-                          <a:cs typeface="+mn-cs"/>
-                        </a:rPr>
-                        <a:t>Objeciones</a:t>
-                      </a:r>
-                      <a:endParaRPr lang="es-AR" sz="1800" b="1" kern="1200" dirty="0">
-                        <a:solidFill>
-                          <a:schemeClr val="bg1"/>
-                        </a:solidFill>
-                        <a:latin typeface="+mn-lt"/>
-                        <a:ea typeface="+mn-ea"/>
-                        <a:cs typeface="+mn-cs"/>
-                      </a:endParaRPr>
-                    </a:p>
-                  </a:txBody>
-                  <a:tcPr anchor="ctr">
-                    <a:lnB w="12700" cmpd="sng">
-                      <a:noFill/>
-                    </a:lnB>
-                    <a:solidFill>
-                      <a:schemeClr val="bg2">
-                        <a:lumMod val="25000"/>
-                      </a:schemeClr>
-                    </a:solidFill>
-                  </a:tcPr>
-                </a:tc>
-                <a:extLst>
-                  <a:ext uri="{0D108BD9-81ED-4DB2-BD59-A6C34878D82A}">
-                    <a16:rowId xmlns:a16="http://schemas.microsoft.com/office/drawing/2014/main" val="197205259"/>
-                  </a:ext>
-                </a:extLst>
-              </a:tr>
-              <a:tr h="908230">
-                <a:tc rowSpan="2">
-                  <a:txBody>
-                    <a:bodyPr/>
-                    <a:lstStyle/>
-                    <a:p>
-                      <a:pPr algn="ctr"/>
-                      <a:r>
-                        <a:rPr lang="es-AR" dirty="0" smtClean="0">
-                          <a:solidFill>
-                            <a:schemeClr val="bg1"/>
-                          </a:solidFill>
-                        </a:rPr>
-                        <a:t>Con valores afines </a:t>
-                      </a:r>
-                    </a:p>
-                    <a:p>
-                      <a:pPr algn="ctr"/>
-                      <a:r>
-                        <a:rPr lang="es-AR" dirty="0" smtClean="0">
-                          <a:solidFill>
-                            <a:schemeClr val="bg1"/>
-                          </a:solidFill>
-                        </a:rPr>
-                        <a:t>y dejan huella</a:t>
-                      </a:r>
-                      <a:endParaRPr lang="es-AR" dirty="0">
-                        <a:solidFill>
-                          <a:schemeClr val="bg1"/>
-                        </a:solidFill>
-                      </a:endParaRPr>
-                    </a:p>
-                  </a:txBody>
-                  <a:tcPr anchor="ctr">
-                    <a:solidFill>
-                      <a:schemeClr val="bg1">
-                        <a:lumMod val="50000"/>
-                      </a:schemeClr>
-                    </a:solidFill>
-                  </a:tcPr>
-                </a:tc>
-                <a:tc>
-                  <a:txBody>
-                    <a:bodyPr/>
-                    <a:lstStyle/>
-                    <a:p>
-                      <a:pPr marL="176213" indent="-176213" algn="l" defTabSz="914400" rtl="0" eaLnBrk="1" latinLnBrk="0" hangingPunct="1">
-                        <a:buFont typeface="Arial" panose="020B0604020202020204" pitchFamily="34" charset="0"/>
-                        <a:buChar char="•"/>
-                        <a:tabLst>
-                          <a:tab pos="1976438" algn="r"/>
-                        </a:tabLst>
-                      </a:pPr>
-                      <a:r>
-                        <a:rPr lang="es-AR" sz="1200" kern="1200" dirty="0" smtClean="0">
-                          <a:solidFill>
-                            <a:schemeClr val="bg1"/>
-                          </a:solidFill>
-                          <a:latin typeface="+mn-lt"/>
-                          <a:ea typeface="+mn-ea"/>
-                          <a:cs typeface="+mn-cs"/>
-                        </a:rPr>
-                        <a:t>En base de datos</a:t>
-                      </a:r>
-                    </a:p>
-                    <a:p>
-                      <a:pPr marL="176213" indent="-176213" algn="l" defTabSz="914400" rtl="0" eaLnBrk="1" latinLnBrk="0" hangingPunct="1">
-                        <a:buFont typeface="Arial" panose="020B0604020202020204" pitchFamily="34" charset="0"/>
-                        <a:buChar char="•"/>
-                        <a:tabLst>
-                          <a:tab pos="1700213" algn="ctr"/>
-                          <a:tab pos="1976438" algn="r"/>
-                        </a:tabLst>
-                      </a:pPr>
-                      <a:r>
-                        <a:rPr lang="es-AR" sz="1200" kern="1200" dirty="0" smtClean="0">
-                          <a:solidFill>
-                            <a:schemeClr val="bg1"/>
-                          </a:solidFill>
-                          <a:latin typeface="+mn-lt"/>
-                          <a:ea typeface="+mn-ea"/>
-                          <a:cs typeface="+mn-cs"/>
-                        </a:rPr>
-                        <a:t>Búsqueda rápida	SÍ</a:t>
-                      </a:r>
-                    </a:p>
-                    <a:p>
-                      <a:pPr marL="176213" indent="-176213" algn="l" defTabSz="914400" rtl="0" eaLnBrk="1" latinLnBrk="0" hangingPunct="1">
-                        <a:buFont typeface="Arial" panose="020B0604020202020204" pitchFamily="34" charset="0"/>
-                        <a:buChar char="•"/>
-                        <a:tabLst>
-                          <a:tab pos="1700213" algn="ctr"/>
-                          <a:tab pos="1976438" algn="r"/>
-                        </a:tabLst>
-                      </a:pPr>
-                      <a:r>
-                        <a:rPr lang="es-AR" sz="1200" kern="1200" dirty="0" smtClean="0">
-                          <a:solidFill>
-                            <a:schemeClr val="bg1"/>
-                          </a:solidFill>
-                          <a:latin typeface="+mn-lt"/>
-                          <a:ea typeface="+mn-ea"/>
-                          <a:cs typeface="+mn-cs"/>
-                        </a:rPr>
-                        <a:t>En consultas	SÍ</a:t>
-                      </a:r>
-                    </a:p>
-                    <a:p>
-                      <a:pPr marL="176213" indent="-176213" algn="l" defTabSz="914400" rtl="0" eaLnBrk="1" latinLnBrk="0" hangingPunct="1">
-                        <a:buFont typeface="Arial" panose="020B0604020202020204" pitchFamily="34" charset="0"/>
-                        <a:buChar char="•"/>
-                        <a:tabLst>
-                          <a:tab pos="1700213" algn="ctr"/>
-                          <a:tab pos="1976438" algn="r"/>
-                        </a:tabLst>
-                      </a:pPr>
-                      <a:r>
-                        <a:rPr lang="es-AR" sz="1200" kern="1200" dirty="0" smtClean="0">
-                          <a:solidFill>
-                            <a:schemeClr val="bg1"/>
-                          </a:solidFill>
-                          <a:latin typeface="+mn-lt"/>
-                          <a:ea typeface="+mn-ea"/>
-                          <a:cs typeface="+mn-cs"/>
-                        </a:rPr>
-                        <a:t>En pelis/</a:t>
-                      </a:r>
-                      <a:r>
-                        <a:rPr lang="es-AR" sz="1200" kern="1200" dirty="0" err="1" smtClean="0">
-                          <a:solidFill>
-                            <a:schemeClr val="bg1"/>
-                          </a:solidFill>
-                          <a:latin typeface="+mn-lt"/>
-                          <a:ea typeface="+mn-ea"/>
-                          <a:cs typeface="+mn-cs"/>
-                        </a:rPr>
-                        <a:t>pers</a:t>
-                      </a:r>
-                      <a:r>
-                        <a:rPr lang="es-AR" sz="1200" kern="1200" dirty="0" smtClean="0">
-                          <a:solidFill>
-                            <a:schemeClr val="bg1"/>
-                          </a:solidFill>
-                          <a:latin typeface="+mn-lt"/>
-                          <a:ea typeface="+mn-ea"/>
-                          <a:cs typeface="+mn-cs"/>
-                        </a:rPr>
-                        <a:t> o hecho	SÍ</a:t>
-                      </a:r>
-                      <a:endParaRPr lang="es-AR" sz="1200" kern="1200" dirty="0">
-                        <a:solidFill>
-                          <a:schemeClr val="bg1"/>
-                        </a:solidFill>
-                        <a:latin typeface="+mn-lt"/>
-                        <a:ea typeface="+mn-ea"/>
-                        <a:cs typeface="+mn-cs"/>
-                      </a:endParaRPr>
-                    </a:p>
-                  </a:txBody>
-                  <a:tcPr anchor="ctr">
-                    <a:solidFill>
-                      <a:schemeClr val="accent6">
-                        <a:lumMod val="75000"/>
-                      </a:schemeClr>
-                    </a:solidFill>
-                  </a:tcPr>
-                </a:tc>
-                <a:tc rowSpan="2" gridSpan="2">
-                  <a:txBody>
-                    <a:bodyPr/>
-                    <a:lstStyle/>
-                    <a:p>
-                      <a:pPr marL="0" indent="0" algn="ctr" defTabSz="914400" rtl="0" eaLnBrk="1" latinLnBrk="0" hangingPunct="1">
-                        <a:lnSpc>
-                          <a:spcPct val="75000"/>
-                        </a:lnSpc>
-                        <a:buFont typeface="Arial" panose="020B0604020202020204" pitchFamily="34" charset="0"/>
-                        <a:buNone/>
-                        <a:tabLst>
-                          <a:tab pos="1976438" algn="r"/>
-                        </a:tabLst>
-                      </a:pPr>
-                      <a:r>
-                        <a:rPr lang="es-AR" sz="1800" kern="1200" dirty="0" smtClean="0">
-                          <a:solidFill>
-                            <a:schemeClr val="bg1"/>
-                          </a:solidFill>
-                          <a:latin typeface="+mn-lt"/>
-                          <a:ea typeface="+mn-ea"/>
-                          <a:cs typeface="+mn-cs"/>
-                        </a:rPr>
-                        <a:t>Objeciones técnicas</a:t>
-                      </a:r>
-                      <a:endParaRPr lang="es-AR" sz="1800" kern="1200" dirty="0">
-                        <a:solidFill>
-                          <a:schemeClr val="bg1"/>
-                        </a:solidFill>
-                        <a:latin typeface="+mn-lt"/>
-                        <a:ea typeface="+mn-ea"/>
-                        <a:cs typeface="+mn-cs"/>
-                      </a:endParaRPr>
-                    </a:p>
-                  </a:txBody>
-                  <a:tcPr vert="vert270" anchor="ctr">
-                    <a:solidFill>
-                      <a:schemeClr val="accent2">
-                        <a:lumMod val="75000"/>
-                      </a:schemeClr>
-                    </a:solidFill>
-                  </a:tcPr>
-                </a:tc>
-                <a:tc rowSpan="2" hMerge="1">
-                  <a:txBody>
-                    <a:bodyPr/>
-                    <a:lstStyle/>
-                    <a:p>
-                      <a:pPr marL="0" marR="0" indent="0" algn="ctr" defTabSz="914400" rtl="0" eaLnBrk="1" fontAlgn="auto" latinLnBrk="0" hangingPunct="1">
-                        <a:lnSpc>
-                          <a:spcPct val="75000"/>
-                        </a:lnSpc>
-                        <a:spcBef>
-                          <a:spcPts val="0"/>
-                        </a:spcBef>
-                        <a:spcAft>
-                          <a:spcPts val="0"/>
-                        </a:spcAft>
-                        <a:buClrTx/>
-                        <a:buSzTx/>
-                        <a:buFont typeface="Arial" panose="020B0604020202020204" pitchFamily="34" charset="0"/>
-                        <a:buNone/>
-                        <a:tabLst/>
-                        <a:defRPr/>
-                      </a:pPr>
-                      <a:endParaRPr lang="es-AR" sz="1200" kern="1200" dirty="0" smtClean="0">
-                        <a:solidFill>
-                          <a:schemeClr val="bg1"/>
-                        </a:solidFill>
-                        <a:latin typeface="+mn-lt"/>
-                        <a:ea typeface="+mn-ea"/>
-                        <a:cs typeface="+mn-cs"/>
-                      </a:endParaRPr>
-                    </a:p>
-                  </a:txBody>
-                  <a:tcPr vert="vert270" anchor="ctr">
-                    <a:solidFill>
-                      <a:schemeClr val="accent2">
-                        <a:lumMod val="75000"/>
-                      </a:schemeClr>
-                    </a:solidFill>
-                  </a:tcPr>
-                </a:tc>
-                <a:tc>
-                  <a:txBody>
-                    <a:bodyPr/>
-                    <a:lstStyle/>
-                    <a:p>
-                      <a:pPr marL="176213" indent="-176213" algn="l" defTabSz="914400" rtl="0" eaLnBrk="1" latinLnBrk="0" hangingPunct="1">
-                        <a:buFont typeface="Arial" panose="020B0604020202020204" pitchFamily="34" charset="0"/>
-                        <a:buChar char="•"/>
-                        <a:tabLst>
-                          <a:tab pos="1976438" algn="r"/>
-                        </a:tabLst>
-                      </a:pPr>
-                      <a:r>
-                        <a:rPr lang="es-AR" sz="1200" kern="1200" dirty="0" smtClean="0">
-                          <a:solidFill>
-                            <a:schemeClr val="bg1"/>
-                          </a:solidFill>
-                          <a:latin typeface="+mn-lt"/>
-                          <a:ea typeface="+mn-ea"/>
-                          <a:cs typeface="+mn-cs"/>
-                        </a:rPr>
-                        <a:t>En base de datos</a:t>
-                      </a:r>
-                    </a:p>
-                    <a:p>
-                      <a:pPr marL="176213" indent="-176213" algn="l" defTabSz="914400" rtl="0" eaLnBrk="1" latinLnBrk="0" hangingPunct="1">
-                        <a:buFont typeface="Arial" panose="020B0604020202020204" pitchFamily="34" charset="0"/>
-                        <a:buChar char="•"/>
-                        <a:tabLst>
-                          <a:tab pos="1700213" algn="ctr"/>
-                          <a:tab pos="1976438" algn="r"/>
-                        </a:tabLst>
-                      </a:pPr>
-                      <a:r>
-                        <a:rPr lang="es-AR" sz="1200" kern="1200" dirty="0" smtClean="0">
-                          <a:solidFill>
-                            <a:schemeClr val="bg1"/>
-                          </a:solidFill>
-                          <a:latin typeface="+mn-lt"/>
-                          <a:ea typeface="+mn-ea"/>
-                          <a:cs typeface="+mn-cs"/>
-                        </a:rPr>
-                        <a:t>Búsqueda rápida	SÍ</a:t>
-                      </a:r>
-                    </a:p>
-                    <a:p>
-                      <a:pPr marL="176213" indent="-176213" algn="l" defTabSz="914400" rtl="0" eaLnBrk="1" latinLnBrk="0" hangingPunct="1">
-                        <a:buFont typeface="Arial" panose="020B0604020202020204" pitchFamily="34" charset="0"/>
-                        <a:buChar char="•"/>
-                        <a:tabLst>
-                          <a:tab pos="1700213" algn="ctr"/>
-                          <a:tab pos="1976438" algn="r"/>
-                        </a:tabLst>
-                      </a:pPr>
-                      <a:r>
-                        <a:rPr lang="es-AR" sz="1200" kern="1200" dirty="0" smtClean="0">
-                          <a:solidFill>
-                            <a:schemeClr val="bg1"/>
-                          </a:solidFill>
-                          <a:latin typeface="+mn-lt"/>
-                          <a:ea typeface="+mn-ea"/>
-                          <a:cs typeface="+mn-cs"/>
-                        </a:rPr>
-                        <a:t>En consultas	SÍ</a:t>
-                      </a:r>
-                    </a:p>
-                    <a:p>
-                      <a:pPr marL="176213" indent="-176213" algn="l" defTabSz="914400" rtl="0" eaLnBrk="1" latinLnBrk="0" hangingPunct="1">
-                        <a:buFont typeface="Arial" panose="020B0604020202020204" pitchFamily="34" charset="0"/>
-                        <a:buChar char="•"/>
-                        <a:tabLst>
-                          <a:tab pos="1700213" algn="ctr"/>
-                          <a:tab pos="1976438" algn="r"/>
-                        </a:tabLst>
-                      </a:pPr>
-                      <a:r>
-                        <a:rPr lang="es-AR" sz="1200" kern="1200" dirty="0" smtClean="0">
-                          <a:solidFill>
-                            <a:schemeClr val="bg1"/>
-                          </a:solidFill>
-                          <a:latin typeface="+mn-lt"/>
-                          <a:ea typeface="+mn-ea"/>
-                          <a:cs typeface="+mn-cs"/>
-                        </a:rPr>
-                        <a:t>En pelis/</a:t>
-                      </a:r>
-                      <a:r>
-                        <a:rPr lang="es-AR" sz="1200" kern="1200" dirty="0" err="1" smtClean="0">
-                          <a:solidFill>
-                            <a:schemeClr val="bg1"/>
-                          </a:solidFill>
-                          <a:latin typeface="+mn-lt"/>
-                          <a:ea typeface="+mn-ea"/>
-                          <a:cs typeface="+mn-cs"/>
-                        </a:rPr>
-                        <a:t>pers</a:t>
-                      </a:r>
-                      <a:r>
-                        <a:rPr lang="es-AR" sz="1200" kern="1200" dirty="0" smtClean="0">
-                          <a:solidFill>
-                            <a:schemeClr val="bg1"/>
-                          </a:solidFill>
-                          <a:latin typeface="+mn-lt"/>
-                          <a:ea typeface="+mn-ea"/>
-                          <a:cs typeface="+mn-cs"/>
-                        </a:rPr>
-                        <a:t> o hecho	SÍ</a:t>
-                      </a:r>
-                      <a:endParaRPr lang="es-AR" sz="1200" kern="1200" dirty="0">
-                        <a:solidFill>
-                          <a:schemeClr val="bg1"/>
-                        </a:solidFill>
-                        <a:latin typeface="+mn-lt"/>
-                        <a:ea typeface="+mn-ea"/>
-                        <a:cs typeface="+mn-cs"/>
-                      </a:endParaRPr>
-                    </a:p>
-                  </a:txBody>
-                  <a:tcPr anchor="ctr">
-                    <a:lnR w="12700" cmpd="sng">
-                      <a:noFill/>
-                    </a:lnR>
-                    <a:solidFill>
-                      <a:schemeClr val="accent5">
-                        <a:lumMod val="75000"/>
-                      </a:schemeClr>
-                    </a:solidFill>
-                  </a:tcPr>
-                </a:tc>
-                <a:tc>
-                  <a:txBody>
-                    <a:bodyPr/>
-                    <a:lstStyle/>
-                    <a:p>
-                      <a:endParaRPr lang="es-AR" dirty="0">
-                        <a:solidFill>
-                          <a:schemeClr val="bg1"/>
-                        </a:solidFill>
-                      </a:endParaRPr>
-                    </a:p>
-                  </a:txBody>
-                  <a:tcPr anchor="ctr">
-                    <a:lnL w="12700" cmpd="sng">
-                      <a:noFill/>
-                    </a:lnL>
-                    <a:lnR w="12700" cmpd="sng">
-                      <a:noFill/>
-                    </a:lnR>
-                    <a:lnT w="12700" cmpd="sng">
-                      <a:noFill/>
-                    </a:lnT>
-                    <a:lnB w="12700" cmpd="sng">
-                      <a:noFill/>
-                    </a:lnB>
-                    <a:lnTlToBr w="12700" cmpd="sng">
-                      <a:noFill/>
-                      <a:prstDash val="solid"/>
-                    </a:lnTlToBr>
-                    <a:lnBlToTr w="12700" cmpd="sng">
-                      <a:noFill/>
-                      <a:prstDash val="solid"/>
-                    </a:lnBlToTr>
-                    <a:noFill/>
-                  </a:tcPr>
-                </a:tc>
-                <a:extLst>
-                  <a:ext uri="{0D108BD9-81ED-4DB2-BD59-A6C34878D82A}">
-                    <a16:rowId xmlns:a16="http://schemas.microsoft.com/office/drawing/2014/main" val="1875015337"/>
-                  </a:ext>
-                </a:extLst>
-              </a:tr>
-              <a:tr h="908230">
-                <a:tc vMerge="1">
-                  <a:txBody>
-                    <a:bodyPr/>
-                    <a:lstStyle/>
-                    <a:p>
-                      <a:pPr algn="ctr"/>
-                      <a:endParaRPr lang="es-AR" dirty="0"/>
-                    </a:p>
-                  </a:txBody>
-                  <a:tcPr anchor="ctr"/>
-                </a:tc>
-                <a:tc>
-                  <a:txBody>
-                    <a:bodyPr/>
-                    <a:lstStyle/>
-                    <a:p>
-                      <a:pPr marL="176213" indent="-176213" algn="l" defTabSz="914400" rtl="0" eaLnBrk="1" latinLnBrk="0" hangingPunct="1">
-                        <a:buFont typeface="Arial" panose="020B0604020202020204" pitchFamily="34" charset="0"/>
-                        <a:buChar char="•"/>
-                        <a:tabLst>
-                          <a:tab pos="1976438" algn="r"/>
-                        </a:tabLst>
-                      </a:pPr>
-                      <a:r>
-                        <a:rPr lang="es-AR" sz="1200" kern="1200" dirty="0" smtClean="0">
-                          <a:solidFill>
-                            <a:schemeClr val="tx1"/>
-                          </a:solidFill>
-                          <a:latin typeface="+mn-lt"/>
-                          <a:ea typeface="+mn-ea"/>
-                          <a:cs typeface="+mn-cs"/>
-                        </a:rPr>
-                        <a:t>En base de datos</a:t>
-                      </a:r>
-                    </a:p>
-                    <a:p>
-                      <a:pPr marL="176213" indent="-176213" algn="l" defTabSz="914400" rtl="0" eaLnBrk="1" latinLnBrk="0" hangingPunct="1">
-                        <a:buFont typeface="Arial" panose="020B0604020202020204" pitchFamily="34" charset="0"/>
-                        <a:buChar char="•"/>
-                        <a:tabLst>
-                          <a:tab pos="1700213" algn="ctr"/>
-                          <a:tab pos="1976438" algn="r"/>
-                        </a:tabLst>
-                      </a:pPr>
-                      <a:r>
-                        <a:rPr lang="es-AR" sz="1200" kern="1200" dirty="0" smtClean="0">
-                          <a:solidFill>
-                            <a:schemeClr val="tx1"/>
-                          </a:solidFill>
-                          <a:latin typeface="+mn-lt"/>
-                          <a:ea typeface="+mn-ea"/>
-                          <a:cs typeface="+mn-cs"/>
-                        </a:rPr>
-                        <a:t>Búsqueda rápida	SÍ</a:t>
-                      </a:r>
-                    </a:p>
-                    <a:p>
-                      <a:pPr marL="176213" indent="-176213" algn="l" defTabSz="914400" rtl="0" eaLnBrk="1" latinLnBrk="0" hangingPunct="1">
-                        <a:buFont typeface="Arial" panose="020B0604020202020204" pitchFamily="34" charset="0"/>
-                        <a:buChar char="•"/>
-                        <a:tabLst>
-                          <a:tab pos="1700213" algn="ctr"/>
-                          <a:tab pos="1976438" algn="r"/>
-                        </a:tabLst>
-                      </a:pPr>
-                      <a:r>
-                        <a:rPr lang="es-AR" sz="1200" kern="1200" dirty="0" smtClean="0">
-                          <a:solidFill>
-                            <a:schemeClr val="tx1"/>
-                          </a:solidFill>
-                          <a:latin typeface="+mn-lt"/>
-                          <a:ea typeface="+mn-ea"/>
-                          <a:cs typeface="+mn-cs"/>
-                        </a:rPr>
-                        <a:t>En consultas	NO</a:t>
-                      </a:r>
-                    </a:p>
-                    <a:p>
-                      <a:pPr marL="176213" indent="-176213" algn="l" defTabSz="914400" rtl="0" eaLnBrk="1" latinLnBrk="0" hangingPunct="1">
-                        <a:buFont typeface="Arial" panose="020B0604020202020204" pitchFamily="34" charset="0"/>
-                        <a:buChar char="•"/>
-                        <a:tabLst>
-                          <a:tab pos="1700213" algn="ctr"/>
-                          <a:tab pos="1976438" algn="r"/>
-                        </a:tabLst>
-                      </a:pPr>
-                      <a:r>
-                        <a:rPr lang="es-AR" sz="1200" kern="1200" dirty="0" smtClean="0">
-                          <a:solidFill>
-                            <a:schemeClr val="tx1"/>
-                          </a:solidFill>
-                          <a:latin typeface="+mn-lt"/>
-                          <a:ea typeface="+mn-ea"/>
-                          <a:cs typeface="+mn-cs"/>
-                        </a:rPr>
-                        <a:t>En pelis/</a:t>
-                      </a:r>
-                      <a:r>
-                        <a:rPr lang="es-AR" sz="1200" kern="1200" dirty="0" err="1" smtClean="0">
-                          <a:solidFill>
-                            <a:schemeClr val="tx1"/>
-                          </a:solidFill>
-                          <a:latin typeface="+mn-lt"/>
-                          <a:ea typeface="+mn-ea"/>
-                          <a:cs typeface="+mn-cs"/>
-                        </a:rPr>
-                        <a:t>pers</a:t>
-                      </a:r>
-                      <a:r>
-                        <a:rPr lang="es-AR" sz="1200" kern="1200" dirty="0" smtClean="0">
-                          <a:solidFill>
-                            <a:schemeClr val="tx1"/>
-                          </a:solidFill>
-                          <a:latin typeface="+mn-lt"/>
-                          <a:ea typeface="+mn-ea"/>
-                          <a:cs typeface="+mn-cs"/>
-                        </a:rPr>
-                        <a:t> o hecho	NO</a:t>
-                      </a:r>
-                      <a:endParaRPr lang="es-AR" sz="1200" kern="1200" dirty="0">
-                        <a:solidFill>
-                          <a:schemeClr val="tx1"/>
-                        </a:solidFill>
-                        <a:latin typeface="+mn-lt"/>
-                        <a:ea typeface="+mn-ea"/>
-                        <a:cs typeface="+mn-cs"/>
-                      </a:endParaRPr>
-                    </a:p>
-                  </a:txBody>
-                  <a:tcPr anchor="ctr">
-                    <a:solidFill>
-                      <a:schemeClr val="accent6">
-                        <a:lumMod val="60000"/>
-                        <a:lumOff val="40000"/>
-                      </a:schemeClr>
-                    </a:solidFill>
-                  </a:tcPr>
-                </a:tc>
-                <a:tc gridSpan="2" vMerge="1">
-                  <a:txBody>
-                    <a:bodyPr/>
-                    <a:lstStyle/>
-                    <a:p>
-                      <a:pPr marL="0" marR="0" indent="0" algn="ctr" defTabSz="914400" rtl="0" eaLnBrk="1" fontAlgn="auto" latinLnBrk="0" hangingPunct="1">
-                        <a:lnSpc>
-                          <a:spcPct val="75000"/>
-                        </a:lnSpc>
-                        <a:spcBef>
-                          <a:spcPts val="0"/>
-                        </a:spcBef>
-                        <a:spcAft>
-                          <a:spcPts val="0"/>
-                        </a:spcAft>
-                        <a:buClrTx/>
-                        <a:buSzTx/>
-                        <a:buFont typeface="Arial" panose="020B0604020202020204" pitchFamily="34" charset="0"/>
-                        <a:buNone/>
-                        <a:tabLst>
-                          <a:tab pos="1976438" algn="r"/>
-                        </a:tabLst>
-                        <a:defRPr/>
-                      </a:pPr>
-                      <a:endParaRPr lang="es-AR" sz="1200" kern="1200" dirty="0" smtClean="0">
-                        <a:solidFill>
-                          <a:schemeClr val="bg1"/>
-                        </a:solidFill>
-                        <a:latin typeface="+mn-lt"/>
-                        <a:ea typeface="+mn-ea"/>
-                        <a:cs typeface="+mn-cs"/>
-                      </a:endParaRPr>
-                    </a:p>
-                  </a:txBody>
-                  <a:tcPr vert="vert270" anchor="ctr">
-                    <a:solidFill>
-                      <a:schemeClr val="accent2">
-                        <a:lumMod val="75000"/>
-                      </a:schemeClr>
-                    </a:solidFill>
-                  </a:tcPr>
-                </a:tc>
-                <a:tc hMerge="1" vMerge="1">
-                  <a:txBody>
-                    <a:bodyPr/>
-                    <a:lstStyle/>
-                    <a:p>
-                      <a:pPr marL="0" indent="0" algn="ctr">
-                        <a:lnSpc>
-                          <a:spcPct val="75000"/>
-                        </a:lnSpc>
-                        <a:buFont typeface="Arial" panose="020B0604020202020204" pitchFamily="34" charset="0"/>
-                        <a:buNone/>
-                      </a:pPr>
-                      <a:endParaRPr lang="es-AR" sz="1200" dirty="0"/>
-                    </a:p>
-                  </a:txBody>
-                  <a:tcPr vert="vert270" anchor="ctr">
-                    <a:solidFill>
-                      <a:schemeClr val="accent2">
-                        <a:lumMod val="75000"/>
-                      </a:schemeClr>
-                    </a:solidFill>
-                  </a:tcPr>
-                </a:tc>
-                <a:tc>
-                  <a:txBody>
-                    <a:bodyPr/>
-                    <a:lstStyle/>
-                    <a:p>
-                      <a:pPr marL="176213" indent="-176213" algn="l" defTabSz="914400" rtl="0" eaLnBrk="1" latinLnBrk="0" hangingPunct="1">
-                        <a:buFont typeface="Arial" panose="020B0604020202020204" pitchFamily="34" charset="0"/>
-                        <a:buChar char="•"/>
-                        <a:tabLst>
-                          <a:tab pos="1976438" algn="r"/>
-                        </a:tabLst>
-                      </a:pPr>
-                      <a:r>
-                        <a:rPr lang="es-AR" sz="1200" kern="1200" dirty="0" smtClean="0">
-                          <a:solidFill>
-                            <a:schemeClr val="tx1"/>
-                          </a:solidFill>
-                          <a:latin typeface="+mn-lt"/>
-                          <a:ea typeface="+mn-ea"/>
-                          <a:cs typeface="+mn-cs"/>
-                        </a:rPr>
-                        <a:t>En base de datos</a:t>
-                      </a:r>
-                    </a:p>
-                    <a:p>
-                      <a:pPr marL="176213" indent="-176213" algn="l" defTabSz="914400" rtl="0" eaLnBrk="1" latinLnBrk="0" hangingPunct="1">
-                        <a:buFont typeface="Arial" panose="020B0604020202020204" pitchFamily="34" charset="0"/>
-                        <a:buChar char="•"/>
-                        <a:tabLst>
-                          <a:tab pos="1700213" algn="ctr"/>
-                          <a:tab pos="1976438" algn="r"/>
-                        </a:tabLst>
-                      </a:pPr>
-                      <a:r>
-                        <a:rPr lang="es-AR" sz="1200" kern="1200" dirty="0" smtClean="0">
-                          <a:solidFill>
-                            <a:schemeClr val="tx1"/>
-                          </a:solidFill>
-                          <a:latin typeface="+mn-lt"/>
-                          <a:ea typeface="+mn-ea"/>
-                          <a:cs typeface="+mn-cs"/>
-                        </a:rPr>
-                        <a:t>Búsqueda rápida	SÍ</a:t>
-                      </a:r>
-                    </a:p>
-                    <a:p>
-                      <a:pPr marL="176213" indent="-176213" algn="l" defTabSz="914400" rtl="0" eaLnBrk="1" latinLnBrk="0" hangingPunct="1">
-                        <a:buFont typeface="Arial" panose="020B0604020202020204" pitchFamily="34" charset="0"/>
-                        <a:buChar char="•"/>
-                        <a:tabLst>
-                          <a:tab pos="1700213" algn="ctr"/>
-                          <a:tab pos="1976438" algn="r"/>
-                        </a:tabLst>
-                      </a:pPr>
-                      <a:r>
-                        <a:rPr lang="es-AR" sz="1200" kern="1200" dirty="0" smtClean="0">
-                          <a:solidFill>
-                            <a:schemeClr val="tx1"/>
-                          </a:solidFill>
-                          <a:latin typeface="+mn-lt"/>
-                          <a:ea typeface="+mn-ea"/>
-                          <a:cs typeface="+mn-cs"/>
-                        </a:rPr>
-                        <a:t>En consultas	NO</a:t>
-                      </a:r>
-                    </a:p>
-                    <a:p>
-                      <a:pPr marL="176213" indent="-176213" algn="l" defTabSz="914400" rtl="0" eaLnBrk="1" latinLnBrk="0" hangingPunct="1">
-                        <a:buFont typeface="Arial" panose="020B0604020202020204" pitchFamily="34" charset="0"/>
-                        <a:buChar char="•"/>
-                        <a:tabLst>
-                          <a:tab pos="1700213" algn="ctr"/>
-                          <a:tab pos="1976438" algn="r"/>
-                        </a:tabLst>
-                      </a:pPr>
-                      <a:r>
-                        <a:rPr lang="es-AR" sz="1200" kern="1200" dirty="0" smtClean="0">
-                          <a:solidFill>
-                            <a:schemeClr val="tx1"/>
-                          </a:solidFill>
-                          <a:latin typeface="+mn-lt"/>
-                          <a:ea typeface="+mn-ea"/>
-                          <a:cs typeface="+mn-cs"/>
-                        </a:rPr>
-                        <a:t>En pelis/</a:t>
-                      </a:r>
-                      <a:r>
-                        <a:rPr lang="es-AR" sz="1200" kern="1200" dirty="0" err="1" smtClean="0">
-                          <a:solidFill>
-                            <a:schemeClr val="tx1"/>
-                          </a:solidFill>
-                          <a:latin typeface="+mn-lt"/>
-                          <a:ea typeface="+mn-ea"/>
-                          <a:cs typeface="+mn-cs"/>
-                        </a:rPr>
-                        <a:t>pers</a:t>
-                      </a:r>
-                      <a:r>
-                        <a:rPr lang="es-AR" sz="1200" kern="1200" dirty="0" smtClean="0">
-                          <a:solidFill>
-                            <a:schemeClr val="tx1"/>
-                          </a:solidFill>
-                          <a:latin typeface="+mn-lt"/>
-                          <a:ea typeface="+mn-ea"/>
-                          <a:cs typeface="+mn-cs"/>
-                        </a:rPr>
-                        <a:t> o hecho	NO</a:t>
-                      </a:r>
-                      <a:endParaRPr lang="es-AR" sz="1200" kern="1200" dirty="0">
-                        <a:solidFill>
-                          <a:schemeClr val="tx1"/>
-                        </a:solidFill>
-                        <a:latin typeface="+mn-lt"/>
-                        <a:ea typeface="+mn-ea"/>
-                        <a:cs typeface="+mn-cs"/>
-                      </a:endParaRPr>
-                    </a:p>
-                  </a:txBody>
-                  <a:tcPr anchor="ctr">
-                    <a:solidFill>
-                      <a:schemeClr val="accent5">
-                        <a:lumMod val="40000"/>
-                        <a:lumOff val="60000"/>
-                      </a:schemeClr>
-                    </a:solidFill>
-                  </a:tcPr>
-                </a:tc>
-                <a:tc>
-                  <a:txBody>
-                    <a:bodyPr/>
-                    <a:lstStyle/>
-                    <a:p>
-                      <a:pPr marL="171450" marR="0" indent="-171450" algn="l" defTabSz="914400" rtl="0" eaLnBrk="1" fontAlgn="auto" latinLnBrk="0" hangingPunct="1">
-                        <a:lnSpc>
-                          <a:spcPct val="100000"/>
-                        </a:lnSpc>
-                        <a:spcBef>
-                          <a:spcPts val="0"/>
-                        </a:spcBef>
-                        <a:spcAft>
-                          <a:spcPts val="0"/>
-                        </a:spcAft>
-                        <a:buClrTx/>
-                        <a:buSzTx/>
-                        <a:buFont typeface="Arial" panose="020B0604020202020204" pitchFamily="34" charset="0"/>
-                        <a:buChar char="•"/>
-                        <a:tabLst/>
-                        <a:defRPr/>
-                      </a:pPr>
-                      <a:r>
-                        <a:rPr lang="es-AR" sz="1200" kern="1200" dirty="0" smtClean="0">
-                          <a:solidFill>
-                            <a:schemeClr val="bg1"/>
-                          </a:solidFill>
-                          <a:latin typeface="+mn-lt"/>
-                          <a:ea typeface="+mn-ea"/>
-                          <a:cs typeface="+mn-cs"/>
-                        </a:rPr>
-                        <a:t>Distorsiona la memoria del personaje</a:t>
-                      </a:r>
-                    </a:p>
-                    <a:p>
-                      <a:pPr marL="171450" marR="0" indent="-171450" algn="l" defTabSz="914400" rtl="0" eaLnBrk="1" fontAlgn="auto" latinLnBrk="0" hangingPunct="1">
-                        <a:lnSpc>
-                          <a:spcPct val="100000"/>
-                        </a:lnSpc>
-                        <a:spcBef>
-                          <a:spcPts val="0"/>
-                        </a:spcBef>
-                        <a:spcAft>
-                          <a:spcPts val="0"/>
-                        </a:spcAft>
-                        <a:buClrTx/>
-                        <a:buSzTx/>
-                        <a:buFont typeface="Arial" panose="020B0604020202020204" pitchFamily="34" charset="0"/>
-                        <a:buChar char="•"/>
-                        <a:tabLst/>
-                        <a:defRPr/>
-                      </a:pPr>
-                      <a:r>
-                        <a:rPr lang="es-AR" sz="1200" kern="1200" dirty="0" smtClean="0">
-                          <a:solidFill>
-                            <a:schemeClr val="bg1"/>
-                          </a:solidFill>
-                          <a:latin typeface="+mn-lt"/>
-                          <a:ea typeface="+mn-ea"/>
-                          <a:cs typeface="+mn-cs"/>
-                        </a:rPr>
-                        <a:t>Distorsiona la memoria de lo ocurrido</a:t>
-                      </a:r>
-                    </a:p>
-                    <a:p>
-                      <a:pPr marL="171450" marR="0" indent="-171450" algn="l" defTabSz="914400" rtl="0" eaLnBrk="1" fontAlgn="auto" latinLnBrk="0" hangingPunct="1">
-                        <a:lnSpc>
-                          <a:spcPct val="100000"/>
-                        </a:lnSpc>
-                        <a:spcBef>
-                          <a:spcPts val="0"/>
-                        </a:spcBef>
-                        <a:spcAft>
-                          <a:spcPts val="0"/>
-                        </a:spcAft>
-                        <a:buClrTx/>
-                        <a:buSzTx/>
-                        <a:buFont typeface="Arial" panose="020B0604020202020204" pitchFamily="34" charset="0"/>
-                        <a:buChar char="•"/>
-                        <a:tabLst/>
-                        <a:defRPr/>
-                      </a:pPr>
-                      <a:r>
-                        <a:rPr lang="es-AR" sz="1200" kern="1200" dirty="0" smtClean="0">
-                          <a:solidFill>
-                            <a:schemeClr val="bg1"/>
-                          </a:solidFill>
-                          <a:latin typeface="+mn-lt"/>
-                          <a:ea typeface="+mn-ea"/>
-                          <a:cs typeface="+mn-cs"/>
-                        </a:rPr>
-                        <a:t>Sin link y no la conocemos</a:t>
-                      </a:r>
-                    </a:p>
-                    <a:p>
-                      <a:pPr marL="171450" marR="0" indent="-171450" algn="l" defTabSz="914400" rtl="0" eaLnBrk="1" fontAlgn="auto" latinLnBrk="0" hangingPunct="1">
-                        <a:lnSpc>
-                          <a:spcPct val="100000"/>
-                        </a:lnSpc>
-                        <a:spcBef>
-                          <a:spcPts val="0"/>
-                        </a:spcBef>
-                        <a:spcAft>
-                          <a:spcPts val="0"/>
-                        </a:spcAft>
-                        <a:buClrTx/>
-                        <a:buSzTx/>
-                        <a:buFont typeface="Arial" panose="020B0604020202020204" pitchFamily="34" charset="0"/>
-                        <a:buChar char="•"/>
-                        <a:tabLst/>
-                        <a:defRPr/>
-                      </a:pPr>
-                      <a:r>
-                        <a:rPr lang="es-AR" sz="1200" kern="1200" dirty="0" smtClean="0">
-                          <a:solidFill>
-                            <a:schemeClr val="bg1"/>
-                          </a:solidFill>
-                          <a:latin typeface="+mn-lt"/>
-                          <a:ea typeface="+mn-ea"/>
-                          <a:cs typeface="+mn-cs"/>
-                        </a:rPr>
-                        <a:t>Sensualidad vulgar</a:t>
-                      </a:r>
-                    </a:p>
-                  </a:txBody>
-                  <a:tcPr anchor="ctr">
-                    <a:lnT w="12700" cmpd="sng">
-                      <a:noFill/>
-                    </a:lnT>
-                    <a:solidFill>
-                      <a:schemeClr val="bg1">
-                        <a:lumMod val="50000"/>
-                      </a:schemeClr>
-                    </a:solidFill>
-                  </a:tcPr>
-                </a:tc>
-                <a:extLst>
-                  <a:ext uri="{0D108BD9-81ED-4DB2-BD59-A6C34878D82A}">
-                    <a16:rowId xmlns:a16="http://schemas.microsoft.com/office/drawing/2014/main" val="3879676700"/>
-                  </a:ext>
-                </a:extLst>
-              </a:tr>
-              <a:tr h="908230">
-                <a:tc>
-                  <a:txBody>
-                    <a:bodyPr/>
-                    <a:lstStyle/>
-                    <a:p>
-                      <a:pPr marL="0" marR="0" indent="0" algn="ctr" defTabSz="914400" rtl="0" eaLnBrk="1" fontAlgn="auto" latinLnBrk="0" hangingPunct="1">
-                        <a:lnSpc>
-                          <a:spcPct val="100000"/>
-                        </a:lnSpc>
-                        <a:spcBef>
-                          <a:spcPts val="0"/>
-                        </a:spcBef>
-                        <a:spcAft>
-                          <a:spcPts val="0"/>
-                        </a:spcAft>
-                        <a:buClrTx/>
-                        <a:buSzTx/>
-                        <a:buFontTx/>
-                        <a:buNone/>
-                        <a:tabLst/>
-                        <a:defRPr/>
-                      </a:pPr>
-                      <a:r>
-                        <a:rPr lang="es-AR" dirty="0" smtClean="0"/>
-                        <a:t>Las demás</a:t>
-                      </a:r>
-                      <a:endParaRPr lang="es-AR" dirty="0"/>
-                    </a:p>
-                  </a:txBody>
-                  <a:tcPr anchor="ctr">
-                    <a:solidFill>
-                      <a:schemeClr val="bg1">
-                        <a:lumMod val="85000"/>
-                      </a:schemeClr>
-                    </a:solidFill>
-                  </a:tcPr>
-                </a:tc>
-                <a:tc gridSpan="4">
-                  <a:txBody>
-                    <a:bodyPr/>
-                    <a:lstStyle/>
-                    <a:p>
-                      <a:pPr marL="1081088" marR="0" lvl="0" indent="-176213" algn="l" defTabSz="914400" rtl="0" eaLnBrk="1" fontAlgn="auto" latinLnBrk="0" hangingPunct="1">
-                        <a:lnSpc>
-                          <a:spcPct val="100000"/>
-                        </a:lnSpc>
-                        <a:spcBef>
-                          <a:spcPts val="0"/>
-                        </a:spcBef>
-                        <a:spcAft>
-                          <a:spcPts val="0"/>
-                        </a:spcAft>
-                        <a:buClrTx/>
-                        <a:buSzTx/>
-                        <a:buFont typeface="Arial" panose="020B0604020202020204" pitchFamily="34" charset="0"/>
-                        <a:buChar char="•"/>
-                        <a:tabLst>
-                          <a:tab pos="2687638" algn="ctr"/>
-                        </a:tabLst>
-                        <a:defRPr/>
-                      </a:pPr>
-                      <a:r>
-                        <a:rPr kumimoji="0" lang="es-AR" sz="1200" b="0" i="0" u="none" strike="noStrike" kern="1200" cap="none" spc="0" normalizeH="0" baseline="0" noProof="0" dirty="0" smtClean="0">
-                          <a:ln>
-                            <a:noFill/>
-                          </a:ln>
-                          <a:solidFill>
-                            <a:schemeClr val="bg1"/>
-                          </a:solidFill>
-                          <a:effectLst/>
-                          <a:uLnTx/>
-                          <a:uFillTx/>
-                          <a:latin typeface="Calibri" panose="020F0502020204030204"/>
-                          <a:ea typeface="+mn-ea"/>
-                          <a:cs typeface="+mn-cs"/>
-                        </a:rPr>
-                        <a:t>En base </a:t>
-                      </a:r>
-                      <a:r>
-                        <a:rPr kumimoji="0" lang="es-AR" sz="1200" b="0" i="0" u="none" strike="noStrike" kern="1200" cap="none" spc="0" normalizeH="0" baseline="0" noProof="0" dirty="0" smtClean="0">
-                          <a:ln>
-                            <a:noFill/>
-                          </a:ln>
-                          <a:solidFill>
-                            <a:schemeClr val="bg1"/>
-                          </a:solidFill>
-                          <a:effectLst/>
-                          <a:uLnTx/>
-                          <a:uFillTx/>
-                          <a:latin typeface="+mn-lt"/>
-                          <a:ea typeface="+mn-ea"/>
-                          <a:cs typeface="+mn-cs"/>
-                        </a:rPr>
-                        <a:t>de datos sólo si se confunden con otro grupo</a:t>
-                      </a:r>
-                      <a:endParaRPr kumimoji="0" lang="es-AR" sz="1200" b="0" i="0" u="none" strike="noStrike" kern="1200" cap="none" spc="0" normalizeH="0" baseline="0" noProof="0" dirty="0" smtClean="0">
-                        <a:ln>
-                          <a:noFill/>
-                        </a:ln>
-                        <a:solidFill>
-                          <a:schemeClr val="bg1"/>
-                        </a:solidFill>
-                        <a:effectLst/>
-                        <a:uLnTx/>
-                        <a:uFillTx/>
-                        <a:latin typeface="Calibri" panose="020F0502020204030204"/>
-                        <a:ea typeface="+mn-ea"/>
-                        <a:cs typeface="+mn-cs"/>
-                      </a:endParaRPr>
-                    </a:p>
-                    <a:p>
-                      <a:pPr marL="1081088" marR="0" lvl="0" indent="-176213" algn="l" defTabSz="914400" rtl="0" eaLnBrk="1" fontAlgn="auto" latinLnBrk="0" hangingPunct="1">
-                        <a:lnSpc>
-                          <a:spcPct val="100000"/>
-                        </a:lnSpc>
-                        <a:spcBef>
-                          <a:spcPts val="0"/>
-                        </a:spcBef>
-                        <a:spcAft>
-                          <a:spcPts val="0"/>
-                        </a:spcAft>
-                        <a:buClrTx/>
-                        <a:buSzTx/>
-                        <a:buFont typeface="Arial" panose="020B0604020202020204" pitchFamily="34" charset="0"/>
-                        <a:buChar char="•"/>
-                        <a:tabLst>
-                          <a:tab pos="2687638" algn="ctr"/>
-                        </a:tabLst>
-                        <a:defRPr/>
-                      </a:pPr>
-                      <a:r>
-                        <a:rPr kumimoji="0" lang="es-AR" sz="1200" b="0" i="0" u="none" strike="noStrike" kern="1200" cap="none" spc="0" normalizeH="0" baseline="0" noProof="0" dirty="0" smtClean="0">
-                          <a:ln>
-                            <a:noFill/>
-                          </a:ln>
-                          <a:solidFill>
-                            <a:schemeClr val="bg1"/>
-                          </a:solidFill>
-                          <a:effectLst/>
-                          <a:uLnTx/>
-                          <a:uFillTx/>
-                          <a:latin typeface="Calibri" panose="020F0502020204030204"/>
-                          <a:ea typeface="+mn-ea"/>
-                          <a:cs typeface="+mn-cs"/>
-                        </a:rPr>
-                        <a:t>Búsqueda rápida	NO</a:t>
-                      </a:r>
-                    </a:p>
-                    <a:p>
-                      <a:pPr marL="1081088" marR="0" lvl="0" indent="-176213" algn="l" defTabSz="914400" rtl="0" eaLnBrk="1" fontAlgn="auto" latinLnBrk="0" hangingPunct="1">
-                        <a:lnSpc>
-                          <a:spcPct val="100000"/>
-                        </a:lnSpc>
-                        <a:spcBef>
-                          <a:spcPts val="0"/>
-                        </a:spcBef>
-                        <a:spcAft>
-                          <a:spcPts val="0"/>
-                        </a:spcAft>
-                        <a:buClrTx/>
-                        <a:buSzTx/>
-                        <a:buFont typeface="Arial" panose="020B0604020202020204" pitchFamily="34" charset="0"/>
-                        <a:buChar char="•"/>
-                        <a:tabLst>
-                          <a:tab pos="2687638" algn="ctr"/>
-                        </a:tabLst>
-                        <a:defRPr/>
-                      </a:pPr>
-                      <a:r>
-                        <a:rPr kumimoji="0" lang="es-AR" sz="1200" b="0" i="0" u="none" strike="noStrike" kern="1200" cap="none" spc="0" normalizeH="0" baseline="0" noProof="0" dirty="0" smtClean="0">
-                          <a:ln>
-                            <a:noFill/>
-                          </a:ln>
-                          <a:solidFill>
-                            <a:schemeClr val="bg1"/>
-                          </a:solidFill>
-                          <a:effectLst/>
-                          <a:uLnTx/>
-                          <a:uFillTx/>
-                          <a:latin typeface="Calibri" panose="020F0502020204030204"/>
-                          <a:ea typeface="+mn-ea"/>
-                          <a:cs typeface="+mn-cs"/>
-                        </a:rPr>
-                        <a:t>En consultas	NO</a:t>
-                      </a:r>
-                    </a:p>
-                    <a:p>
-                      <a:pPr marL="1081088" marR="0" lvl="0" indent="-176213" algn="l" defTabSz="914400" rtl="0" eaLnBrk="1" fontAlgn="auto" latinLnBrk="0" hangingPunct="1">
-                        <a:lnSpc>
-                          <a:spcPct val="100000"/>
-                        </a:lnSpc>
-                        <a:spcBef>
-                          <a:spcPts val="0"/>
-                        </a:spcBef>
-                        <a:spcAft>
-                          <a:spcPts val="0"/>
-                        </a:spcAft>
-                        <a:buClrTx/>
-                        <a:buSzTx/>
-                        <a:buFont typeface="Arial" panose="020B0604020202020204" pitchFamily="34" charset="0"/>
-                        <a:buChar char="•"/>
-                        <a:tabLst>
-                          <a:tab pos="2687638" algn="ctr"/>
-                        </a:tabLst>
-                        <a:defRPr/>
-                      </a:pPr>
-                      <a:r>
-                        <a:rPr kumimoji="0" lang="es-AR" sz="1200" b="0" i="0" u="none" strike="noStrike" kern="1200" cap="none" spc="0" normalizeH="0" baseline="0" noProof="0" dirty="0" smtClean="0">
-                          <a:ln>
-                            <a:noFill/>
-                          </a:ln>
-                          <a:solidFill>
-                            <a:schemeClr val="bg1"/>
-                          </a:solidFill>
-                          <a:effectLst/>
-                          <a:uLnTx/>
-                          <a:uFillTx/>
-                          <a:latin typeface="Calibri" panose="020F0502020204030204"/>
-                          <a:ea typeface="+mn-ea"/>
-                          <a:cs typeface="+mn-cs"/>
-                        </a:rPr>
-                        <a:t>En pelis/</a:t>
-                      </a:r>
-                      <a:r>
-                        <a:rPr kumimoji="0" lang="es-AR" sz="1200" b="0" i="0" u="none" strike="noStrike" kern="1200" cap="none" spc="0" normalizeH="0" baseline="0" noProof="0" dirty="0" err="1" smtClean="0">
-                          <a:ln>
-                            <a:noFill/>
-                          </a:ln>
-                          <a:solidFill>
-                            <a:schemeClr val="bg1"/>
-                          </a:solidFill>
-                          <a:effectLst/>
-                          <a:uLnTx/>
-                          <a:uFillTx/>
-                          <a:latin typeface="Calibri" panose="020F0502020204030204"/>
-                          <a:ea typeface="+mn-ea"/>
-                          <a:cs typeface="+mn-cs"/>
-                        </a:rPr>
-                        <a:t>pers</a:t>
-                      </a:r>
-                      <a:r>
-                        <a:rPr kumimoji="0" lang="es-AR" sz="1200" b="0" i="0" u="none" strike="noStrike" kern="1200" cap="none" spc="0" normalizeH="0" baseline="0" noProof="0" dirty="0" smtClean="0">
-                          <a:ln>
-                            <a:noFill/>
-                          </a:ln>
-                          <a:solidFill>
-                            <a:schemeClr val="bg1"/>
-                          </a:solidFill>
-                          <a:effectLst/>
-                          <a:uLnTx/>
-                          <a:uFillTx/>
-                          <a:latin typeface="Calibri" panose="020F0502020204030204"/>
-                          <a:ea typeface="+mn-ea"/>
-                          <a:cs typeface="+mn-cs"/>
-                        </a:rPr>
-                        <a:t> o hecho	NO</a:t>
-                      </a:r>
-                      <a:endParaRPr kumimoji="0" lang="es-AR" sz="1200" b="0" i="0" u="none" strike="noStrike" kern="1200" cap="none" spc="0" normalizeH="0" baseline="0" noProof="0" dirty="0">
-                        <a:ln>
-                          <a:noFill/>
-                        </a:ln>
-                        <a:solidFill>
-                          <a:schemeClr val="bg1"/>
-                        </a:solidFill>
-                        <a:effectLst/>
-                        <a:uLnTx/>
-                        <a:uFillTx/>
-                        <a:latin typeface="Calibri" panose="020F0502020204030204"/>
-                        <a:ea typeface="+mn-ea"/>
-                        <a:cs typeface="+mn-cs"/>
-                      </a:endParaRPr>
-                    </a:p>
-                  </a:txBody>
-                  <a:tcPr anchor="ctr">
-                    <a:solidFill>
-                      <a:schemeClr val="accent2">
-                        <a:lumMod val="75000"/>
-                      </a:schemeClr>
-                    </a:solidFill>
-                  </a:tcPr>
-                </a:tc>
-                <a:tc hMerge="1">
-                  <a:txBody>
-                    <a:bodyPr/>
-                    <a:lstStyle/>
-                    <a:p>
-                      <a:pPr marL="176213" marR="0" lvl="0" indent="-176213" algn="l" defTabSz="914400" rtl="0" eaLnBrk="1" fontAlgn="auto" latinLnBrk="0" hangingPunct="1">
-                        <a:lnSpc>
-                          <a:spcPct val="100000"/>
-                        </a:lnSpc>
-                        <a:spcBef>
-                          <a:spcPts val="0"/>
-                        </a:spcBef>
-                        <a:spcAft>
-                          <a:spcPts val="0"/>
-                        </a:spcAft>
-                        <a:buClrTx/>
-                        <a:buSzTx/>
-                        <a:buFont typeface="Arial" panose="020B0604020202020204" pitchFamily="34" charset="0"/>
-                        <a:buChar char="•"/>
-                        <a:tabLst>
-                          <a:tab pos="1976438" algn="r"/>
-                        </a:tabLst>
-                        <a:defRPr/>
-                      </a:pPr>
-                      <a:endParaRPr kumimoji="0" lang="es-AR" sz="1200" b="0" i="0" u="none" strike="noStrike" kern="1200" cap="none" spc="0" normalizeH="0" baseline="0" noProof="0" dirty="0">
-                        <a:ln>
-                          <a:noFill/>
-                        </a:ln>
-                        <a:solidFill>
-                          <a:prstClr val="black"/>
-                        </a:solidFill>
-                        <a:effectLst/>
-                        <a:uLnTx/>
-                        <a:uFillTx/>
-                        <a:latin typeface="Calibri" panose="020F0502020204030204"/>
-                        <a:ea typeface="+mn-ea"/>
-                        <a:cs typeface="+mn-cs"/>
-                      </a:endParaRPr>
-                    </a:p>
-                  </a:txBody>
-                  <a:tcPr anchor="ctr">
-                    <a:solidFill>
-                      <a:schemeClr val="accent2">
-                        <a:lumMod val="40000"/>
-                        <a:lumOff val="60000"/>
-                      </a:schemeClr>
-                    </a:solidFill>
-                  </a:tcPr>
-                </a:tc>
-                <a:tc hMerge="1">
-                  <a:txBody>
-                    <a:bodyPr/>
-                    <a:lstStyle/>
-                    <a:p>
-                      <a:pPr marL="176213" marR="0" lvl="0" indent="-176213" algn="l" defTabSz="914400" rtl="0" eaLnBrk="1" fontAlgn="auto" latinLnBrk="0" hangingPunct="1">
-                        <a:lnSpc>
-                          <a:spcPct val="100000"/>
-                        </a:lnSpc>
-                        <a:spcBef>
-                          <a:spcPts val="0"/>
-                        </a:spcBef>
-                        <a:spcAft>
-                          <a:spcPts val="0"/>
-                        </a:spcAft>
-                        <a:buClrTx/>
-                        <a:buSzTx/>
-                        <a:buFont typeface="Arial" panose="020B0604020202020204" pitchFamily="34" charset="0"/>
-                        <a:buChar char="•"/>
-                        <a:tabLst>
-                          <a:tab pos="1976438" algn="r"/>
-                        </a:tabLst>
-                        <a:defRPr/>
-                      </a:pPr>
-                      <a:endParaRPr kumimoji="0" lang="es-AR" sz="1200" b="0" i="0" u="none" strike="noStrike" kern="1200" cap="none" spc="0" normalizeH="0" baseline="0" noProof="0" dirty="0">
-                        <a:ln>
-                          <a:noFill/>
-                        </a:ln>
-                        <a:solidFill>
-                          <a:schemeClr val="bg1"/>
-                        </a:solidFill>
-                        <a:effectLst/>
-                        <a:uLnTx/>
-                        <a:uFillTx/>
-                        <a:latin typeface="Calibri" panose="020F0502020204030204"/>
-                        <a:ea typeface="+mn-ea"/>
-                        <a:cs typeface="+mn-cs"/>
-                      </a:endParaRPr>
-                    </a:p>
-                  </a:txBody>
-                  <a:tcPr anchor="ctr">
-                    <a:solidFill>
-                      <a:schemeClr val="accent2">
-                        <a:lumMod val="75000"/>
-                      </a:schemeClr>
-                    </a:solidFill>
-                  </a:tcPr>
-                </a:tc>
-                <a:tc hMerge="1">
-                  <a:txBody>
-                    <a:bodyPr/>
-                    <a:lstStyle/>
-                    <a:p>
-                      <a:pPr marL="176213" marR="0" lvl="0" indent="-176213" algn="l" defTabSz="914400" rtl="0" eaLnBrk="1" fontAlgn="auto" latinLnBrk="0" hangingPunct="1">
-                        <a:lnSpc>
-                          <a:spcPct val="100000"/>
-                        </a:lnSpc>
-                        <a:spcBef>
-                          <a:spcPts val="0"/>
-                        </a:spcBef>
-                        <a:spcAft>
-                          <a:spcPts val="0"/>
-                        </a:spcAft>
-                        <a:buClrTx/>
-                        <a:buSzTx/>
-                        <a:buFont typeface="Arial" panose="020B0604020202020204" pitchFamily="34" charset="0"/>
-                        <a:buChar char="•"/>
-                        <a:tabLst>
-                          <a:tab pos="1976438" algn="r"/>
-                        </a:tabLst>
-                        <a:defRPr/>
-                      </a:pPr>
-                      <a:endParaRPr kumimoji="0" lang="es-AR" sz="1200" b="0" i="0" u="none" strike="noStrike" kern="1200" cap="none" spc="0" normalizeH="0" baseline="0" noProof="0" dirty="0">
-                        <a:ln>
-                          <a:noFill/>
-                        </a:ln>
-                        <a:solidFill>
-                          <a:prstClr val="black"/>
-                        </a:solidFill>
-                        <a:effectLst/>
-                        <a:uLnTx/>
-                        <a:uFillTx/>
-                        <a:latin typeface="Calibri" panose="020F0502020204030204"/>
-                        <a:ea typeface="+mn-ea"/>
-                        <a:cs typeface="+mn-cs"/>
-                      </a:endParaRPr>
-                    </a:p>
-                  </a:txBody>
-                  <a:tcPr anchor="ctr">
-                    <a:solidFill>
-                      <a:schemeClr val="accent2">
-                        <a:lumMod val="40000"/>
-                        <a:lumOff val="60000"/>
-                      </a:schemeClr>
-                    </a:solidFill>
-                  </a:tcPr>
-                </a:tc>
-                <a:tc>
-                  <a:txBody>
-                    <a:bodyPr/>
-                    <a:lstStyle/>
-                    <a:p>
-                      <a:pPr marL="171450" marR="0" indent="-171450" algn="l" defTabSz="914400" rtl="0" eaLnBrk="1" fontAlgn="auto" latinLnBrk="0" hangingPunct="1">
-                        <a:lnSpc>
-                          <a:spcPct val="100000"/>
-                        </a:lnSpc>
-                        <a:spcBef>
-                          <a:spcPts val="0"/>
-                        </a:spcBef>
-                        <a:spcAft>
-                          <a:spcPts val="0"/>
-                        </a:spcAft>
-                        <a:buClrTx/>
-                        <a:buSzTx/>
-                        <a:buFont typeface="Arial" panose="020B0604020202020204" pitchFamily="34" charset="0"/>
-                        <a:buChar char="•"/>
-                        <a:tabLst/>
-                        <a:defRPr/>
-                      </a:pPr>
-                      <a:r>
-                        <a:rPr lang="es-AR" sz="1200" kern="1200" dirty="0" smtClean="0">
-                          <a:solidFill>
-                            <a:schemeClr val="dk1"/>
-                          </a:solidFill>
-                          <a:latin typeface="+mn-lt"/>
-                          <a:ea typeface="+mn-ea"/>
-                          <a:cs typeface="+mn-cs"/>
-                        </a:rPr>
-                        <a:t>Valores contrarios a los del evangelio</a:t>
-                      </a:r>
-                    </a:p>
-                    <a:p>
-                      <a:pPr marL="171450" marR="0" indent="-171450" algn="l" defTabSz="914400" rtl="0" eaLnBrk="1" fontAlgn="auto" latinLnBrk="0" hangingPunct="1">
-                        <a:lnSpc>
-                          <a:spcPct val="100000"/>
-                        </a:lnSpc>
-                        <a:spcBef>
-                          <a:spcPts val="0"/>
-                        </a:spcBef>
-                        <a:spcAft>
-                          <a:spcPts val="0"/>
-                        </a:spcAft>
-                        <a:buClrTx/>
-                        <a:buSzTx/>
-                        <a:buFont typeface="Arial" panose="020B0604020202020204" pitchFamily="34" charset="0"/>
-                        <a:buChar char="•"/>
-                        <a:tabLst/>
-                        <a:defRPr/>
-                      </a:pPr>
-                      <a:r>
-                        <a:rPr lang="es-AR" sz="1200" kern="1200" dirty="0" smtClean="0">
-                          <a:solidFill>
-                            <a:schemeClr val="dk1"/>
-                          </a:solidFill>
-                          <a:latin typeface="+mn-lt"/>
-                          <a:ea typeface="+mn-ea"/>
-                          <a:cs typeface="+mn-cs"/>
-                        </a:rPr>
-                        <a:t>Inocua no deja una huella positiva</a:t>
-                      </a:r>
-                      <a:endParaRPr lang="es-AR" sz="1200" kern="1200" baseline="30000" dirty="0" smtClean="0">
-                        <a:solidFill>
-                          <a:schemeClr val="dk1"/>
-                        </a:solidFill>
-                        <a:latin typeface="+mn-lt"/>
-                        <a:ea typeface="+mn-ea"/>
-                        <a:cs typeface="+mn-cs"/>
-                      </a:endParaRPr>
-                    </a:p>
-                  </a:txBody>
-                  <a:tcPr anchor="ctr">
-                    <a:solidFill>
-                      <a:schemeClr val="bg1">
-                        <a:lumMod val="85000"/>
-                      </a:schemeClr>
-                    </a:solidFill>
-                  </a:tcPr>
-                </a:tc>
-                <a:extLst>
-                  <a:ext uri="{0D108BD9-81ED-4DB2-BD59-A6C34878D82A}">
-                    <a16:rowId xmlns:a16="http://schemas.microsoft.com/office/drawing/2014/main" val="2803898946"/>
-                  </a:ext>
-                </a:extLst>
-              </a:tr>
-            </a:tbl>
-          </a:graphicData>
-        </a:graphic>
-      </p:graphicFrame>
-      <p:sp>
-        <p:nvSpPr>
-          <p:cNvPr id="2" name="Título 1"/>
-          <p:cNvSpPr>
-            <a:spLocks noGrp="1"/>
-          </p:cNvSpPr>
-          <p:nvPr>
-            <p:ph type="title"/>
-          </p:nvPr>
-        </p:nvSpPr>
-        <p:spPr>
-          <a:xfrm>
-            <a:off x="838200" y="362049"/>
-            <a:ext cx="5304657" cy="701731"/>
-          </a:xfrm>
-        </p:spPr>
-        <p:txBody>
-          <a:bodyPr/>
-          <a:lstStyle/>
-          <a:p>
-            <a:r>
-              <a:rPr lang="es-AR" dirty="0"/>
-              <a:t>Experiencia de usuario</a:t>
-            </a:r>
-          </a:p>
-        </p:txBody>
-      </p:sp>
-      <p:sp>
-        <p:nvSpPr>
-          <p:cNvPr id="3" name="Marcador de texto 2"/>
-          <p:cNvSpPr>
-            <a:spLocks noGrp="1"/>
-          </p:cNvSpPr>
-          <p:nvPr>
-            <p:ph type="body" sz="quarter" idx="13"/>
-          </p:nvPr>
-        </p:nvSpPr>
-        <p:spPr>
-          <a:xfrm>
-            <a:off x="838200" y="1082573"/>
-            <a:ext cx="1891993" cy="480131"/>
-          </a:xfrm>
-        </p:spPr>
-        <p:txBody>
-          <a:bodyPr/>
-          <a:lstStyle/>
-          <a:p>
-            <a:r>
-              <a:rPr lang="es-AR" dirty="0" smtClean="0"/>
-              <a:t>4. Resumen</a:t>
-            </a:r>
-            <a:endParaRPr lang="es-AR" dirty="0"/>
-          </a:p>
-        </p:txBody>
-      </p:sp>
-    </p:spTree>
-    <p:extLst>
-      <p:ext uri="{BB962C8B-B14F-4D97-AF65-F5344CB8AC3E}">
-        <p14:creationId xmlns:p14="http://schemas.microsoft.com/office/powerpoint/2010/main" val="1200559237"/>
-      </p:ext>
-    </p:extLst>
-  </p:cSld>
-  <p:clrMapOvr>
-    <a:masterClrMapping/>
-  </p:clrMapOvr>
-  <mc:AlternateContent xmlns:mc="http://schemas.openxmlformats.org/markup-compatibility/2006" xmlns:p14="http://schemas.microsoft.com/office/powerpoint/2010/main">
-    <mc:Choice Requires="p14">
-      <p:transition spd="slow" p14:dur="2000"/>
-    </mc:Choice>
-    <mc:Fallback xmlns="">
-      <p:transition spd="slow"/>
-    </mc:Fallback>
-  </mc:AlternateContent>
-  <p:timing>
-    <p:tnLst>
-      <p:par>
-        <p:cTn id="1" dur="indefinite" restart="never" nodeType="tmRoot">
-          <p:childTnLst>
-            <p:seq concurrent="1" nextAc="seek">
-              <p:cTn id="2" dur="indefinite" nodeType="mainSeq">
-                <p:childTnLst>
-                  <p:par>
-                    <p:cTn id="3" fill="hold">
-                      <p:stCondLst>
-                        <p:cond delay="indefinite"/>
-                        <p:cond evt="onBegin" delay="0">
-                          <p:tn val="2"/>
-                        </p:cond>
-                      </p:stCondLst>
-                      <p:childTnLst>
-                        <p:par>
-                          <p:cTn id="4" fill="hold">
-                            <p:stCondLst>
-                              <p:cond delay="0"/>
-                            </p:stCondLst>
-                            <p:childTnLst>
-                              <p:par>
-                                <p:cTn id="5" presetID="10" presetClass="entr" presetSubtype="0" fill="hold" nodeType="afterEffect">
-                                  <p:stCondLst>
-                                    <p:cond delay="1000"/>
-                                  </p:stCondLst>
-                                  <p:childTnLst>
-                                    <p:set>
-                                      <p:cBhvr>
-                                        <p:cTn id="6" dur="1" fill="hold">
-                                          <p:stCondLst>
-                                            <p:cond delay="0"/>
-                                          </p:stCondLst>
-                                        </p:cTn>
-                                        <p:tgtEl>
-                                          <p:spTgt spid="4"/>
-                                        </p:tgtEl>
-                                        <p:attrNameLst>
-                                          <p:attrName>style.visibility</p:attrName>
-                                        </p:attrNameLst>
-                                      </p:cBhvr>
-                                      <p:to>
-                                        <p:strVal val="visible"/>
-                                      </p:to>
-                                    </p:set>
-                                    <p:animEffect transition="in" filter="fade">
-                                      <p:cBhvr>
-                                        <p:cTn id="7" dur="1000"/>
-                                        <p:tgtEl>
-                                          <p:spTgt spid="4"/>
-                                        </p:tgtEl>
-                                      </p:cBhvr>
-                                    </p:animEffect>
-                                  </p:childTnLst>
-                                </p:cTn>
-                              </p:par>
-                            </p:childTnLst>
-                          </p:cTn>
-                        </p:par>
-                      </p:childTnLst>
-                    </p:cTn>
-                  </p:par>
-                </p:childTnLst>
-              </p:cTn>
-              <p:prevCondLst>
-                <p:cond evt="onPrev" delay="0">
-                  <p:tgtEl>
-                    <p:sldTgt/>
-                  </p:tgtEl>
-                </p:cond>
-              </p:prevCondLst>
-              <p:nextCondLst>
-                <p:cond evt="onNext" delay="0">
-                  <p:tgtEl>
-                    <p:sldTgt/>
-                  </p:tgtEl>
-                </p:cond>
-              </p:nextCondLst>
-            </p:seq>
-          </p:childTnLst>
-        </p:cTn>
-      </p:par>
-    </p:tnLst>
-  </p:timing>
-</p:sld>
-</file>
-
-<file path=ppt/slides/slide17.xml><?xml version="1.0" encoding="utf-8"?>
 <p:sld xmlns:a="http://schemas.openxmlformats.org/drawingml/2006/main" xmlns:r="http://schemas.openxmlformats.org/officeDocument/2006/relationships" xmlns:p="http://schemas.openxmlformats.org/presentationml/2006/main">
   <p:cSld>
     <p:spTree>
